--- a/topic00-processing/talk-1/a-intro-to-programming.pptx
+++ b/topic00-processing/talk-1/a-intro-to-programming.pptx
@@ -5,24 +5,26 @@
     <p:sldMasterId id="2147483648" r:id="rId1"/>
   </p:sldMasterIdLst>
   <p:notesMasterIdLst>
-    <p:notesMasterId r:id="rId17"/>
+    <p:notesMasterId r:id="rId19"/>
   </p:notesMasterIdLst>
   <p:sldIdLst>
     <p:sldId id="256" r:id="rId2"/>
-    <p:sldId id="294" r:id="rId3"/>
-    <p:sldId id="321" r:id="rId4"/>
-    <p:sldId id="322" r:id="rId5"/>
-    <p:sldId id="259" r:id="rId6"/>
-    <p:sldId id="265" r:id="rId7"/>
-    <p:sldId id="273" r:id="rId8"/>
-    <p:sldId id="274" r:id="rId9"/>
-    <p:sldId id="323" r:id="rId10"/>
-    <p:sldId id="269" r:id="rId11"/>
-    <p:sldId id="276" r:id="rId12"/>
-    <p:sldId id="277" r:id="rId13"/>
-    <p:sldId id="266" r:id="rId14"/>
-    <p:sldId id="311" r:id="rId15"/>
-    <p:sldId id="281" r:id="rId16"/>
+    <p:sldId id="324" r:id="rId3"/>
+    <p:sldId id="325" r:id="rId4"/>
+    <p:sldId id="326" r:id="rId5"/>
+    <p:sldId id="327" r:id="rId6"/>
+    <p:sldId id="328" r:id="rId7"/>
+    <p:sldId id="329" r:id="rId8"/>
+    <p:sldId id="294" r:id="rId9"/>
+    <p:sldId id="321" r:id="rId10"/>
+    <p:sldId id="265" r:id="rId11"/>
+    <p:sldId id="273" r:id="rId12"/>
+    <p:sldId id="274" r:id="rId13"/>
+    <p:sldId id="323" r:id="rId14"/>
+    <p:sldId id="269" r:id="rId15"/>
+    <p:sldId id="276" r:id="rId16"/>
+    <p:sldId id="277" r:id="rId17"/>
+    <p:sldId id="281" r:id="rId18"/>
   </p:sldIdLst>
   <p:sldSz cx="12192000" cy="6858000"/>
   <p:notesSz cx="6858000" cy="9144000"/>
@@ -222,7 +224,7 @@
           <a:p>
             <a:fld id="{58C3D141-1E1C-433C-AD3A-CD56CBBB4F9F}" type="datetimeFigureOut">
               <a:rPr lang="en-IE" smtClean="0"/>
-              <a:t>12/11/2024</a:t>
+              <a:t>08/12/2025</a:t>
             </a:fld>
             <a:endParaRPr lang="en-IE"/>
           </a:p>
@@ -517,12 +519,7 @@
             <p:ph type="sldImg"/>
           </p:nvPr>
         </p:nvSpPr>
-        <p:spPr>
-          <a:xfrm>
-            <a:off x="381000" y="685800"/>
-            <a:ext cx="6096000" cy="3429000"/>
-          </a:xfrm>
-        </p:spPr>
+        <p:spPr/>
       </p:sp>
       <p:sp>
         <p:nvSpPr>
@@ -539,28 +536,7 @@
           <a:bodyPr/>
           <a:lstStyle/>
           <a:p>
-            <a:r>
-              <a:rPr lang="en-IE" dirty="0"/>
-              <a:t>Can visually the result of your programming code.</a:t>
-            </a:r>
-          </a:p>
-          <a:p>
-            <a:r>
-              <a:rPr lang="en-IE" dirty="0"/>
-              <a:t>Visual confirmation that your code is correct.</a:t>
-            </a:r>
-          </a:p>
-          <a:p>
-            <a:r>
-              <a:rPr lang="en-IE" dirty="0"/>
-              <a:t>Little “ceremony” around getting a piece of code to work…simple IDE and you can have a program with only one line of code if you wish.</a:t>
-            </a:r>
-          </a:p>
-          <a:p>
-            <a:r>
-              <a:rPr lang="en-IE" dirty="0"/>
-              <a:t>Helps with understanding flow of control e.g. sequence, selection (if), iteration (loops)</a:t>
-            </a:r>
+            <a:endParaRPr lang="en-IE" dirty="0"/>
           </a:p>
         </p:txBody>
       </p:sp>
@@ -571,7 +547,7 @@
             <a:spLocks noGrp="1"/>
           </p:cNvSpPr>
           <p:nvPr>
-            <p:ph type="sldNum" sz="quarter" idx="10"/>
+            <p:ph type="sldNum" sz="quarter" idx="5"/>
           </p:nvPr>
         </p:nvSpPr>
         <p:spPr/>
@@ -581,7 +557,7 @@
           <a:p>
             <a:fld id="{F963DB36-5273-45A5-A77C-FE9BE0779D84}" type="slidenum">
               <a:rPr lang="en-IE" smtClean="0"/>
-              <a:t>5</a:t>
+              <a:t>6</a:t>
             </a:fld>
             <a:endParaRPr lang="en-IE"/>
           </a:p>
@@ -590,7 +566,7 @@
     </p:spTree>
     <p:extLst>
       <p:ext uri="{BB962C8B-B14F-4D97-AF65-F5344CB8AC3E}">
-        <p14:creationId xmlns:p14="http://schemas.microsoft.com/office/powerpoint/2010/main" val="311184190"/>
+        <p14:creationId xmlns:p14="http://schemas.microsoft.com/office/powerpoint/2010/main" val="20556351"/>
       </p:ext>
     </p:extLst>
   </p:cSld>
@@ -780,7 +756,7 @@
             <a:fld id="{1D8BD707-D9CF-40AE-B4C6-C98DA3205C09}" type="datetimeFigureOut">
               <a:rPr lang="en-US" smtClean="0"/>
               <a:pPr/>
-              <a:t>11/12/24</a:t>
+              <a:t>12/8/2025</a:t>
             </a:fld>
             <a:endParaRPr lang="en-US"/>
           </a:p>
@@ -945,7 +921,7 @@
             <a:fld id="{1D8BD707-D9CF-40AE-B4C6-C98DA3205C09}" type="datetimeFigureOut">
               <a:rPr lang="en-US" smtClean="0"/>
               <a:pPr/>
-              <a:t>11/12/24</a:t>
+              <a:t>12/8/2025</a:t>
             </a:fld>
             <a:endParaRPr lang="en-US"/>
           </a:p>
@@ -1120,7 +1096,7 @@
             <a:fld id="{1D8BD707-D9CF-40AE-B4C6-C98DA3205C09}" type="datetimeFigureOut">
               <a:rPr lang="en-US" smtClean="0"/>
               <a:pPr/>
-              <a:t>11/12/24</a:t>
+              <a:t>12/8/2025</a:t>
             </a:fld>
             <a:endParaRPr lang="en-US"/>
           </a:p>
@@ -1296,7 +1272,7 @@
             <a:fld id="{1D8BD707-D9CF-40AE-B4C6-C98DA3205C09}" type="datetimeFigureOut">
               <a:rPr lang="en-US" smtClean="0"/>
               <a:pPr/>
-              <a:t>11/12/24</a:t>
+              <a:t>12/8/2025</a:t>
             </a:fld>
             <a:endParaRPr lang="en-US"/>
           </a:p>
@@ -1576,7 +1552,7 @@
             <a:fld id="{1D8BD707-D9CF-40AE-B4C6-C98DA3205C09}" type="datetimeFigureOut">
               <a:rPr lang="en-US" smtClean="0"/>
               <a:pPr/>
-              <a:t>11/12/24</a:t>
+              <a:t>12/8/2025</a:t>
             </a:fld>
             <a:endParaRPr lang="en-US"/>
           </a:p>
@@ -1869,7 +1845,7 @@
             <a:fld id="{1D8BD707-D9CF-40AE-B4C6-C98DA3205C09}" type="datetimeFigureOut">
               <a:rPr lang="en-US" smtClean="0"/>
               <a:pPr/>
-              <a:t>11/12/24</a:t>
+              <a:t>12/8/2025</a:t>
             </a:fld>
             <a:endParaRPr lang="en-US"/>
           </a:p>
@@ -2327,7 +2303,7 @@
             <a:fld id="{1D8BD707-D9CF-40AE-B4C6-C98DA3205C09}" type="datetimeFigureOut">
               <a:rPr lang="en-US" smtClean="0"/>
               <a:pPr/>
-              <a:t>11/12/24</a:t>
+              <a:t>12/8/2025</a:t>
             </a:fld>
             <a:endParaRPr lang="en-US"/>
           </a:p>
@@ -2487,7 +2463,7 @@
             <a:fld id="{1D8BD707-D9CF-40AE-B4C6-C98DA3205C09}" type="datetimeFigureOut">
               <a:rPr lang="en-US" smtClean="0"/>
               <a:pPr/>
-              <a:t>11/12/24</a:t>
+              <a:t>12/8/2025</a:t>
             </a:fld>
             <a:endParaRPr lang="en-US"/>
           </a:p>
@@ -2614,7 +2590,7 @@
             <a:fld id="{1D8BD707-D9CF-40AE-B4C6-C98DA3205C09}" type="datetimeFigureOut">
               <a:rPr lang="en-US" smtClean="0"/>
               <a:pPr/>
-              <a:t>11/12/24</a:t>
+              <a:t>12/8/2025</a:t>
             </a:fld>
             <a:endParaRPr lang="en-US"/>
           </a:p>
@@ -2886,7 +2862,7 @@
             <a:fld id="{1D8BD707-D9CF-40AE-B4C6-C98DA3205C09}" type="datetimeFigureOut">
               <a:rPr lang="en-US" smtClean="0"/>
               <a:pPr/>
-              <a:t>11/12/24</a:t>
+              <a:t>12/8/2025</a:t>
             </a:fld>
             <a:endParaRPr lang="en-US"/>
           </a:p>
@@ -3135,7 +3111,7 @@
             <a:fld id="{1D8BD707-D9CF-40AE-B4C6-C98DA3205C09}" type="datetimeFigureOut">
               <a:rPr lang="en-US" smtClean="0"/>
               <a:pPr/>
-              <a:t>11/12/24</a:t>
+              <a:t>12/8/2025</a:t>
             </a:fld>
             <a:endParaRPr lang="en-US"/>
           </a:p>
@@ -3343,7 +3319,7 @@
             <a:fld id="{1D8BD707-D9CF-40AE-B4C6-C98DA3205C09}" type="datetimeFigureOut">
               <a:rPr lang="en-US" smtClean="0"/>
               <a:pPr/>
-              <a:t>11/12/24</a:t>
+              <a:t>12/8/2025</a:t>
             </a:fld>
             <a:endParaRPr lang="en-US"/>
           </a:p>
@@ -3993,2214 +3969,6 @@
           <a:lstStyle/>
           <a:p>
             <a:r>
-              <a:rPr lang="en-IE" dirty="0" err="1"/>
-              <a:t>rect</a:t>
-            </a:r>
-            <a:r>
-              <a:rPr lang="en-IE" dirty="0"/>
-              <a:t>() – Drawing a Rectangle</a:t>
-            </a:r>
-          </a:p>
-        </p:txBody>
-      </p:sp>
-      <p:pic>
-        <p:nvPicPr>
-          <p:cNvPr id="4099" name="Picture 3" descr="C:\Users\Siobhan\Dropbox\Programming Fundamentals (1)\Semester 1\Sept 2015 specifics\Processing\repo\topic01\book\img\12.png"/>
-          <p:cNvPicPr>
-            <a:picLocks noGrp="1" noChangeAspect="1" noChangeArrowheads="1"/>
-          </p:cNvPicPr>
-          <p:nvPr>
-            <p:ph idx="1"/>
-          </p:nvPr>
-        </p:nvPicPr>
-        <p:blipFill>
-          <a:blip r:embed="rId2">
-            <a:extLst>
-              <a:ext uri="{28A0092B-C50C-407E-A947-70E740481C1C}">
-                <a14:useLocalDpi xmlns:a14="http://schemas.microsoft.com/office/drawing/2010/main" val="0"/>
-              </a:ext>
-            </a:extLst>
-          </a:blip>
-          <a:srcRect/>
-          <a:stretch>
-            <a:fillRect/>
-          </a:stretch>
-        </p:blipFill>
-        <p:spPr bwMode="auto">
-          <a:xfrm>
-            <a:off x="8077200" y="4038600"/>
-            <a:ext cx="2209800" cy="2547408"/>
-          </a:xfrm>
-          <a:prstGeom prst="rect">
-            <a:avLst/>
-          </a:prstGeom>
-          <a:noFill/>
-          <a:extLst>
-            <a:ext uri="{909E8E84-426E-40DD-AFC4-6F175D3DCCD1}">
-              <a14:hiddenFill xmlns:a14="http://schemas.microsoft.com/office/drawing/2010/main">
-                <a:solidFill>
-                  <a:srgbClr val="FFFFFF"/>
-                </a:solidFill>
-              </a14:hiddenFill>
-            </a:ext>
-          </a:extLst>
-        </p:spPr>
-      </p:pic>
-      <p:pic>
-        <p:nvPicPr>
-          <p:cNvPr id="3" name="Picture 2"/>
-          <p:cNvPicPr>
-            <a:picLocks noChangeAspect="1"/>
-          </p:cNvPicPr>
-          <p:nvPr/>
-        </p:nvPicPr>
-        <p:blipFill>
-          <a:blip r:embed="rId3"/>
-          <a:stretch>
-            <a:fillRect/>
-          </a:stretch>
-        </p:blipFill>
-        <p:spPr>
-          <a:xfrm>
-            <a:off x="2590800" y="1417639"/>
-            <a:ext cx="3981450" cy="5648325"/>
-          </a:xfrm>
-          <a:prstGeom prst="rect">
-            <a:avLst/>
-          </a:prstGeom>
-        </p:spPr>
-      </p:pic>
-    </p:spTree>
-    <p:extLst>
-      <p:ext uri="{BB962C8B-B14F-4D97-AF65-F5344CB8AC3E}">
-        <p14:creationId xmlns:p14="http://schemas.microsoft.com/office/powerpoint/2010/main" val="4142792528"/>
-      </p:ext>
-    </p:extLst>
-  </p:cSld>
-  <p:clrMapOvr>
-    <a:masterClrMapping/>
-  </p:clrMapOvr>
-</p:sld>
-</file>
-
-<file path=ppt/slides/slide11.xml><?xml version="1.0" encoding="utf-8"?>
-<p:sld xmlns:a="http://schemas.openxmlformats.org/drawingml/2006/main" xmlns:r="http://schemas.openxmlformats.org/officeDocument/2006/relationships" xmlns:p="http://schemas.openxmlformats.org/presentationml/2006/main">
-  <p:cSld>
-    <p:spTree>
-      <p:nvGrpSpPr>
-        <p:cNvPr id="1" name=""/>
-        <p:cNvGrpSpPr/>
-        <p:nvPr/>
-      </p:nvGrpSpPr>
-      <p:grpSpPr>
-        <a:xfrm>
-          <a:off x="0" y="0"/>
-          <a:ext cx="0" cy="0"/>
-          <a:chOff x="0" y="0"/>
-          <a:chExt cx="0" cy="0"/>
-        </a:xfrm>
-      </p:grpSpPr>
-      <p:sp>
-        <p:nvSpPr>
-          <p:cNvPr id="2" name="Title 1"/>
-          <p:cNvSpPr>
-            <a:spLocks noGrp="1"/>
-          </p:cNvSpPr>
-          <p:nvPr>
-            <p:ph type="title"/>
-          </p:nvPr>
-        </p:nvSpPr>
-        <p:spPr/>
-        <p:txBody>
-          <a:bodyPr>
-            <a:normAutofit/>
-          </a:bodyPr>
-          <a:lstStyle/>
-          <a:p>
-            <a:r>
-              <a:rPr lang="en-IE" dirty="0" err="1"/>
-              <a:t>rect</a:t>
-            </a:r>
-            <a:r>
-              <a:rPr lang="en-IE" dirty="0"/>
-              <a:t>() – Drawing a Square</a:t>
-            </a:r>
-          </a:p>
-        </p:txBody>
-      </p:sp>
-      <p:pic>
-        <p:nvPicPr>
-          <p:cNvPr id="3074" name="Picture 2"/>
-          <p:cNvPicPr>
-            <a:picLocks noChangeAspect="1" noChangeArrowheads="1"/>
-          </p:cNvPicPr>
-          <p:nvPr/>
-        </p:nvPicPr>
-        <p:blipFill rotWithShape="1">
-          <a:blip r:embed="rId2">
-            <a:extLst>
-              <a:ext uri="{28A0092B-C50C-407E-A947-70E740481C1C}">
-                <a14:useLocalDpi xmlns:a14="http://schemas.microsoft.com/office/drawing/2010/main" val="0"/>
-              </a:ext>
-            </a:extLst>
-          </a:blip>
-          <a:srcRect l="32051" t="10913" r="31618" b="64204"/>
-          <a:stretch/>
-        </p:blipFill>
-        <p:spPr bwMode="auto">
-          <a:xfrm>
-            <a:off x="2036618" y="1676401"/>
-            <a:ext cx="8250382" cy="3176943"/>
-          </a:xfrm>
-          <a:prstGeom prst="rect">
-            <a:avLst/>
-          </a:prstGeom>
-          <a:noFill/>
-          <a:ln w="9525">
-            <a:solidFill>
-              <a:schemeClr val="tx1"/>
-            </a:solidFill>
-            <a:miter lim="800000"/>
-            <a:headEnd/>
-            <a:tailEnd/>
-          </a:ln>
-          <a:extLst>
-            <a:ext uri="{909E8E84-426E-40DD-AFC4-6F175D3DCCD1}">
-              <a14:hiddenFill xmlns:a14="http://schemas.microsoft.com/office/drawing/2010/main">
-                <a:solidFill>
-                  <a:schemeClr val="accent1"/>
-                </a:solidFill>
-              </a14:hiddenFill>
-            </a:ext>
-          </a:extLst>
-        </p:spPr>
-      </p:pic>
-      <p:pic>
-        <p:nvPicPr>
-          <p:cNvPr id="6" name="Picture 4" descr="C:\Users\Siobhan\Dropbox\Programming Fundamentals (1)\Semester 1\Sept 2015 specifics\Processing\repo\topic01\book\img\13.png"/>
-          <p:cNvPicPr>
-            <a:picLocks noChangeAspect="1" noChangeArrowheads="1"/>
-          </p:cNvPicPr>
-          <p:nvPr/>
-        </p:nvPicPr>
-        <p:blipFill>
-          <a:blip r:embed="rId3">
-            <a:extLst>
-              <a:ext uri="{28A0092B-C50C-407E-A947-70E740481C1C}">
-                <a14:useLocalDpi xmlns:a14="http://schemas.microsoft.com/office/drawing/2010/main" val="0"/>
-              </a:ext>
-            </a:extLst>
-          </a:blip>
-          <a:srcRect/>
-          <a:stretch>
-            <a:fillRect/>
-          </a:stretch>
-        </p:blipFill>
-        <p:spPr bwMode="auto">
-          <a:xfrm>
-            <a:off x="8229600" y="4191000"/>
-            <a:ext cx="2164814" cy="2495550"/>
-          </a:xfrm>
-          <a:prstGeom prst="rect">
-            <a:avLst/>
-          </a:prstGeom>
-          <a:noFill/>
-          <a:extLst>
-            <a:ext uri="{909E8E84-426E-40DD-AFC4-6F175D3DCCD1}">
-              <a14:hiddenFill xmlns:a14="http://schemas.microsoft.com/office/drawing/2010/main">
-                <a:solidFill>
-                  <a:srgbClr val="FFFFFF"/>
-                </a:solidFill>
-              </a14:hiddenFill>
-            </a:ext>
-          </a:extLst>
-        </p:spPr>
-      </p:pic>
-      <p:sp>
-        <p:nvSpPr>
-          <p:cNvPr id="3" name="Oval 2"/>
-          <p:cNvSpPr/>
-          <p:nvPr/>
-        </p:nvSpPr>
-        <p:spPr>
-          <a:xfrm>
-            <a:off x="4038600" y="4114800"/>
-            <a:ext cx="152400" cy="304800"/>
-          </a:xfrm>
-          <a:prstGeom prst="ellipse">
-            <a:avLst/>
-          </a:prstGeom>
-          <a:noFill/>
-          <a:ln>
-            <a:solidFill>
-              <a:srgbClr val="FF0000"/>
-            </a:solidFill>
-          </a:ln>
-        </p:spPr>
-        <p:style>
-          <a:lnRef idx="2">
-            <a:schemeClr val="accent1">
-              <a:shade val="50000"/>
-            </a:schemeClr>
-          </a:lnRef>
-          <a:fillRef idx="1">
-            <a:schemeClr val="accent1"/>
-          </a:fillRef>
-          <a:effectRef idx="0">
-            <a:schemeClr val="accent1"/>
-          </a:effectRef>
-          <a:fontRef idx="minor">
-            <a:schemeClr val="lt1"/>
-          </a:fontRef>
-        </p:style>
-        <p:txBody>
-          <a:bodyPr rtlCol="0" anchor="ctr"/>
-          <a:lstStyle/>
-          <a:p>
-            <a:pPr algn="ctr"/>
-            <a:endParaRPr lang="en-IE"/>
-          </a:p>
-        </p:txBody>
-      </p:sp>
-      <p:sp>
-        <p:nvSpPr>
-          <p:cNvPr id="4" name="TextBox 3"/>
-          <p:cNvSpPr txBox="1"/>
-          <p:nvPr/>
-        </p:nvSpPr>
-        <p:spPr>
-          <a:xfrm>
-            <a:off x="2069275" y="5438775"/>
-            <a:ext cx="4419600" cy="923330"/>
-          </a:xfrm>
-          <a:prstGeom prst="rect">
-            <a:avLst/>
-          </a:prstGeom>
-          <a:solidFill>
-            <a:schemeClr val="accent6">
-              <a:lumMod val="20000"/>
-              <a:lumOff val="80000"/>
-            </a:schemeClr>
-          </a:solidFill>
-          <a:ln>
-            <a:solidFill>
-              <a:srgbClr val="FF0000"/>
-            </a:solidFill>
-          </a:ln>
-        </p:spPr>
-        <p:txBody>
-          <a:bodyPr wrap="square" rtlCol="0">
-            <a:spAutoFit/>
-          </a:bodyPr>
-          <a:lstStyle/>
-          <a:p>
-            <a:r>
-              <a:rPr lang="en-IE" dirty="0"/>
-              <a:t>Note how each line of code has a semi-colon (;) at the end of it.  This is called a </a:t>
-            </a:r>
-            <a:r>
-              <a:rPr lang="en-IE" dirty="0">
-                <a:solidFill>
-                  <a:srgbClr val="FF0000"/>
-                </a:solidFill>
-              </a:rPr>
-              <a:t>statement terminator</a:t>
-            </a:r>
-            <a:r>
-              <a:rPr lang="en-IE" dirty="0"/>
-              <a:t> and must be included.</a:t>
-            </a:r>
-          </a:p>
-        </p:txBody>
-      </p:sp>
-      <p:cxnSp>
-        <p:nvCxnSpPr>
-          <p:cNvPr id="7" name="Straight Arrow Connector 6"/>
-          <p:cNvCxnSpPr>
-            <a:stCxn id="4" idx="0"/>
-          </p:cNvCxnSpPr>
-          <p:nvPr/>
-        </p:nvCxnSpPr>
-        <p:spPr>
-          <a:xfrm flipH="1" flipV="1">
-            <a:off x="4114801" y="4419601"/>
-            <a:ext cx="164275" cy="1019175"/>
-          </a:xfrm>
-          <a:prstGeom prst="straightConnector1">
-            <a:avLst/>
-          </a:prstGeom>
-          <a:ln>
-            <a:tailEnd type="arrow"/>
-          </a:ln>
-        </p:spPr>
-        <p:style>
-          <a:lnRef idx="2">
-            <a:schemeClr val="accent2"/>
-          </a:lnRef>
-          <a:fillRef idx="0">
-            <a:schemeClr val="accent2"/>
-          </a:fillRef>
-          <a:effectRef idx="1">
-            <a:schemeClr val="accent2"/>
-          </a:effectRef>
-          <a:fontRef idx="minor">
-            <a:schemeClr val="tx1"/>
-          </a:fontRef>
-        </p:style>
-      </p:cxnSp>
-    </p:spTree>
-    <p:extLst>
-      <p:ext uri="{BB962C8B-B14F-4D97-AF65-F5344CB8AC3E}">
-        <p14:creationId xmlns:p14="http://schemas.microsoft.com/office/powerpoint/2010/main" val="3084912047"/>
-      </p:ext>
-    </p:extLst>
-  </p:cSld>
-  <p:clrMapOvr>
-    <a:masterClrMapping/>
-  </p:clrMapOvr>
-</p:sld>
-</file>
-
-<file path=ppt/slides/slide12.xml><?xml version="1.0" encoding="utf-8"?>
-<p:sld xmlns:a="http://schemas.openxmlformats.org/drawingml/2006/main" xmlns:r="http://schemas.openxmlformats.org/officeDocument/2006/relationships" xmlns:p="http://schemas.openxmlformats.org/presentationml/2006/main">
-  <p:cSld>
-    <p:spTree>
-      <p:nvGrpSpPr>
-        <p:cNvPr id="1" name=""/>
-        <p:cNvGrpSpPr/>
-        <p:nvPr/>
-      </p:nvGrpSpPr>
-      <p:grpSpPr>
-        <a:xfrm>
-          <a:off x="0" y="0"/>
-          <a:ext cx="0" cy="0"/>
-          <a:chOff x="0" y="0"/>
-          <a:chExt cx="0" cy="0"/>
-        </a:xfrm>
-      </p:grpSpPr>
-      <p:sp>
-        <p:nvSpPr>
-          <p:cNvPr id="2" name="Title 1"/>
-          <p:cNvSpPr>
-            <a:spLocks noGrp="1"/>
-          </p:cNvSpPr>
-          <p:nvPr>
-            <p:ph type="title"/>
-          </p:nvPr>
-        </p:nvSpPr>
-        <p:spPr/>
-        <p:txBody>
-          <a:bodyPr/>
-          <a:lstStyle/>
-          <a:p>
-            <a:r>
-              <a:rPr lang="en-IE" dirty="0" err="1"/>
-              <a:t>rect</a:t>
-            </a:r>
-            <a:r>
-              <a:rPr lang="en-IE" dirty="0"/>
-              <a:t>() – Syntax</a:t>
-            </a:r>
-          </a:p>
-        </p:txBody>
-      </p:sp>
-      <p:sp>
-        <p:nvSpPr>
-          <p:cNvPr id="3" name="Content Placeholder 2"/>
-          <p:cNvSpPr>
-            <a:spLocks noGrp="1"/>
-          </p:cNvSpPr>
-          <p:nvPr>
-            <p:ph idx="1"/>
-          </p:nvPr>
-        </p:nvSpPr>
-        <p:spPr>
-          <a:xfrm>
-            <a:off x="1981200" y="1600202"/>
-            <a:ext cx="8305800" cy="2362199"/>
-          </a:xfrm>
-          <a:ln>
-            <a:solidFill>
-              <a:schemeClr val="tx1"/>
-            </a:solidFill>
-          </a:ln>
-        </p:spPr>
-        <p:txBody>
-          <a:bodyPr>
-            <a:noAutofit/>
-          </a:bodyPr>
-          <a:lstStyle/>
-          <a:p>
-            <a:pPr marL="0" indent="0">
-              <a:spcBef>
-                <a:spcPts val="600"/>
-              </a:spcBef>
-              <a:buNone/>
-            </a:pPr>
-            <a:r>
-              <a:rPr lang="en-IE" dirty="0" err="1"/>
-              <a:t>rect</a:t>
-            </a:r>
-            <a:r>
-              <a:rPr lang="en-IE" dirty="0"/>
-              <a:t>(</a:t>
-            </a:r>
-            <a:r>
-              <a:rPr lang="en-IE" dirty="0">
-                <a:solidFill>
-                  <a:srgbClr val="FF0000"/>
-                </a:solidFill>
-              </a:rPr>
-              <a:t>x, </a:t>
-            </a:r>
-            <a:r>
-              <a:rPr lang="en-IE" dirty="0">
-                <a:solidFill>
-                  <a:schemeClr val="tx2">
-                    <a:lumMod val="60000"/>
-                    <a:lumOff val="40000"/>
-                  </a:schemeClr>
-                </a:solidFill>
-              </a:rPr>
-              <a:t>y, </a:t>
-            </a:r>
-            <a:r>
-              <a:rPr lang="en-IE" dirty="0">
-                <a:solidFill>
-                  <a:srgbClr val="92D050"/>
-                </a:solidFill>
-              </a:rPr>
-              <a:t>w,</a:t>
-            </a:r>
-            <a:r>
-              <a:rPr lang="en-IE" dirty="0"/>
-              <a:t> </a:t>
-            </a:r>
-            <a:r>
-              <a:rPr lang="en-IE" dirty="0">
-                <a:solidFill>
-                  <a:schemeClr val="accent4"/>
-                </a:solidFill>
-              </a:rPr>
-              <a:t>h</a:t>
-            </a:r>
-            <a:r>
-              <a:rPr lang="en-IE" dirty="0"/>
-              <a:t>) </a:t>
-            </a:r>
-          </a:p>
-          <a:p>
-            <a:pPr marL="400050" lvl="1" indent="0">
-              <a:spcBef>
-                <a:spcPts val="600"/>
-              </a:spcBef>
-              <a:buNone/>
-            </a:pPr>
-            <a:r>
-              <a:rPr lang="en-IE" sz="2400" dirty="0">
-                <a:solidFill>
-                  <a:srgbClr val="FF0000"/>
-                </a:solidFill>
-              </a:rPr>
-              <a:t>x = x-coordinate of the </a:t>
-            </a:r>
-            <a:r>
-              <a:rPr lang="en-IE" sz="2400" u="sng" dirty="0">
-                <a:solidFill>
-                  <a:srgbClr val="FF0000"/>
-                </a:solidFill>
-              </a:rPr>
-              <a:t>upper left corner</a:t>
-            </a:r>
-            <a:r>
-              <a:rPr lang="en-IE" sz="2400" dirty="0">
-                <a:solidFill>
-                  <a:srgbClr val="FF0000"/>
-                </a:solidFill>
-              </a:rPr>
-              <a:t> of the rectangle </a:t>
-            </a:r>
-          </a:p>
-          <a:p>
-            <a:pPr marL="400050" lvl="1" indent="0">
-              <a:spcBef>
-                <a:spcPts val="600"/>
-              </a:spcBef>
-              <a:buNone/>
-            </a:pPr>
-            <a:r>
-              <a:rPr lang="en-IE" sz="2400" dirty="0">
-                <a:solidFill>
-                  <a:schemeClr val="tx2">
-                    <a:lumMod val="60000"/>
-                    <a:lumOff val="40000"/>
-                  </a:schemeClr>
-                </a:solidFill>
-              </a:rPr>
-              <a:t>y = y-coordinate of the </a:t>
-            </a:r>
-            <a:r>
-              <a:rPr lang="en-IE" sz="2400" u="sng" dirty="0">
-                <a:solidFill>
-                  <a:schemeClr val="tx2">
-                    <a:lumMod val="60000"/>
-                    <a:lumOff val="40000"/>
-                  </a:schemeClr>
-                </a:solidFill>
-              </a:rPr>
-              <a:t>upper left corner</a:t>
-            </a:r>
-            <a:r>
-              <a:rPr lang="en-IE" sz="2400" dirty="0">
-                <a:solidFill>
-                  <a:schemeClr val="tx2">
-                    <a:lumMod val="60000"/>
-                    <a:lumOff val="40000"/>
-                  </a:schemeClr>
-                </a:solidFill>
-              </a:rPr>
-              <a:t> of the rectangle </a:t>
-            </a:r>
-          </a:p>
-          <a:p>
-            <a:pPr marL="400050" lvl="1" indent="0">
-              <a:spcBef>
-                <a:spcPts val="600"/>
-              </a:spcBef>
-              <a:buNone/>
-            </a:pPr>
-            <a:r>
-              <a:rPr lang="en-IE" sz="2400" dirty="0">
-                <a:solidFill>
-                  <a:srgbClr val="92D050"/>
-                </a:solidFill>
-              </a:rPr>
-              <a:t>w = width of the rectangle </a:t>
-            </a:r>
-          </a:p>
-          <a:p>
-            <a:pPr marL="400050" lvl="1" indent="0">
-              <a:spcBef>
-                <a:spcPts val="600"/>
-              </a:spcBef>
-              <a:buNone/>
-            </a:pPr>
-            <a:r>
-              <a:rPr lang="en-IE" sz="2400" dirty="0">
-                <a:solidFill>
-                  <a:schemeClr val="accent4"/>
-                </a:solidFill>
-              </a:rPr>
-              <a:t>h = height of the rectangle</a:t>
-            </a:r>
-          </a:p>
-        </p:txBody>
-      </p:sp>
-      <p:sp>
-        <p:nvSpPr>
-          <p:cNvPr id="4" name="TextBox 3"/>
-          <p:cNvSpPr txBox="1"/>
-          <p:nvPr/>
-        </p:nvSpPr>
-        <p:spPr>
-          <a:xfrm>
-            <a:off x="7696200" y="4382632"/>
-            <a:ext cx="2590800" cy="2246769"/>
-          </a:xfrm>
-          <a:prstGeom prst="rect">
-            <a:avLst/>
-          </a:prstGeom>
-          <a:noFill/>
-          <a:ln>
-            <a:solidFill>
-              <a:schemeClr val="tx1"/>
-            </a:solidFill>
-          </a:ln>
-        </p:spPr>
-        <p:txBody>
-          <a:bodyPr wrap="square" rtlCol="0">
-            <a:spAutoFit/>
-          </a:bodyPr>
-          <a:lstStyle/>
-          <a:p>
-            <a:pPr algn="ctr"/>
-            <a:r>
-              <a:rPr lang="en-IE" sz="2800" dirty="0"/>
-              <a:t>To draw a square, the width and height must be the same value.</a:t>
-            </a:r>
-          </a:p>
-        </p:txBody>
-      </p:sp>
-      <p:sp>
-        <p:nvSpPr>
-          <p:cNvPr id="5" name="TextBox 4"/>
-          <p:cNvSpPr txBox="1"/>
-          <p:nvPr/>
-        </p:nvSpPr>
-        <p:spPr>
-          <a:xfrm>
-            <a:off x="1981200" y="4104144"/>
-            <a:ext cx="5562600" cy="2677656"/>
-          </a:xfrm>
-          <a:prstGeom prst="rect">
-            <a:avLst/>
-          </a:prstGeom>
-          <a:noFill/>
-          <a:ln>
-            <a:solidFill>
-              <a:schemeClr val="tx1"/>
-            </a:solidFill>
-          </a:ln>
-        </p:spPr>
-        <p:txBody>
-          <a:bodyPr wrap="square" rtlCol="0">
-            <a:spAutoFit/>
-          </a:bodyPr>
-          <a:lstStyle/>
-          <a:p>
-            <a:pPr marL="285750" indent="-285750">
-              <a:buFont typeface="Arial" panose="020B0604020202020204" pitchFamily="34" charset="0"/>
-              <a:buChar char="•"/>
-            </a:pPr>
-            <a:r>
-              <a:rPr lang="en-IE" sz="2400" dirty="0"/>
-              <a:t>The </a:t>
-            </a:r>
-            <a:r>
-              <a:rPr lang="en-IE" sz="2400" dirty="0" err="1"/>
-              <a:t>rect</a:t>
-            </a:r>
-            <a:r>
-              <a:rPr lang="en-IE" sz="2400" dirty="0"/>
-              <a:t> function above defines four </a:t>
-            </a:r>
-            <a:r>
-              <a:rPr lang="en-IE" sz="2400" dirty="0">
-                <a:solidFill>
-                  <a:srgbClr val="FF0000"/>
-                </a:solidFill>
-              </a:rPr>
-              <a:t>parameters</a:t>
-            </a:r>
-            <a:r>
-              <a:rPr lang="en-IE" sz="2400" dirty="0"/>
-              <a:t> i.e. x, y, w, h.</a:t>
-            </a:r>
-          </a:p>
-          <a:p>
-            <a:pPr marL="285750" indent="-285750">
-              <a:buFont typeface="Arial" panose="020B0604020202020204" pitchFamily="34" charset="0"/>
-              <a:buChar char="•"/>
-            </a:pPr>
-            <a:r>
-              <a:rPr lang="en-IE" sz="2400" dirty="0"/>
-              <a:t>When you call </a:t>
-            </a:r>
-            <a:r>
-              <a:rPr lang="en-IE" sz="2400" dirty="0" err="1"/>
-              <a:t>rect</a:t>
-            </a:r>
-            <a:r>
-              <a:rPr lang="en-IE" sz="2400" dirty="0"/>
-              <a:t>, you are expected to pass four numbers to it.  These actual numbers are called </a:t>
-            </a:r>
-            <a:r>
-              <a:rPr lang="en-IE" sz="2400" dirty="0">
-                <a:solidFill>
-                  <a:srgbClr val="FF0000"/>
-                </a:solidFill>
-              </a:rPr>
-              <a:t>arguments</a:t>
-            </a:r>
-            <a:r>
-              <a:rPr lang="en-IE" sz="2400" dirty="0"/>
-              <a:t>. </a:t>
-            </a:r>
-          </a:p>
-          <a:p>
-            <a:pPr marL="285750" indent="-285750">
-              <a:buFont typeface="Arial" panose="020B0604020202020204" pitchFamily="34" charset="0"/>
-              <a:buChar char="•"/>
-            </a:pPr>
-            <a:r>
-              <a:rPr lang="en-IE" sz="2400" dirty="0" err="1"/>
-              <a:t>rect</a:t>
-            </a:r>
-            <a:r>
-              <a:rPr lang="en-IE" sz="2400" dirty="0"/>
-              <a:t> uses these four numbers to render the rectangle on the display window.</a:t>
-            </a:r>
-          </a:p>
-        </p:txBody>
-      </p:sp>
-    </p:spTree>
-    <p:extLst>
-      <p:ext uri="{BB962C8B-B14F-4D97-AF65-F5344CB8AC3E}">
-        <p14:creationId xmlns:p14="http://schemas.microsoft.com/office/powerpoint/2010/main" val="2975536152"/>
-      </p:ext>
-    </p:extLst>
-  </p:cSld>
-  <p:clrMapOvr>
-    <a:masterClrMapping/>
-  </p:clrMapOvr>
-</p:sld>
-</file>
-
-<file path=ppt/slides/slide13.xml><?xml version="1.0" encoding="utf-8"?>
-<p:sld xmlns:a="http://schemas.openxmlformats.org/drawingml/2006/main" xmlns:r="http://schemas.openxmlformats.org/officeDocument/2006/relationships" xmlns:p="http://schemas.openxmlformats.org/presentationml/2006/main">
-  <p:cSld>
-    <p:spTree>
-      <p:nvGrpSpPr>
-        <p:cNvPr id="1" name=""/>
-        <p:cNvGrpSpPr/>
-        <p:nvPr/>
-      </p:nvGrpSpPr>
-      <p:grpSpPr>
-        <a:xfrm>
-          <a:off x="0" y="0"/>
-          <a:ext cx="0" cy="0"/>
-          <a:chOff x="0" y="0"/>
-          <a:chExt cx="0" cy="0"/>
-        </a:xfrm>
-      </p:grpSpPr>
-      <p:sp>
-        <p:nvSpPr>
-          <p:cNvPr id="2" name="Title 1"/>
-          <p:cNvSpPr>
-            <a:spLocks noGrp="1"/>
-          </p:cNvSpPr>
-          <p:nvPr>
-            <p:ph type="title"/>
-          </p:nvPr>
-        </p:nvSpPr>
-        <p:spPr/>
-        <p:txBody>
-          <a:bodyPr>
-            <a:normAutofit/>
-          </a:bodyPr>
-          <a:lstStyle/>
-          <a:p>
-            <a:r>
-              <a:rPr lang="en-IE" dirty="0"/>
-              <a:t>Some </a:t>
-            </a:r>
-            <a:r>
-              <a:rPr lang="en-IE" b="1" dirty="0"/>
-              <a:t>eBooks</a:t>
-            </a:r>
-            <a:r>
-              <a:rPr lang="en-IE" dirty="0"/>
-              <a:t> in WIT library</a:t>
-            </a:r>
-          </a:p>
-        </p:txBody>
-      </p:sp>
-      <p:pic>
-        <p:nvPicPr>
-          <p:cNvPr id="1026" name="Picture 2"/>
-          <p:cNvPicPr>
-            <a:picLocks noChangeAspect="1" noChangeArrowheads="1"/>
-          </p:cNvPicPr>
-          <p:nvPr/>
-        </p:nvPicPr>
-        <p:blipFill rotWithShape="1">
-          <a:blip r:embed="rId2">
-            <a:extLst>
-              <a:ext uri="{28A0092B-C50C-407E-A947-70E740481C1C}">
-                <a14:useLocalDpi xmlns:a14="http://schemas.microsoft.com/office/drawing/2010/main" val="0"/>
-              </a:ext>
-            </a:extLst>
-          </a:blip>
-          <a:srcRect l="52663" t="27282" r="20981" b="11260"/>
-          <a:stretch/>
-        </p:blipFill>
-        <p:spPr bwMode="auto">
-          <a:xfrm>
-            <a:off x="609600" y="1828800"/>
-            <a:ext cx="3429000" cy="4495800"/>
-          </a:xfrm>
-          <a:prstGeom prst="rect">
-            <a:avLst/>
-          </a:prstGeom>
-          <a:noFill/>
-          <a:ln>
-            <a:noFill/>
-          </a:ln>
-          <a:extLst>
-            <a:ext uri="{909E8E84-426E-40DD-AFC4-6F175D3DCCD1}">
-              <a14:hiddenFill xmlns:a14="http://schemas.microsoft.com/office/drawing/2010/main">
-                <a:solidFill>
-                  <a:schemeClr val="accent1"/>
-                </a:solidFill>
-              </a14:hiddenFill>
-            </a:ext>
-            <a:ext uri="{91240B29-F687-4F45-9708-019B960494DF}">
-              <a14:hiddenLine xmlns:a14="http://schemas.microsoft.com/office/drawing/2010/main" w="9525">
-                <a:solidFill>
-                  <a:schemeClr val="tx1"/>
-                </a:solidFill>
-                <a:miter lim="800000"/>
-                <a:headEnd/>
-                <a:tailEnd/>
-              </a14:hiddenLine>
-            </a:ext>
-          </a:extLst>
-        </p:spPr>
-      </p:pic>
-      <p:pic>
-        <p:nvPicPr>
-          <p:cNvPr id="1027" name="Picture 3"/>
-          <p:cNvPicPr>
-            <a:picLocks noChangeAspect="1" noChangeArrowheads="1"/>
-          </p:cNvPicPr>
-          <p:nvPr/>
-        </p:nvPicPr>
-        <p:blipFill rotWithShape="1">
-          <a:blip r:embed="rId3">
-            <a:extLst>
-              <a:ext uri="{28A0092B-C50C-407E-A947-70E740481C1C}">
-                <a14:useLocalDpi xmlns:a14="http://schemas.microsoft.com/office/drawing/2010/main" val="0"/>
-              </a:ext>
-            </a:extLst>
-          </a:blip>
-          <a:srcRect l="52664" t="28125" r="20982" b="10417"/>
-          <a:stretch/>
-        </p:blipFill>
-        <p:spPr bwMode="auto">
-          <a:xfrm>
-            <a:off x="4381500" y="1834662"/>
-            <a:ext cx="3429000" cy="4495800"/>
-          </a:xfrm>
-          <a:prstGeom prst="rect">
-            <a:avLst/>
-          </a:prstGeom>
-          <a:noFill/>
-          <a:ln>
-            <a:noFill/>
-          </a:ln>
-          <a:extLst>
-            <a:ext uri="{909E8E84-426E-40DD-AFC4-6F175D3DCCD1}">
-              <a14:hiddenFill xmlns:a14="http://schemas.microsoft.com/office/drawing/2010/main">
-                <a:solidFill>
-                  <a:schemeClr val="accent1"/>
-                </a:solidFill>
-              </a14:hiddenFill>
-            </a:ext>
-            <a:ext uri="{91240B29-F687-4F45-9708-019B960494DF}">
-              <a14:hiddenLine xmlns:a14="http://schemas.microsoft.com/office/drawing/2010/main" w="9525">
-                <a:solidFill>
-                  <a:schemeClr val="tx1"/>
-                </a:solidFill>
-                <a:miter lim="800000"/>
-                <a:headEnd/>
-                <a:tailEnd/>
-              </a14:hiddenLine>
-            </a:ext>
-          </a:extLst>
-        </p:spPr>
-      </p:pic>
-      <p:sp>
-        <p:nvSpPr>
-          <p:cNvPr id="3" name="TextBox 2">
-            <a:extLst>
-              <a:ext uri="{FF2B5EF4-FFF2-40B4-BE49-F238E27FC236}">
-                <a16:creationId xmlns:a16="http://schemas.microsoft.com/office/drawing/2014/main" id="{901E2449-3FAD-D64D-9CC8-71D739F120F5}"/>
-              </a:ext>
-            </a:extLst>
-          </p:cNvPr>
-          <p:cNvSpPr txBox="1"/>
-          <p:nvPr/>
-        </p:nvSpPr>
-        <p:spPr>
-          <a:xfrm>
-            <a:off x="7971692" y="1048306"/>
-            <a:ext cx="3860096" cy="369332"/>
-          </a:xfrm>
-          <a:prstGeom prst="rect">
-            <a:avLst/>
-          </a:prstGeom>
-          <a:noFill/>
-        </p:spPr>
-        <p:txBody>
-          <a:bodyPr wrap="none" rtlCol="0">
-            <a:spAutoFit/>
-          </a:bodyPr>
-          <a:lstStyle/>
-          <a:p>
-            <a:r>
-              <a:rPr lang="en-GB" dirty="0">
-                <a:hlinkClick r:id="rId4"/>
-              </a:rPr>
-              <a:t>https://</a:t>
-            </a:r>
-            <a:r>
-              <a:rPr lang="en-GB" dirty="0" err="1">
-                <a:hlinkClick r:id="rId4"/>
-              </a:rPr>
-              <a:t>library.wit.ie</a:t>
-            </a:r>
-            <a:r>
-              <a:rPr lang="en-GB" dirty="0">
-                <a:hlinkClick r:id="rId4"/>
-              </a:rPr>
-              <a:t>/Resources/</a:t>
-            </a:r>
-            <a:r>
-              <a:rPr lang="en-GB" dirty="0" err="1">
-                <a:hlinkClick r:id="rId4"/>
-              </a:rPr>
-              <a:t>ebooks</a:t>
-            </a:r>
-            <a:endParaRPr lang="en-GB" dirty="0"/>
-          </a:p>
-        </p:txBody>
-      </p:sp>
-      <p:pic>
-        <p:nvPicPr>
-          <p:cNvPr id="4" name="Picture 2" descr="Learning Processing : A Beginner's Guide to Programming Images, Animation, and Interaction Cover Image">
-            <a:extLst>
-              <a:ext uri="{FF2B5EF4-FFF2-40B4-BE49-F238E27FC236}">
-                <a16:creationId xmlns:a16="http://schemas.microsoft.com/office/drawing/2014/main" id="{7F4C2ADC-2F10-B849-BA28-E0E2CC50680A}"/>
-              </a:ext>
-            </a:extLst>
-          </p:cNvPr>
-          <p:cNvPicPr>
-            <a:picLocks noChangeAspect="1" noChangeArrowheads="1"/>
-          </p:cNvPicPr>
-          <p:nvPr/>
-        </p:nvPicPr>
-        <p:blipFill>
-          <a:blip r:embed="rId5">
-            <a:extLst>
-              <a:ext uri="{28A0092B-C50C-407E-A947-70E740481C1C}">
-                <a14:useLocalDpi xmlns:a14="http://schemas.microsoft.com/office/drawing/2010/main" val="0"/>
-              </a:ext>
-            </a:extLst>
-          </a:blip>
-          <a:srcRect/>
-          <a:stretch>
-            <a:fillRect/>
-          </a:stretch>
-        </p:blipFill>
-        <p:spPr bwMode="auto">
-          <a:xfrm>
-            <a:off x="8077624" y="1828800"/>
-            <a:ext cx="3648231" cy="4495800"/>
-          </a:xfrm>
-          <a:prstGeom prst="rect">
-            <a:avLst/>
-          </a:prstGeom>
-          <a:noFill/>
-          <a:extLst>
-            <a:ext uri="{909E8E84-426E-40DD-AFC4-6F175D3DCCD1}">
-              <a14:hiddenFill xmlns:a14="http://schemas.microsoft.com/office/drawing/2010/main">
-                <a:solidFill>
-                  <a:srgbClr val="FFFFFF"/>
-                </a:solidFill>
-              </a14:hiddenFill>
-            </a:ext>
-          </a:extLst>
-        </p:spPr>
-      </p:pic>
-    </p:spTree>
-    <p:extLst>
-      <p:ext uri="{BB962C8B-B14F-4D97-AF65-F5344CB8AC3E}">
-        <p14:creationId xmlns:p14="http://schemas.microsoft.com/office/powerpoint/2010/main" val="3490786750"/>
-      </p:ext>
-    </p:extLst>
-  </p:cSld>
-  <p:clrMapOvr>
-    <a:masterClrMapping/>
-  </p:clrMapOvr>
-</p:sld>
-</file>
-
-<file path=ppt/slides/slide14.xml><?xml version="1.0" encoding="utf-8"?>
-<p:sld xmlns:a="http://schemas.openxmlformats.org/drawingml/2006/main" xmlns:r="http://schemas.openxmlformats.org/officeDocument/2006/relationships" xmlns:p="http://schemas.openxmlformats.org/presentationml/2006/main">
-  <p:cSld>
-    <p:spTree>
-      <p:nvGrpSpPr>
-        <p:cNvPr id="1" name=""/>
-        <p:cNvGrpSpPr/>
-        <p:nvPr/>
-      </p:nvGrpSpPr>
-      <p:grpSpPr>
-        <a:xfrm>
-          <a:off x="0" y="0"/>
-          <a:ext cx="0" cy="0"/>
-          <a:chOff x="0" y="0"/>
-          <a:chExt cx="0" cy="0"/>
-        </a:xfrm>
-      </p:grpSpPr>
-      <p:sp>
-        <p:nvSpPr>
-          <p:cNvPr id="2" name="Title 1">
-            <a:extLst>
-              <a:ext uri="{FF2B5EF4-FFF2-40B4-BE49-F238E27FC236}">
-                <a16:creationId xmlns:a16="http://schemas.microsoft.com/office/drawing/2014/main" id="{1D09B2BD-DCC5-F947-9C8D-04335841928D}"/>
-              </a:ext>
-            </a:extLst>
-          </p:cNvPr>
-          <p:cNvSpPr>
-            <a:spLocks noGrp="1"/>
-          </p:cNvSpPr>
-          <p:nvPr>
-            <p:ph type="title"/>
-          </p:nvPr>
-        </p:nvSpPr>
-        <p:spPr/>
-        <p:txBody>
-          <a:bodyPr/>
-          <a:lstStyle/>
-          <a:p>
-            <a:r>
-              <a:rPr lang="en-GB" dirty="0"/>
-              <a:t>Processing Books</a:t>
-            </a:r>
-          </a:p>
-        </p:txBody>
-      </p:sp>
-      <p:sp>
-        <p:nvSpPr>
-          <p:cNvPr id="3" name="Content Placeholder 2">
-            <a:extLst>
-              <a:ext uri="{FF2B5EF4-FFF2-40B4-BE49-F238E27FC236}">
-                <a16:creationId xmlns:a16="http://schemas.microsoft.com/office/drawing/2014/main" id="{CEC9CBD7-558F-5147-95FF-1CD871F314D2}"/>
-              </a:ext>
-            </a:extLst>
-          </p:cNvPr>
-          <p:cNvSpPr>
-            <a:spLocks noGrp="1"/>
-          </p:cNvSpPr>
-          <p:nvPr>
-            <p:ph idx="1"/>
-          </p:nvPr>
-        </p:nvSpPr>
-        <p:spPr/>
-        <p:txBody>
-          <a:bodyPr/>
-          <a:lstStyle/>
-          <a:p>
-            <a:endParaRPr lang="en-GB" dirty="0"/>
-          </a:p>
-        </p:txBody>
-      </p:sp>
-      <p:sp>
-        <p:nvSpPr>
-          <p:cNvPr id="4" name="Rectangle 3">
-            <a:extLst>
-              <a:ext uri="{FF2B5EF4-FFF2-40B4-BE49-F238E27FC236}">
-                <a16:creationId xmlns:a16="http://schemas.microsoft.com/office/drawing/2014/main" id="{C4B96AC1-7EF6-3A4A-A243-91A98AA00044}"/>
-              </a:ext>
-            </a:extLst>
-          </p:cNvPr>
-          <p:cNvSpPr/>
-          <p:nvPr/>
-        </p:nvSpPr>
-        <p:spPr>
-          <a:xfrm>
-            <a:off x="8763000" y="954922"/>
-            <a:ext cx="3014671" cy="369332"/>
-          </a:xfrm>
-          <a:prstGeom prst="rect">
-            <a:avLst/>
-          </a:prstGeom>
-        </p:spPr>
-        <p:txBody>
-          <a:bodyPr wrap="none">
-            <a:spAutoFit/>
-          </a:bodyPr>
-          <a:lstStyle/>
-          <a:p>
-            <a:r>
-              <a:rPr lang="en-GB" dirty="0">
-                <a:hlinkClick r:id="rId2"/>
-              </a:rPr>
-              <a:t>https://</a:t>
-            </a:r>
-            <a:r>
-              <a:rPr lang="en-GB" dirty="0" err="1">
-                <a:hlinkClick r:id="rId2"/>
-              </a:rPr>
-              <a:t>processing.org</a:t>
-            </a:r>
-            <a:r>
-              <a:rPr lang="en-GB" dirty="0">
-                <a:hlinkClick r:id="rId2"/>
-              </a:rPr>
-              <a:t>/books/</a:t>
-            </a:r>
-            <a:endParaRPr lang="en-GB" dirty="0"/>
-          </a:p>
-        </p:txBody>
-      </p:sp>
-      <p:pic>
-        <p:nvPicPr>
-          <p:cNvPr id="2050" name="Picture 2" descr="Processing: A Programming Handbook for Visual Designers (Second Edition)">
-            <a:extLst>
-              <a:ext uri="{FF2B5EF4-FFF2-40B4-BE49-F238E27FC236}">
-                <a16:creationId xmlns:a16="http://schemas.microsoft.com/office/drawing/2014/main" id="{4D531443-05A9-614A-8AF9-B710A13FF824}"/>
-              </a:ext>
-            </a:extLst>
-          </p:cNvPr>
-          <p:cNvPicPr>
-            <a:picLocks noChangeAspect="1" noChangeArrowheads="1"/>
-          </p:cNvPicPr>
-          <p:nvPr/>
-        </p:nvPicPr>
-        <p:blipFill>
-          <a:blip r:embed="rId3">
-            <a:extLst>
-              <a:ext uri="{28A0092B-C50C-407E-A947-70E740481C1C}">
-                <a14:useLocalDpi xmlns:a14="http://schemas.microsoft.com/office/drawing/2010/main" val="0"/>
-              </a:ext>
-            </a:extLst>
-          </a:blip>
-          <a:srcRect/>
-          <a:stretch>
-            <a:fillRect/>
-          </a:stretch>
-        </p:blipFill>
-        <p:spPr bwMode="auto">
-          <a:xfrm>
-            <a:off x="609600" y="1600201"/>
-            <a:ext cx="3429000" cy="4526280"/>
-          </a:xfrm>
-          <a:prstGeom prst="rect">
-            <a:avLst/>
-          </a:prstGeom>
-          <a:noFill/>
-          <a:extLst>
-            <a:ext uri="{909E8E84-426E-40DD-AFC4-6F175D3DCCD1}">
-              <a14:hiddenFill xmlns:a14="http://schemas.microsoft.com/office/drawing/2010/main">
-                <a:solidFill>
-                  <a:srgbClr val="FFFFFF"/>
-                </a:solidFill>
-              </a14:hiddenFill>
-            </a:ext>
-          </a:extLst>
-        </p:spPr>
-      </p:pic>
-      <p:pic>
-        <p:nvPicPr>
-          <p:cNvPr id="2052" name="Picture 4" descr="Processing: Creative Coding and Generative Art in Processing 2">
-            <a:extLst>
-              <a:ext uri="{FF2B5EF4-FFF2-40B4-BE49-F238E27FC236}">
-                <a16:creationId xmlns:a16="http://schemas.microsoft.com/office/drawing/2014/main" id="{542CAEEC-D415-8541-BCAF-ECF655994E59}"/>
-              </a:ext>
-            </a:extLst>
-          </p:cNvPr>
-          <p:cNvPicPr>
-            <a:picLocks noChangeAspect="1" noChangeArrowheads="1"/>
-          </p:cNvPicPr>
-          <p:nvPr/>
-        </p:nvPicPr>
-        <p:blipFill>
-          <a:blip r:embed="rId4">
-            <a:extLst>
-              <a:ext uri="{28A0092B-C50C-407E-A947-70E740481C1C}">
-                <a14:useLocalDpi xmlns:a14="http://schemas.microsoft.com/office/drawing/2010/main" val="0"/>
-              </a:ext>
-            </a:extLst>
-          </a:blip>
-          <a:srcRect/>
-          <a:stretch>
-            <a:fillRect/>
-          </a:stretch>
-        </p:blipFill>
-        <p:spPr bwMode="auto">
-          <a:xfrm>
-            <a:off x="4251384" y="1599884"/>
-            <a:ext cx="3649969" cy="4525962"/>
-          </a:xfrm>
-          <a:prstGeom prst="rect">
-            <a:avLst/>
-          </a:prstGeom>
-          <a:noFill/>
-          <a:extLst>
-            <a:ext uri="{909E8E84-426E-40DD-AFC4-6F175D3DCCD1}">
-              <a14:hiddenFill xmlns:a14="http://schemas.microsoft.com/office/drawing/2010/main">
-                <a:solidFill>
-                  <a:srgbClr val="FFFFFF"/>
-                </a:solidFill>
-              </a14:hiddenFill>
-            </a:ext>
-          </a:extLst>
-        </p:spPr>
-      </p:pic>
-      <p:pic>
-        <p:nvPicPr>
-          <p:cNvPr id="2054" name="Picture 6" descr="Processing for Visual Artists: How to Create Expressive Images and Interactive Art">
-            <a:extLst>
-              <a:ext uri="{FF2B5EF4-FFF2-40B4-BE49-F238E27FC236}">
-                <a16:creationId xmlns:a16="http://schemas.microsoft.com/office/drawing/2014/main" id="{2DE94859-DC1C-1240-BF79-50C3C1D0E2A4}"/>
-              </a:ext>
-            </a:extLst>
-          </p:cNvPr>
-          <p:cNvPicPr>
-            <a:picLocks noChangeAspect="1" noChangeArrowheads="1"/>
-          </p:cNvPicPr>
-          <p:nvPr/>
-        </p:nvPicPr>
-        <p:blipFill>
-          <a:blip r:embed="rId5">
-            <a:extLst>
-              <a:ext uri="{28A0092B-C50C-407E-A947-70E740481C1C}">
-                <a14:useLocalDpi xmlns:a14="http://schemas.microsoft.com/office/drawing/2010/main" val="0"/>
-              </a:ext>
-            </a:extLst>
-          </a:blip>
-          <a:srcRect/>
-          <a:stretch>
-            <a:fillRect/>
-          </a:stretch>
-        </p:blipFill>
-        <p:spPr bwMode="auto">
-          <a:xfrm>
-            <a:off x="8018650" y="1599884"/>
-            <a:ext cx="3563750" cy="4525962"/>
-          </a:xfrm>
-          <a:prstGeom prst="rect">
-            <a:avLst/>
-          </a:prstGeom>
-          <a:noFill/>
-          <a:extLst>
-            <a:ext uri="{909E8E84-426E-40DD-AFC4-6F175D3DCCD1}">
-              <a14:hiddenFill xmlns:a14="http://schemas.microsoft.com/office/drawing/2010/main">
-                <a:solidFill>
-                  <a:srgbClr val="FFFFFF"/>
-                </a:solidFill>
-              </a14:hiddenFill>
-            </a:ext>
-          </a:extLst>
-        </p:spPr>
-      </p:pic>
-    </p:spTree>
-    <p:extLst>
-      <p:ext uri="{BB962C8B-B14F-4D97-AF65-F5344CB8AC3E}">
-        <p14:creationId xmlns:p14="http://schemas.microsoft.com/office/powerpoint/2010/main" val="139426567"/>
-      </p:ext>
-    </p:extLst>
-  </p:cSld>
-  <p:clrMapOvr>
-    <a:masterClrMapping/>
-  </p:clrMapOvr>
-</p:sld>
-</file>
-
-<file path=ppt/slides/slide15.xml><?xml version="1.0" encoding="utf-8"?>
-<p:sld xmlns:a="http://schemas.openxmlformats.org/drawingml/2006/main" xmlns:r="http://schemas.openxmlformats.org/officeDocument/2006/relationships" xmlns:p="http://schemas.openxmlformats.org/presentationml/2006/main">
-  <p:cSld>
-    <p:spTree>
-      <p:nvGrpSpPr>
-        <p:cNvPr id="1" name=""/>
-        <p:cNvGrpSpPr/>
-        <p:nvPr/>
-      </p:nvGrpSpPr>
-      <p:grpSpPr>
-        <a:xfrm>
-          <a:off x="0" y="0"/>
-          <a:ext cx="0" cy="0"/>
-          <a:chOff x="0" y="0"/>
-          <a:chExt cx="0" cy="0"/>
-        </a:xfrm>
-      </p:grpSpPr>
-      <p:sp>
-        <p:nvSpPr>
-          <p:cNvPr id="2" name="Title 1"/>
-          <p:cNvSpPr>
-            <a:spLocks noGrp="1"/>
-          </p:cNvSpPr>
-          <p:nvPr>
-            <p:ph type="title"/>
-          </p:nvPr>
-        </p:nvSpPr>
-        <p:spPr/>
-        <p:txBody>
-          <a:bodyPr/>
-          <a:lstStyle/>
-          <a:p>
-            <a:r>
-              <a:rPr lang="en-IE" dirty="0"/>
-              <a:t>Questions?</a:t>
-            </a:r>
-          </a:p>
-        </p:txBody>
-      </p:sp>
-      <p:pic>
-        <p:nvPicPr>
-          <p:cNvPr id="3074" name="Picture 2" descr="Image result for questions"/>
-          <p:cNvPicPr>
-            <a:picLocks noChangeAspect="1" noChangeArrowheads="1"/>
-          </p:cNvPicPr>
-          <p:nvPr/>
-        </p:nvPicPr>
-        <p:blipFill>
-          <a:blip r:embed="rId2">
-            <a:extLst>
-              <a:ext uri="{28A0092B-C50C-407E-A947-70E740481C1C}">
-                <a14:useLocalDpi xmlns:a14="http://schemas.microsoft.com/office/drawing/2010/main" val="0"/>
-              </a:ext>
-            </a:extLst>
-          </a:blip>
-          <a:srcRect/>
-          <a:stretch>
-            <a:fillRect/>
-          </a:stretch>
-        </p:blipFill>
-        <p:spPr bwMode="auto">
-          <a:xfrm>
-            <a:off x="3810000" y="2057401"/>
-            <a:ext cx="4343400" cy="3509469"/>
-          </a:xfrm>
-          <a:prstGeom prst="rect">
-            <a:avLst/>
-          </a:prstGeom>
-          <a:noFill/>
-          <a:extLst>
-            <a:ext uri="{909E8E84-426E-40DD-AFC4-6F175D3DCCD1}">
-              <a14:hiddenFill xmlns:a14="http://schemas.microsoft.com/office/drawing/2010/main">
-                <a:solidFill>
-                  <a:srgbClr val="FFFFFF"/>
-                </a:solidFill>
-              </a14:hiddenFill>
-            </a:ext>
-          </a:extLst>
-        </p:spPr>
-      </p:pic>
-    </p:spTree>
-    <p:extLst>
-      <p:ext uri="{BB962C8B-B14F-4D97-AF65-F5344CB8AC3E}">
-        <p14:creationId xmlns:p14="http://schemas.microsoft.com/office/powerpoint/2010/main" val="2109878679"/>
-      </p:ext>
-    </p:extLst>
-  </p:cSld>
-  <p:clrMapOvr>
-    <a:masterClrMapping/>
-  </p:clrMapOvr>
-</p:sld>
-</file>
-
-<file path=ppt/slides/slide2.xml><?xml version="1.0" encoding="utf-8"?>
-<p:sld xmlns:a="http://schemas.openxmlformats.org/drawingml/2006/main" xmlns:r="http://schemas.openxmlformats.org/officeDocument/2006/relationships" xmlns:p="http://schemas.openxmlformats.org/presentationml/2006/main">
-  <p:cSld>
-    <p:bg>
-      <p:bgPr>
-        <a:solidFill>
-          <a:schemeClr val="bg1"/>
-        </a:solidFill>
-        <a:effectLst/>
-      </p:bgPr>
-    </p:bg>
-    <p:spTree>
-      <p:nvGrpSpPr>
-        <p:cNvPr id="1" name=""/>
-        <p:cNvGrpSpPr/>
-        <p:nvPr/>
-      </p:nvGrpSpPr>
-      <p:grpSpPr>
-        <a:xfrm>
-          <a:off x="0" y="0"/>
-          <a:ext cx="0" cy="0"/>
-          <a:chOff x="0" y="0"/>
-          <a:chExt cx="0" cy="0"/>
-        </a:xfrm>
-      </p:grpSpPr>
-      <p:sp useBgFill="1">
-        <p:nvSpPr>
-          <p:cNvPr id="10" name="Rectangle 9">
-            <a:extLst>
-              <a:ext uri="{FF2B5EF4-FFF2-40B4-BE49-F238E27FC236}">
-                <a16:creationId xmlns:a16="http://schemas.microsoft.com/office/drawing/2014/main" id="{53F29798-D584-4792-9B62-3F5F5C36D619}"/>
-              </a:ext>
-              <a:ext uri="{C183D7F6-B498-43B3-948B-1728B52AA6E4}">
-                <adec:decorative xmlns:adec="http://schemas.microsoft.com/office/drawing/2017/decorative" val="1"/>
-              </a:ext>
-            </a:extLst>
-          </p:cNvPr>
-          <p:cNvSpPr>
-            <a:spLocks noGrp="1" noRot="1" noChangeAspect="1" noMove="1" noResize="1" noEditPoints="1" noAdjustHandles="1" noChangeArrowheads="1" noChangeShapeType="1" noTextEdit="1"/>
-          </p:cNvSpPr>
-          <p:nvPr>
-            <p:extLst>
-              <p:ext uri="{386F3935-93C4-4BCD-93E2-E3B085C9AB24}">
-                <p16:designElem xmlns:p16="http://schemas.microsoft.com/office/powerpoint/2015/main" val="1"/>
-              </p:ext>
-            </p:extLst>
-          </p:nvPr>
-        </p:nvSpPr>
-        <p:spPr>
-          <a:xfrm>
-            <a:off x="0" y="0"/>
-            <a:ext cx="12188952" cy="6858000"/>
-          </a:xfrm>
-          <a:prstGeom prst="rect">
-            <a:avLst/>
-          </a:prstGeom>
-          <a:ln>
-            <a:noFill/>
-          </a:ln>
-        </p:spPr>
-        <p:style>
-          <a:lnRef idx="2">
-            <a:schemeClr val="accent1">
-              <a:shade val="50000"/>
-            </a:schemeClr>
-          </a:lnRef>
-          <a:fillRef idx="1">
-            <a:schemeClr val="accent1"/>
-          </a:fillRef>
-          <a:effectRef idx="0">
-            <a:schemeClr val="accent1"/>
-          </a:effectRef>
-          <a:fontRef idx="minor">
-            <a:schemeClr val="lt1"/>
-          </a:fontRef>
-        </p:style>
-        <p:txBody>
-          <a:bodyPr rtlCol="0" anchor="ctr"/>
-          <a:lstStyle/>
-          <a:p>
-            <a:pPr algn="ctr"/>
-            <a:endParaRPr lang="en-US"/>
-          </a:p>
-        </p:txBody>
-      </p:sp>
-      <p:pic>
-        <p:nvPicPr>
-          <p:cNvPr id="5" name="Picture 4">
-            <a:extLst>
-              <a:ext uri="{FF2B5EF4-FFF2-40B4-BE49-F238E27FC236}">
-                <a16:creationId xmlns:a16="http://schemas.microsoft.com/office/drawing/2014/main" id="{910F8821-3EF8-BF4D-3F50-F2D467FE301B}"/>
-              </a:ext>
-            </a:extLst>
-          </p:cNvPr>
-          <p:cNvPicPr>
-            <a:picLocks noChangeAspect="1"/>
-          </p:cNvPicPr>
-          <p:nvPr/>
-        </p:nvPicPr>
-        <p:blipFill>
-          <a:blip r:embed="rId2">
-            <a:extLst>
-              <a:ext uri="{28A0092B-C50C-407E-A947-70E740481C1C}">
-                <a14:useLocalDpi xmlns:a14="http://schemas.microsoft.com/office/drawing/2010/main" val="0"/>
-              </a:ext>
-            </a:extLst>
-          </a:blip>
-          <a:stretch>
-            <a:fillRect/>
-          </a:stretch>
-        </p:blipFill>
-        <p:spPr>
-          <a:xfrm>
-            <a:off x="3200400" y="1690688"/>
-            <a:ext cx="4449763" cy="4449763"/>
-          </a:xfrm>
-          <a:prstGeom prst="rect">
-            <a:avLst/>
-          </a:prstGeom>
-        </p:spPr>
-      </p:pic>
-      <p:sp>
-        <p:nvSpPr>
-          <p:cNvPr id="2" name="Title 1">
-            <a:extLst>
-              <a:ext uri="{FF2B5EF4-FFF2-40B4-BE49-F238E27FC236}">
-                <a16:creationId xmlns:a16="http://schemas.microsoft.com/office/drawing/2014/main" id="{7193F2B9-CA77-41E2-BFCC-DD2CEF5266DB}"/>
-              </a:ext>
-            </a:extLst>
-          </p:cNvPr>
-          <p:cNvSpPr>
-            <a:spLocks noGrp="1"/>
-          </p:cNvSpPr>
-          <p:nvPr>
-            <p:ph type="ctrTitle"/>
-          </p:nvPr>
-        </p:nvSpPr>
-        <p:spPr>
-          <a:xfrm>
-            <a:off x="838200" y="184805"/>
-            <a:ext cx="10515600" cy="1505883"/>
-          </a:xfrm>
-        </p:spPr>
-        <p:txBody>
-          <a:bodyPr vert="horz" lIns="91440" tIns="45720" rIns="91440" bIns="45720" rtlCol="0" anchor="ctr">
-            <a:normAutofit/>
-          </a:bodyPr>
-          <a:lstStyle/>
-          <a:p>
-            <a:pPr algn="l">
-              <a:lnSpc>
-                <a:spcPct val="90000"/>
-              </a:lnSpc>
-            </a:pPr>
-            <a:r>
-              <a:rPr lang="en-US" sz="5200" kern="1200">
-                <a:solidFill>
-                  <a:schemeClr val="tx1"/>
-                </a:solidFill>
-                <a:latin typeface="+mj-lt"/>
-                <a:ea typeface="+mj-ea"/>
-                <a:cs typeface="+mj-cs"/>
-              </a:rPr>
-              <a:t>Introduction to Processing</a:t>
-            </a:r>
-          </a:p>
-        </p:txBody>
-      </p:sp>
-    </p:spTree>
-    <p:extLst>
-      <p:ext uri="{BB962C8B-B14F-4D97-AF65-F5344CB8AC3E}">
-        <p14:creationId xmlns:p14="http://schemas.microsoft.com/office/powerpoint/2010/main" val="379983282"/>
-      </p:ext>
-    </p:extLst>
-  </p:cSld>
-  <p:clrMapOvr>
-    <a:masterClrMapping/>
-  </p:clrMapOvr>
-</p:sld>
-</file>
-
-<file path=ppt/slides/slide3.xml><?xml version="1.0" encoding="utf-8"?>
-<p:sld xmlns:a="http://schemas.openxmlformats.org/drawingml/2006/main" xmlns:r="http://schemas.openxmlformats.org/officeDocument/2006/relationships" xmlns:p="http://schemas.openxmlformats.org/presentationml/2006/main">
-  <p:cSld>
-    <p:spTree>
-      <p:nvGrpSpPr>
-        <p:cNvPr id="1" name=""/>
-        <p:cNvGrpSpPr/>
-        <p:nvPr/>
-      </p:nvGrpSpPr>
-      <p:grpSpPr>
-        <a:xfrm>
-          <a:off x="0" y="0"/>
-          <a:ext cx="0" cy="0"/>
-          <a:chOff x="0" y="0"/>
-          <a:chExt cx="0" cy="0"/>
-        </a:xfrm>
-      </p:grpSpPr>
-      <p:sp>
-        <p:nvSpPr>
-          <p:cNvPr id="2" name="Title 1"/>
-          <p:cNvSpPr>
-            <a:spLocks noGrp="1"/>
-          </p:cNvSpPr>
-          <p:nvPr>
-            <p:ph type="title"/>
-          </p:nvPr>
-        </p:nvSpPr>
-        <p:spPr/>
-        <p:txBody>
-          <a:bodyPr/>
-          <a:lstStyle/>
-          <a:p>
-            <a:r>
-              <a:rPr lang="en-IE" dirty="0"/>
-              <a:t>What is Processing?</a:t>
-            </a:r>
-          </a:p>
-        </p:txBody>
-      </p:sp>
-      <p:sp>
-        <p:nvSpPr>
-          <p:cNvPr id="3" name="Content Placeholder 2"/>
-          <p:cNvSpPr>
-            <a:spLocks noGrp="1"/>
-          </p:cNvSpPr>
-          <p:nvPr>
-            <p:ph idx="1"/>
-          </p:nvPr>
-        </p:nvSpPr>
-        <p:spPr>
-          <a:xfrm>
-            <a:off x="609600" y="1752600"/>
-            <a:ext cx="11277600" cy="1447800"/>
-          </a:xfrm>
-        </p:spPr>
-        <p:txBody>
-          <a:bodyPr>
-            <a:normAutofit/>
-          </a:bodyPr>
-          <a:lstStyle/>
-          <a:p>
-            <a:pPr marL="0" indent="0">
-              <a:buNone/>
-            </a:pPr>
-            <a:r>
-              <a:rPr lang="en-IE" sz="2800" b="1" dirty="0"/>
-              <a:t>Processing</a:t>
-            </a:r>
-            <a:r>
-              <a:rPr lang="en-IE" sz="2800" dirty="0"/>
-              <a:t> is a </a:t>
-            </a:r>
-          </a:p>
-          <a:p>
-            <a:pPr marL="0" indent="0">
-              <a:buNone/>
-            </a:pPr>
-            <a:r>
-              <a:rPr lang="en-IE" sz="2800" dirty="0"/>
-              <a:t>programming language, development environment, and online community</a:t>
-            </a:r>
-          </a:p>
-        </p:txBody>
-      </p:sp>
-      <p:pic>
-        <p:nvPicPr>
-          <p:cNvPr id="4" name="Picture 2">
-            <a:extLst>
-              <a:ext uri="{FF2B5EF4-FFF2-40B4-BE49-F238E27FC236}">
-                <a16:creationId xmlns:a16="http://schemas.microsoft.com/office/drawing/2014/main" id="{F93B7DB5-B149-4C4D-ADB9-8DD3B187BEA3}"/>
-              </a:ext>
-            </a:extLst>
-          </p:cNvPr>
-          <p:cNvPicPr>
-            <a:picLocks noChangeAspect="1" noChangeArrowheads="1"/>
-          </p:cNvPicPr>
-          <p:nvPr/>
-        </p:nvPicPr>
-        <p:blipFill>
-          <a:blip r:embed="rId2" cstate="print">
-            <a:extLst>
-              <a:ext uri="{28A0092B-C50C-407E-A947-70E740481C1C}">
-                <a14:useLocalDpi xmlns:a14="http://schemas.microsoft.com/office/drawing/2010/main" val="0"/>
-              </a:ext>
-            </a:extLst>
-          </a:blip>
-          <a:srcRect/>
-          <a:stretch/>
-        </p:blipFill>
-        <p:spPr bwMode="auto">
-          <a:xfrm>
-            <a:off x="8991600" y="46038"/>
-            <a:ext cx="1371600" cy="1371600"/>
-          </a:xfrm>
-          <a:prstGeom prst="rect">
-            <a:avLst/>
-          </a:prstGeom>
-          <a:noFill/>
-          <a:extLst>
-            <a:ext uri="{909E8E84-426E-40DD-AFC4-6F175D3DCCD1}">
-              <a14:hiddenFill xmlns:a14="http://schemas.microsoft.com/office/drawing/2010/main">
-                <a:solidFill>
-                  <a:srgbClr val="FFFFFF"/>
-                </a:solidFill>
-              </a14:hiddenFill>
-            </a:ext>
-          </a:extLst>
-        </p:spPr>
-      </p:pic>
-      <p:sp>
-        <p:nvSpPr>
-          <p:cNvPr id="5" name="Rectangle 4">
-            <a:extLst>
-              <a:ext uri="{FF2B5EF4-FFF2-40B4-BE49-F238E27FC236}">
-                <a16:creationId xmlns:a16="http://schemas.microsoft.com/office/drawing/2014/main" id="{2B6C10E6-9845-42E3-8563-37CCEEDBAE64}"/>
-              </a:ext>
-            </a:extLst>
-          </p:cNvPr>
-          <p:cNvSpPr/>
-          <p:nvPr/>
-        </p:nvSpPr>
-        <p:spPr>
-          <a:xfrm>
-            <a:off x="304800" y="3048000"/>
-            <a:ext cx="12986952" cy="2677656"/>
-          </a:xfrm>
-          <a:prstGeom prst="rect">
-            <a:avLst/>
-          </a:prstGeom>
-        </p:spPr>
-        <p:txBody>
-          <a:bodyPr wrap="square">
-            <a:spAutoFit/>
-          </a:bodyPr>
-          <a:lstStyle/>
-          <a:p>
-            <a:pPr marL="400050" lvl="1"/>
-            <a:r>
-              <a:rPr lang="en-IE" sz="2800" dirty="0"/>
-              <a:t>…can be used to develop static or interactive online material </a:t>
-            </a:r>
-            <a:br>
-              <a:rPr lang="en-IE" sz="2800" dirty="0"/>
-            </a:br>
-            <a:r>
-              <a:rPr lang="en-IE" sz="2800" dirty="0"/>
-              <a:t>and data visualisations.</a:t>
-            </a:r>
-          </a:p>
-          <a:p>
-            <a:pPr marL="400050" lvl="1"/>
-            <a:endParaRPr lang="en-IE" sz="2800" dirty="0"/>
-          </a:p>
-          <a:p>
-            <a:pPr marL="400050" lvl="1"/>
-            <a:r>
-              <a:rPr lang="en-IE" sz="2800" dirty="0"/>
-              <a:t>…is often used by visual artists.</a:t>
-            </a:r>
-          </a:p>
-          <a:p>
-            <a:pPr marL="400050" lvl="1"/>
-            <a:endParaRPr lang="en-IE" sz="2800" dirty="0"/>
-          </a:p>
-          <a:p>
-            <a:pPr marL="400050" lvl="1"/>
-            <a:r>
-              <a:rPr lang="en-IE" sz="2800" dirty="0"/>
-              <a:t>…produces visual and interactive representations of programming code.</a:t>
-            </a:r>
-            <a:endParaRPr lang="en-IE" sz="2800" b="1" dirty="0"/>
-          </a:p>
-        </p:txBody>
-      </p:sp>
-    </p:spTree>
-    <p:extLst>
-      <p:ext uri="{BB962C8B-B14F-4D97-AF65-F5344CB8AC3E}">
-        <p14:creationId xmlns:p14="http://schemas.microsoft.com/office/powerpoint/2010/main" val="3041990600"/>
-      </p:ext>
-    </p:extLst>
-  </p:cSld>
-  <p:clrMapOvr>
-    <a:masterClrMapping/>
-  </p:clrMapOvr>
-  <p:timing>
-    <p:tnLst>
-      <p:par>
-        <p:cTn id="1" dur="indefinite" restart="never" nodeType="tmRoot">
-          <p:childTnLst>
-            <p:seq concurrent="1" nextAc="seek">
-              <p:cTn id="2" dur="indefinite" nodeType="mainSeq">
-                <p:childTnLst>
-                  <p:par>
-                    <p:cTn id="3" fill="hold">
-                      <p:stCondLst>
-                        <p:cond delay="indefinite"/>
-                      </p:stCondLst>
-                      <p:childTnLst>
-                        <p:par>
-                          <p:cTn id="4" fill="hold">
-                            <p:stCondLst>
-                              <p:cond delay="0"/>
-                            </p:stCondLst>
-                            <p:childTnLst>
-                              <p:par>
-                                <p:cTn id="5" presetID="1" presetClass="entr" presetSubtype="0" fill="hold" grpId="0" nodeType="clickEffect">
-                                  <p:stCondLst>
-                                    <p:cond delay="0"/>
-                                  </p:stCondLst>
-                                  <p:childTnLst>
-                                    <p:set>
-                                      <p:cBhvr>
-                                        <p:cTn id="6" dur="1" fill="hold">
-                                          <p:stCondLst>
-                                            <p:cond delay="0"/>
-                                          </p:stCondLst>
-                                        </p:cTn>
-                                        <p:tgtEl>
-                                          <p:spTgt spid="5"/>
-                                        </p:tgtEl>
-                                        <p:attrNameLst>
-                                          <p:attrName>style.visibility</p:attrName>
-                                        </p:attrNameLst>
-                                      </p:cBhvr>
-                                      <p:to>
-                                        <p:strVal val="visible"/>
-                                      </p:to>
-                                    </p:set>
-                                  </p:childTnLst>
-                                </p:cTn>
-                              </p:par>
-                            </p:childTnLst>
-                          </p:cTn>
-                        </p:par>
-                      </p:childTnLst>
-                    </p:cTn>
-                  </p:par>
-                </p:childTnLst>
-              </p:cTn>
-              <p:prevCondLst>
-                <p:cond evt="onPrev" delay="0">
-                  <p:tgtEl>
-                    <p:sldTgt/>
-                  </p:tgtEl>
-                </p:cond>
-              </p:prevCondLst>
-              <p:nextCondLst>
-                <p:cond evt="onNext" delay="0">
-                  <p:tgtEl>
-                    <p:sldTgt/>
-                  </p:tgtEl>
-                </p:cond>
-              </p:nextCondLst>
-            </p:seq>
-          </p:childTnLst>
-        </p:cTn>
-      </p:par>
-    </p:tnLst>
-    <p:bldLst>
-      <p:bldP spid="5" grpId="0"/>
-    </p:bldLst>
-  </p:timing>
-</p:sld>
-</file>
-
-<file path=ppt/slides/slide4.xml><?xml version="1.0" encoding="utf-8"?>
-<p:sld xmlns:a="http://schemas.openxmlformats.org/drawingml/2006/main" xmlns:r="http://schemas.openxmlformats.org/officeDocument/2006/relationships" xmlns:p="http://schemas.openxmlformats.org/presentationml/2006/main">
-  <p:cSld>
-    <p:spTree>
-      <p:nvGrpSpPr>
-        <p:cNvPr id="1" name=""/>
-        <p:cNvGrpSpPr/>
-        <p:nvPr/>
-      </p:nvGrpSpPr>
-      <p:grpSpPr>
-        <a:xfrm>
-          <a:off x="0" y="0"/>
-          <a:ext cx="0" cy="0"/>
-          <a:chOff x="0" y="0"/>
-          <a:chExt cx="0" cy="0"/>
-        </a:xfrm>
-      </p:grpSpPr>
-      <p:sp>
-        <p:nvSpPr>
-          <p:cNvPr id="2" name="Title 1"/>
-          <p:cNvSpPr>
-            <a:spLocks noGrp="1"/>
-          </p:cNvSpPr>
-          <p:nvPr>
-            <p:ph type="title"/>
-          </p:nvPr>
-        </p:nvSpPr>
-        <p:spPr/>
-        <p:txBody>
-          <a:bodyPr/>
-          <a:lstStyle/>
-          <a:p>
-            <a:r>
-              <a:rPr lang="en-IE" dirty="0"/>
-              <a:t>What is Processing?</a:t>
-            </a:r>
-          </a:p>
-        </p:txBody>
-      </p:sp>
-      <p:sp>
-        <p:nvSpPr>
-          <p:cNvPr id="3" name="Content Placeholder 2"/>
-          <p:cNvSpPr>
-            <a:spLocks noGrp="1"/>
-          </p:cNvSpPr>
-          <p:nvPr>
-            <p:ph idx="1"/>
-          </p:nvPr>
-        </p:nvSpPr>
-        <p:spPr/>
-        <p:txBody>
-          <a:bodyPr>
-            <a:normAutofit lnSpcReduction="10000"/>
-          </a:bodyPr>
-          <a:lstStyle/>
-          <a:p>
-            <a:pPr lvl="0"/>
-            <a:r>
-              <a:rPr lang="en-IE" dirty="0"/>
-              <a:t>Different programming languages can be used with Processing e.g. :</a:t>
-            </a:r>
-          </a:p>
-          <a:p>
-            <a:pPr lvl="0"/>
-            <a:endParaRPr lang="en-IE" dirty="0"/>
-          </a:p>
-          <a:p>
-            <a:pPr lvl="1"/>
-            <a:r>
-              <a:rPr lang="en-IE" b="1" dirty="0"/>
-              <a:t>Java</a:t>
-            </a:r>
-            <a:r>
-              <a:rPr lang="en-IE" dirty="0"/>
-              <a:t>:  </a:t>
-            </a:r>
-            <a:r>
-              <a:rPr lang="en-IE" dirty="0" err="1"/>
-              <a:t>ver</a:t>
-            </a:r>
-            <a:r>
-              <a:rPr lang="en-IE" dirty="0"/>
-              <a:t> 4 uses Java 17, </a:t>
-            </a:r>
-            <a:r>
-              <a:rPr lang="en-IE" dirty="0" err="1"/>
-              <a:t>ver</a:t>
-            </a:r>
-            <a:r>
-              <a:rPr lang="en-IE" dirty="0"/>
-              <a:t> 3 uses Java 8.</a:t>
-            </a:r>
-          </a:p>
-          <a:p>
-            <a:pPr lvl="1"/>
-            <a:r>
-              <a:rPr lang="en-IE" b="1" dirty="0"/>
-              <a:t>JavaScript</a:t>
-            </a:r>
-            <a:r>
-              <a:rPr lang="en-IE" dirty="0"/>
-              <a:t> (p5.js)</a:t>
-            </a:r>
-          </a:p>
-          <a:p>
-            <a:pPr lvl="1"/>
-            <a:r>
-              <a:rPr lang="en-IE" b="1" dirty="0"/>
-              <a:t>Python</a:t>
-            </a:r>
-          </a:p>
-          <a:p>
-            <a:pPr lvl="1"/>
-            <a:endParaRPr lang="en-IE" dirty="0"/>
-          </a:p>
-          <a:p>
-            <a:r>
-              <a:rPr lang="en-IE" dirty="0"/>
-              <a:t>It can be used on different platforms :</a:t>
-            </a:r>
-          </a:p>
-          <a:p>
-            <a:pPr lvl="1"/>
-            <a:r>
-              <a:rPr lang="en-IE" dirty="0"/>
-              <a:t>Windows, OSX, </a:t>
-            </a:r>
-            <a:r>
-              <a:rPr lang="en-IE" b="1" dirty="0"/>
-              <a:t>Linux</a:t>
-            </a:r>
-            <a:r>
-              <a:rPr lang="en-IE" dirty="0"/>
-              <a:t> and now </a:t>
-            </a:r>
-            <a:r>
-              <a:rPr lang="en-IE" b="1" dirty="0"/>
-              <a:t>Android</a:t>
-            </a:r>
-          </a:p>
-          <a:p>
-            <a:pPr marL="0" indent="0">
-              <a:buNone/>
-            </a:pPr>
-            <a:endParaRPr lang="en-IE" dirty="0"/>
-          </a:p>
-        </p:txBody>
-      </p:sp>
-      <p:pic>
-        <p:nvPicPr>
-          <p:cNvPr id="4" name="Picture 2">
-            <a:extLst>
-              <a:ext uri="{FF2B5EF4-FFF2-40B4-BE49-F238E27FC236}">
-                <a16:creationId xmlns:a16="http://schemas.microsoft.com/office/drawing/2014/main" id="{9C4EF4F3-2FEC-4D3D-AB74-AD60E4978FB6}"/>
-              </a:ext>
-            </a:extLst>
-          </p:cNvPr>
-          <p:cNvPicPr>
-            <a:picLocks noChangeAspect="1" noChangeArrowheads="1"/>
-          </p:cNvPicPr>
-          <p:nvPr/>
-        </p:nvPicPr>
-        <p:blipFill>
-          <a:blip r:embed="rId2" cstate="print">
-            <a:extLst>
-              <a:ext uri="{28A0092B-C50C-407E-A947-70E740481C1C}">
-                <a14:useLocalDpi xmlns:a14="http://schemas.microsoft.com/office/drawing/2010/main" val="0"/>
-              </a:ext>
-            </a:extLst>
-          </a:blip>
-          <a:srcRect/>
-          <a:stretch/>
-        </p:blipFill>
-        <p:spPr bwMode="auto">
-          <a:xfrm>
-            <a:off x="8991600" y="46036"/>
-            <a:ext cx="1371600" cy="1371600"/>
-          </a:xfrm>
-          <a:prstGeom prst="rect">
-            <a:avLst/>
-          </a:prstGeom>
-          <a:noFill/>
-          <a:extLst>
-            <a:ext uri="{909E8E84-426E-40DD-AFC4-6F175D3DCCD1}">
-              <a14:hiddenFill xmlns:a14="http://schemas.microsoft.com/office/drawing/2010/main">
-                <a:solidFill>
-                  <a:srgbClr val="FFFFFF"/>
-                </a:solidFill>
-              </a14:hiddenFill>
-            </a:ext>
-          </a:extLst>
-        </p:spPr>
-      </p:pic>
-    </p:spTree>
-    <p:extLst>
-      <p:ext uri="{BB962C8B-B14F-4D97-AF65-F5344CB8AC3E}">
-        <p14:creationId xmlns:p14="http://schemas.microsoft.com/office/powerpoint/2010/main" val="4043535386"/>
-      </p:ext>
-    </p:extLst>
-  </p:cSld>
-  <p:clrMapOvr>
-    <a:masterClrMapping/>
-  </p:clrMapOvr>
-</p:sld>
-</file>
-
-<file path=ppt/slides/slide5.xml><?xml version="1.0" encoding="utf-8"?>
-<p:sld xmlns:a="http://schemas.openxmlformats.org/drawingml/2006/main" xmlns:r="http://schemas.openxmlformats.org/officeDocument/2006/relationships" xmlns:p="http://schemas.openxmlformats.org/presentationml/2006/main">
-  <p:cSld>
-    <p:spTree>
-      <p:nvGrpSpPr>
-        <p:cNvPr id="1" name=""/>
-        <p:cNvGrpSpPr/>
-        <p:nvPr/>
-      </p:nvGrpSpPr>
-      <p:grpSpPr>
-        <a:xfrm>
-          <a:off x="0" y="0"/>
-          <a:ext cx="0" cy="0"/>
-          <a:chOff x="0" y="0"/>
-          <a:chExt cx="0" cy="0"/>
-        </a:xfrm>
-      </p:grpSpPr>
-      <p:sp>
-        <p:nvSpPr>
-          <p:cNvPr id="2" name="Title 1"/>
-          <p:cNvSpPr>
-            <a:spLocks noGrp="1"/>
-          </p:cNvSpPr>
-          <p:nvPr>
-            <p:ph type="title"/>
-          </p:nvPr>
-        </p:nvSpPr>
-        <p:spPr/>
-        <p:txBody>
-          <a:bodyPr/>
-          <a:lstStyle/>
-          <a:p>
-            <a:r>
-              <a:rPr lang="en-IE" dirty="0"/>
-              <a:t>Why are we using Processing?</a:t>
-            </a:r>
-          </a:p>
-        </p:txBody>
-      </p:sp>
-      <p:sp>
-        <p:nvSpPr>
-          <p:cNvPr id="3" name="Content Placeholder 2"/>
-          <p:cNvSpPr>
-            <a:spLocks noGrp="1"/>
-          </p:cNvSpPr>
-          <p:nvPr>
-            <p:ph idx="1"/>
-          </p:nvPr>
-        </p:nvSpPr>
-        <p:spPr/>
-        <p:txBody>
-          <a:bodyPr/>
-          <a:lstStyle/>
-          <a:p>
-            <a:pPr lvl="0"/>
-            <a:endParaRPr lang="en-IE" i="1" dirty="0"/>
-          </a:p>
-          <a:p>
-            <a:pPr marL="0" indent="0" algn="ctr">
-              <a:buNone/>
-            </a:pPr>
-            <a:r>
-              <a:rPr lang="en-IE" sz="3600" i="1" dirty="0"/>
-              <a:t>Processing is increasingly used </a:t>
-            </a:r>
-          </a:p>
-          <a:p>
-            <a:pPr marL="0" indent="0" algn="ctr">
-              <a:buNone/>
-            </a:pPr>
-            <a:r>
-              <a:rPr lang="en-IE" sz="3600" i="1" dirty="0"/>
-              <a:t>to teach computer </a:t>
-            </a:r>
-          </a:p>
-          <a:p>
-            <a:pPr marL="0" indent="0" algn="ctr">
-              <a:buNone/>
-            </a:pPr>
-            <a:r>
-              <a:rPr lang="en-IE" sz="3600" i="1" dirty="0"/>
-              <a:t>programming fundamentals (</a:t>
-            </a:r>
-            <a:r>
-              <a:rPr lang="en-IE" sz="3600" i="1" dirty="0">
-                <a:hlinkClick r:id="rId3"/>
-              </a:rPr>
-              <a:t>https://processing.org/overview/</a:t>
-            </a:r>
-            <a:r>
-              <a:rPr lang="en-IE" sz="3600" i="1" dirty="0"/>
-              <a:t>) </a:t>
-            </a:r>
-          </a:p>
-          <a:p>
-            <a:pPr marL="0" indent="0">
-              <a:buNone/>
-            </a:pPr>
-            <a:endParaRPr lang="en-IE" i="1" dirty="0"/>
-          </a:p>
-        </p:txBody>
-      </p:sp>
-    </p:spTree>
-    <p:extLst>
-      <p:ext uri="{BB962C8B-B14F-4D97-AF65-F5344CB8AC3E}">
-        <p14:creationId xmlns:p14="http://schemas.microsoft.com/office/powerpoint/2010/main" val="423080069"/>
-      </p:ext>
-    </p:extLst>
-  </p:cSld>
-  <p:clrMapOvr>
-    <a:masterClrMapping/>
-  </p:clrMapOvr>
-</p:sld>
-</file>
-
-<file path=ppt/slides/slide6.xml><?xml version="1.0" encoding="utf-8"?>
-<p:sld xmlns:a="http://schemas.openxmlformats.org/drawingml/2006/main" xmlns:r="http://schemas.openxmlformats.org/officeDocument/2006/relationships" xmlns:p="http://schemas.openxmlformats.org/presentationml/2006/main">
-  <p:cSld>
-    <p:spTree>
-      <p:nvGrpSpPr>
-        <p:cNvPr id="1" name=""/>
-        <p:cNvGrpSpPr/>
-        <p:nvPr/>
-      </p:nvGrpSpPr>
-      <p:grpSpPr>
-        <a:xfrm>
-          <a:off x="0" y="0"/>
-          <a:ext cx="0" cy="0"/>
-          <a:chOff x="0" y="0"/>
-          <a:chExt cx="0" cy="0"/>
-        </a:xfrm>
-      </p:grpSpPr>
-      <p:sp>
-        <p:nvSpPr>
-          <p:cNvPr id="2" name="Title 1"/>
-          <p:cNvSpPr>
-            <a:spLocks noGrp="1"/>
-          </p:cNvSpPr>
-          <p:nvPr>
-            <p:ph type="title"/>
-          </p:nvPr>
-        </p:nvSpPr>
-        <p:spPr/>
-        <p:txBody>
-          <a:bodyPr/>
-          <a:lstStyle/>
-          <a:p>
-            <a:r>
               <a:rPr lang="en-IE" dirty="0"/>
               <a:t>Coordinate System in Computing</a:t>
             </a:r>
@@ -6866,7 +4634,7 @@
 </p:sld>
 </file>
 
-<file path=ppt/slides/slide7.xml><?xml version="1.0" encoding="utf-8"?>
+<file path=ppt/slides/slide11.xml><?xml version="1.0" encoding="utf-8"?>
 <p:sld xmlns:a="http://schemas.openxmlformats.org/drawingml/2006/main" xmlns:r="http://schemas.openxmlformats.org/officeDocument/2006/relationships" xmlns:p="http://schemas.openxmlformats.org/presentationml/2006/main">
   <p:cSld>
     <p:spTree>
@@ -7136,7 +4904,7 @@
 </p:sld>
 </file>
 
-<file path=ppt/slides/slide8.xml><?xml version="1.0" encoding="utf-8"?>
+<file path=ppt/slides/slide12.xml><?xml version="1.0" encoding="utf-8"?>
 <p:sld xmlns:a="http://schemas.openxmlformats.org/drawingml/2006/main" xmlns:r="http://schemas.openxmlformats.org/officeDocument/2006/relationships" xmlns:p="http://schemas.openxmlformats.org/presentationml/2006/main">
   <p:cSld>
     <p:spTree>
@@ -7388,7 +5156,7 @@
 </p:sld>
 </file>
 
-<file path=ppt/slides/slide9.xml><?xml version="1.0" encoding="utf-8"?>
+<file path=ppt/slides/slide13.xml><?xml version="1.0" encoding="utf-8"?>
 <p:sld xmlns:a="http://schemas.openxmlformats.org/drawingml/2006/main" xmlns:r="http://schemas.openxmlformats.org/officeDocument/2006/relationships" xmlns:p="http://schemas.openxmlformats.org/presentationml/2006/main">
   <p:cSld>
     <p:spTree>
@@ -7515,6 +5283,5369 @@
   <p:clrMapOvr>
     <a:masterClrMapping/>
   </p:clrMapOvr>
+</p:sld>
+</file>
+
+<file path=ppt/slides/slide14.xml><?xml version="1.0" encoding="utf-8"?>
+<p:sld xmlns:a="http://schemas.openxmlformats.org/drawingml/2006/main" xmlns:r="http://schemas.openxmlformats.org/officeDocument/2006/relationships" xmlns:p="http://schemas.openxmlformats.org/presentationml/2006/main">
+  <p:cSld>
+    <p:spTree>
+      <p:nvGrpSpPr>
+        <p:cNvPr id="1" name=""/>
+        <p:cNvGrpSpPr/>
+        <p:nvPr/>
+      </p:nvGrpSpPr>
+      <p:grpSpPr>
+        <a:xfrm>
+          <a:off x="0" y="0"/>
+          <a:ext cx="0" cy="0"/>
+          <a:chOff x="0" y="0"/>
+          <a:chExt cx="0" cy="0"/>
+        </a:xfrm>
+      </p:grpSpPr>
+      <p:sp>
+        <p:nvSpPr>
+          <p:cNvPr id="2" name="Title 1"/>
+          <p:cNvSpPr>
+            <a:spLocks noGrp="1"/>
+          </p:cNvSpPr>
+          <p:nvPr>
+            <p:ph type="title"/>
+          </p:nvPr>
+        </p:nvSpPr>
+        <p:spPr/>
+        <p:txBody>
+          <a:bodyPr/>
+          <a:lstStyle/>
+          <a:p>
+            <a:r>
+              <a:rPr lang="en-IE" dirty="0" err="1"/>
+              <a:t>rect</a:t>
+            </a:r>
+            <a:r>
+              <a:rPr lang="en-IE" dirty="0"/>
+              <a:t>() – Drawing a Rectangle</a:t>
+            </a:r>
+          </a:p>
+        </p:txBody>
+      </p:sp>
+      <p:pic>
+        <p:nvPicPr>
+          <p:cNvPr id="4099" name="Picture 3" descr="C:\Users\Siobhan\Dropbox\Programming Fundamentals (1)\Semester 1\Sept 2015 specifics\Processing\repo\topic01\book\img\12.png"/>
+          <p:cNvPicPr>
+            <a:picLocks noGrp="1" noChangeAspect="1" noChangeArrowheads="1"/>
+          </p:cNvPicPr>
+          <p:nvPr>
+            <p:ph idx="1"/>
+          </p:nvPr>
+        </p:nvPicPr>
+        <p:blipFill>
+          <a:blip r:embed="rId2">
+            <a:extLst>
+              <a:ext uri="{28A0092B-C50C-407E-A947-70E740481C1C}">
+                <a14:useLocalDpi xmlns:a14="http://schemas.microsoft.com/office/drawing/2010/main" val="0"/>
+              </a:ext>
+            </a:extLst>
+          </a:blip>
+          <a:srcRect/>
+          <a:stretch>
+            <a:fillRect/>
+          </a:stretch>
+        </p:blipFill>
+        <p:spPr bwMode="auto">
+          <a:xfrm>
+            <a:off x="8077200" y="4038600"/>
+            <a:ext cx="2209800" cy="2547408"/>
+          </a:xfrm>
+          <a:prstGeom prst="rect">
+            <a:avLst/>
+          </a:prstGeom>
+          <a:noFill/>
+          <a:extLst>
+            <a:ext uri="{909E8E84-426E-40DD-AFC4-6F175D3DCCD1}">
+              <a14:hiddenFill xmlns:a14="http://schemas.microsoft.com/office/drawing/2010/main">
+                <a:solidFill>
+                  <a:srgbClr val="FFFFFF"/>
+                </a:solidFill>
+              </a14:hiddenFill>
+            </a:ext>
+          </a:extLst>
+        </p:spPr>
+      </p:pic>
+      <p:pic>
+        <p:nvPicPr>
+          <p:cNvPr id="3" name="Picture 2"/>
+          <p:cNvPicPr>
+            <a:picLocks noChangeAspect="1"/>
+          </p:cNvPicPr>
+          <p:nvPr/>
+        </p:nvPicPr>
+        <p:blipFill>
+          <a:blip r:embed="rId3"/>
+          <a:stretch>
+            <a:fillRect/>
+          </a:stretch>
+        </p:blipFill>
+        <p:spPr>
+          <a:xfrm>
+            <a:off x="2590800" y="1417639"/>
+            <a:ext cx="3981450" cy="5648325"/>
+          </a:xfrm>
+          <a:prstGeom prst="rect">
+            <a:avLst/>
+          </a:prstGeom>
+        </p:spPr>
+      </p:pic>
+    </p:spTree>
+    <p:extLst>
+      <p:ext uri="{BB962C8B-B14F-4D97-AF65-F5344CB8AC3E}">
+        <p14:creationId xmlns:p14="http://schemas.microsoft.com/office/powerpoint/2010/main" val="4142792528"/>
+      </p:ext>
+    </p:extLst>
+  </p:cSld>
+  <p:clrMapOvr>
+    <a:masterClrMapping/>
+  </p:clrMapOvr>
+</p:sld>
+</file>
+
+<file path=ppt/slides/slide15.xml><?xml version="1.0" encoding="utf-8"?>
+<p:sld xmlns:a="http://schemas.openxmlformats.org/drawingml/2006/main" xmlns:r="http://schemas.openxmlformats.org/officeDocument/2006/relationships" xmlns:p="http://schemas.openxmlformats.org/presentationml/2006/main">
+  <p:cSld>
+    <p:spTree>
+      <p:nvGrpSpPr>
+        <p:cNvPr id="1" name=""/>
+        <p:cNvGrpSpPr/>
+        <p:nvPr/>
+      </p:nvGrpSpPr>
+      <p:grpSpPr>
+        <a:xfrm>
+          <a:off x="0" y="0"/>
+          <a:ext cx="0" cy="0"/>
+          <a:chOff x="0" y="0"/>
+          <a:chExt cx="0" cy="0"/>
+        </a:xfrm>
+      </p:grpSpPr>
+      <p:sp>
+        <p:nvSpPr>
+          <p:cNvPr id="2" name="Title 1"/>
+          <p:cNvSpPr>
+            <a:spLocks noGrp="1"/>
+          </p:cNvSpPr>
+          <p:nvPr>
+            <p:ph type="title"/>
+          </p:nvPr>
+        </p:nvSpPr>
+        <p:spPr/>
+        <p:txBody>
+          <a:bodyPr>
+            <a:normAutofit/>
+          </a:bodyPr>
+          <a:lstStyle/>
+          <a:p>
+            <a:r>
+              <a:rPr lang="en-IE" dirty="0" err="1"/>
+              <a:t>rect</a:t>
+            </a:r>
+            <a:r>
+              <a:rPr lang="en-IE" dirty="0"/>
+              <a:t>() – Drawing a Square</a:t>
+            </a:r>
+          </a:p>
+        </p:txBody>
+      </p:sp>
+      <p:pic>
+        <p:nvPicPr>
+          <p:cNvPr id="3074" name="Picture 2"/>
+          <p:cNvPicPr>
+            <a:picLocks noChangeAspect="1" noChangeArrowheads="1"/>
+          </p:cNvPicPr>
+          <p:nvPr/>
+        </p:nvPicPr>
+        <p:blipFill rotWithShape="1">
+          <a:blip r:embed="rId2">
+            <a:extLst>
+              <a:ext uri="{28A0092B-C50C-407E-A947-70E740481C1C}">
+                <a14:useLocalDpi xmlns:a14="http://schemas.microsoft.com/office/drawing/2010/main" val="0"/>
+              </a:ext>
+            </a:extLst>
+          </a:blip>
+          <a:srcRect l="32051" t="10913" r="31618" b="64204"/>
+          <a:stretch/>
+        </p:blipFill>
+        <p:spPr bwMode="auto">
+          <a:xfrm>
+            <a:off x="2036618" y="1676401"/>
+            <a:ext cx="8250382" cy="3176943"/>
+          </a:xfrm>
+          <a:prstGeom prst="rect">
+            <a:avLst/>
+          </a:prstGeom>
+          <a:noFill/>
+          <a:ln w="9525">
+            <a:solidFill>
+              <a:schemeClr val="tx1"/>
+            </a:solidFill>
+            <a:miter lim="800000"/>
+            <a:headEnd/>
+            <a:tailEnd/>
+          </a:ln>
+          <a:extLst>
+            <a:ext uri="{909E8E84-426E-40DD-AFC4-6F175D3DCCD1}">
+              <a14:hiddenFill xmlns:a14="http://schemas.microsoft.com/office/drawing/2010/main">
+                <a:solidFill>
+                  <a:schemeClr val="accent1"/>
+                </a:solidFill>
+              </a14:hiddenFill>
+            </a:ext>
+          </a:extLst>
+        </p:spPr>
+      </p:pic>
+      <p:pic>
+        <p:nvPicPr>
+          <p:cNvPr id="6" name="Picture 4" descr="C:\Users\Siobhan\Dropbox\Programming Fundamentals (1)\Semester 1\Sept 2015 specifics\Processing\repo\topic01\book\img\13.png"/>
+          <p:cNvPicPr>
+            <a:picLocks noChangeAspect="1" noChangeArrowheads="1"/>
+          </p:cNvPicPr>
+          <p:nvPr/>
+        </p:nvPicPr>
+        <p:blipFill>
+          <a:blip r:embed="rId3">
+            <a:extLst>
+              <a:ext uri="{28A0092B-C50C-407E-A947-70E740481C1C}">
+                <a14:useLocalDpi xmlns:a14="http://schemas.microsoft.com/office/drawing/2010/main" val="0"/>
+              </a:ext>
+            </a:extLst>
+          </a:blip>
+          <a:srcRect/>
+          <a:stretch>
+            <a:fillRect/>
+          </a:stretch>
+        </p:blipFill>
+        <p:spPr bwMode="auto">
+          <a:xfrm>
+            <a:off x="8229600" y="4191000"/>
+            <a:ext cx="2164814" cy="2495550"/>
+          </a:xfrm>
+          <a:prstGeom prst="rect">
+            <a:avLst/>
+          </a:prstGeom>
+          <a:noFill/>
+          <a:extLst>
+            <a:ext uri="{909E8E84-426E-40DD-AFC4-6F175D3DCCD1}">
+              <a14:hiddenFill xmlns:a14="http://schemas.microsoft.com/office/drawing/2010/main">
+                <a:solidFill>
+                  <a:srgbClr val="FFFFFF"/>
+                </a:solidFill>
+              </a14:hiddenFill>
+            </a:ext>
+          </a:extLst>
+        </p:spPr>
+      </p:pic>
+      <p:sp>
+        <p:nvSpPr>
+          <p:cNvPr id="3" name="Oval 2"/>
+          <p:cNvSpPr/>
+          <p:nvPr/>
+        </p:nvSpPr>
+        <p:spPr>
+          <a:xfrm>
+            <a:off x="4038600" y="4114800"/>
+            <a:ext cx="152400" cy="304800"/>
+          </a:xfrm>
+          <a:prstGeom prst="ellipse">
+            <a:avLst/>
+          </a:prstGeom>
+          <a:noFill/>
+          <a:ln>
+            <a:solidFill>
+              <a:srgbClr val="FF0000"/>
+            </a:solidFill>
+          </a:ln>
+        </p:spPr>
+        <p:style>
+          <a:lnRef idx="2">
+            <a:schemeClr val="accent1">
+              <a:shade val="50000"/>
+            </a:schemeClr>
+          </a:lnRef>
+          <a:fillRef idx="1">
+            <a:schemeClr val="accent1"/>
+          </a:fillRef>
+          <a:effectRef idx="0">
+            <a:schemeClr val="accent1"/>
+          </a:effectRef>
+          <a:fontRef idx="minor">
+            <a:schemeClr val="lt1"/>
+          </a:fontRef>
+        </p:style>
+        <p:txBody>
+          <a:bodyPr rtlCol="0" anchor="ctr"/>
+          <a:lstStyle/>
+          <a:p>
+            <a:pPr algn="ctr"/>
+            <a:endParaRPr lang="en-IE"/>
+          </a:p>
+        </p:txBody>
+      </p:sp>
+      <p:sp>
+        <p:nvSpPr>
+          <p:cNvPr id="4" name="TextBox 3"/>
+          <p:cNvSpPr txBox="1"/>
+          <p:nvPr/>
+        </p:nvSpPr>
+        <p:spPr>
+          <a:xfrm>
+            <a:off x="2069275" y="5438775"/>
+            <a:ext cx="4419600" cy="923330"/>
+          </a:xfrm>
+          <a:prstGeom prst="rect">
+            <a:avLst/>
+          </a:prstGeom>
+          <a:solidFill>
+            <a:schemeClr val="accent6">
+              <a:lumMod val="20000"/>
+              <a:lumOff val="80000"/>
+            </a:schemeClr>
+          </a:solidFill>
+          <a:ln>
+            <a:solidFill>
+              <a:srgbClr val="FF0000"/>
+            </a:solidFill>
+          </a:ln>
+        </p:spPr>
+        <p:txBody>
+          <a:bodyPr wrap="square" rtlCol="0">
+            <a:spAutoFit/>
+          </a:bodyPr>
+          <a:lstStyle/>
+          <a:p>
+            <a:r>
+              <a:rPr lang="en-IE" dirty="0"/>
+              <a:t>Note how each line of code has a semi-colon (;) at the end of it.  This is called a </a:t>
+            </a:r>
+            <a:r>
+              <a:rPr lang="en-IE" dirty="0">
+                <a:solidFill>
+                  <a:srgbClr val="FF0000"/>
+                </a:solidFill>
+              </a:rPr>
+              <a:t>statement terminator</a:t>
+            </a:r>
+            <a:r>
+              <a:rPr lang="en-IE" dirty="0"/>
+              <a:t> and must be included.</a:t>
+            </a:r>
+          </a:p>
+        </p:txBody>
+      </p:sp>
+      <p:cxnSp>
+        <p:nvCxnSpPr>
+          <p:cNvPr id="7" name="Straight Arrow Connector 6"/>
+          <p:cNvCxnSpPr>
+            <a:stCxn id="4" idx="0"/>
+          </p:cNvCxnSpPr>
+          <p:nvPr/>
+        </p:nvCxnSpPr>
+        <p:spPr>
+          <a:xfrm flipH="1" flipV="1">
+            <a:off x="4114801" y="4419601"/>
+            <a:ext cx="164275" cy="1019175"/>
+          </a:xfrm>
+          <a:prstGeom prst="straightConnector1">
+            <a:avLst/>
+          </a:prstGeom>
+          <a:ln>
+            <a:tailEnd type="arrow"/>
+          </a:ln>
+        </p:spPr>
+        <p:style>
+          <a:lnRef idx="2">
+            <a:schemeClr val="accent2"/>
+          </a:lnRef>
+          <a:fillRef idx="0">
+            <a:schemeClr val="accent2"/>
+          </a:fillRef>
+          <a:effectRef idx="1">
+            <a:schemeClr val="accent2"/>
+          </a:effectRef>
+          <a:fontRef idx="minor">
+            <a:schemeClr val="tx1"/>
+          </a:fontRef>
+        </p:style>
+      </p:cxnSp>
+    </p:spTree>
+    <p:extLst>
+      <p:ext uri="{BB962C8B-B14F-4D97-AF65-F5344CB8AC3E}">
+        <p14:creationId xmlns:p14="http://schemas.microsoft.com/office/powerpoint/2010/main" val="3084912047"/>
+      </p:ext>
+    </p:extLst>
+  </p:cSld>
+  <p:clrMapOvr>
+    <a:masterClrMapping/>
+  </p:clrMapOvr>
+</p:sld>
+</file>
+
+<file path=ppt/slides/slide16.xml><?xml version="1.0" encoding="utf-8"?>
+<p:sld xmlns:a="http://schemas.openxmlformats.org/drawingml/2006/main" xmlns:r="http://schemas.openxmlformats.org/officeDocument/2006/relationships" xmlns:p="http://schemas.openxmlformats.org/presentationml/2006/main">
+  <p:cSld>
+    <p:spTree>
+      <p:nvGrpSpPr>
+        <p:cNvPr id="1" name=""/>
+        <p:cNvGrpSpPr/>
+        <p:nvPr/>
+      </p:nvGrpSpPr>
+      <p:grpSpPr>
+        <a:xfrm>
+          <a:off x="0" y="0"/>
+          <a:ext cx="0" cy="0"/>
+          <a:chOff x="0" y="0"/>
+          <a:chExt cx="0" cy="0"/>
+        </a:xfrm>
+      </p:grpSpPr>
+      <p:sp>
+        <p:nvSpPr>
+          <p:cNvPr id="2" name="Title 1"/>
+          <p:cNvSpPr>
+            <a:spLocks noGrp="1"/>
+          </p:cNvSpPr>
+          <p:nvPr>
+            <p:ph type="title"/>
+          </p:nvPr>
+        </p:nvSpPr>
+        <p:spPr/>
+        <p:txBody>
+          <a:bodyPr/>
+          <a:lstStyle/>
+          <a:p>
+            <a:r>
+              <a:rPr lang="en-IE" dirty="0" err="1"/>
+              <a:t>rect</a:t>
+            </a:r>
+            <a:r>
+              <a:rPr lang="en-IE" dirty="0"/>
+              <a:t>() – Syntax</a:t>
+            </a:r>
+          </a:p>
+        </p:txBody>
+      </p:sp>
+      <p:sp>
+        <p:nvSpPr>
+          <p:cNvPr id="3" name="Content Placeholder 2"/>
+          <p:cNvSpPr>
+            <a:spLocks noGrp="1"/>
+          </p:cNvSpPr>
+          <p:nvPr>
+            <p:ph idx="1"/>
+          </p:nvPr>
+        </p:nvSpPr>
+        <p:spPr>
+          <a:xfrm>
+            <a:off x="1981200" y="1600202"/>
+            <a:ext cx="8305800" cy="2362199"/>
+          </a:xfrm>
+          <a:ln>
+            <a:solidFill>
+              <a:schemeClr val="tx1"/>
+            </a:solidFill>
+          </a:ln>
+        </p:spPr>
+        <p:txBody>
+          <a:bodyPr>
+            <a:noAutofit/>
+          </a:bodyPr>
+          <a:lstStyle/>
+          <a:p>
+            <a:pPr marL="0" indent="0">
+              <a:spcBef>
+                <a:spcPts val="600"/>
+              </a:spcBef>
+              <a:buNone/>
+            </a:pPr>
+            <a:r>
+              <a:rPr lang="en-IE" dirty="0" err="1"/>
+              <a:t>rect</a:t>
+            </a:r>
+            <a:r>
+              <a:rPr lang="en-IE" dirty="0"/>
+              <a:t>(</a:t>
+            </a:r>
+            <a:r>
+              <a:rPr lang="en-IE" dirty="0">
+                <a:solidFill>
+                  <a:srgbClr val="FF0000"/>
+                </a:solidFill>
+              </a:rPr>
+              <a:t>x, </a:t>
+            </a:r>
+            <a:r>
+              <a:rPr lang="en-IE" dirty="0">
+                <a:solidFill>
+                  <a:schemeClr val="tx2">
+                    <a:lumMod val="60000"/>
+                    <a:lumOff val="40000"/>
+                  </a:schemeClr>
+                </a:solidFill>
+              </a:rPr>
+              <a:t>y, </a:t>
+            </a:r>
+            <a:r>
+              <a:rPr lang="en-IE" dirty="0">
+                <a:solidFill>
+                  <a:srgbClr val="92D050"/>
+                </a:solidFill>
+              </a:rPr>
+              <a:t>w,</a:t>
+            </a:r>
+            <a:r>
+              <a:rPr lang="en-IE" dirty="0"/>
+              <a:t> </a:t>
+            </a:r>
+            <a:r>
+              <a:rPr lang="en-IE" dirty="0">
+                <a:solidFill>
+                  <a:schemeClr val="accent4"/>
+                </a:solidFill>
+              </a:rPr>
+              <a:t>h</a:t>
+            </a:r>
+            <a:r>
+              <a:rPr lang="en-IE" dirty="0"/>
+              <a:t>) </a:t>
+            </a:r>
+          </a:p>
+          <a:p>
+            <a:pPr marL="400050" lvl="1" indent="0">
+              <a:spcBef>
+                <a:spcPts val="600"/>
+              </a:spcBef>
+              <a:buNone/>
+            </a:pPr>
+            <a:r>
+              <a:rPr lang="en-IE" sz="2400" dirty="0">
+                <a:solidFill>
+                  <a:srgbClr val="FF0000"/>
+                </a:solidFill>
+              </a:rPr>
+              <a:t>x = x-coordinate of the </a:t>
+            </a:r>
+            <a:r>
+              <a:rPr lang="en-IE" sz="2400" u="sng" dirty="0">
+                <a:solidFill>
+                  <a:srgbClr val="FF0000"/>
+                </a:solidFill>
+              </a:rPr>
+              <a:t>upper left corner</a:t>
+            </a:r>
+            <a:r>
+              <a:rPr lang="en-IE" sz="2400" dirty="0">
+                <a:solidFill>
+                  <a:srgbClr val="FF0000"/>
+                </a:solidFill>
+              </a:rPr>
+              <a:t> of the rectangle </a:t>
+            </a:r>
+          </a:p>
+          <a:p>
+            <a:pPr marL="400050" lvl="1" indent="0">
+              <a:spcBef>
+                <a:spcPts val="600"/>
+              </a:spcBef>
+              <a:buNone/>
+            </a:pPr>
+            <a:r>
+              <a:rPr lang="en-IE" sz="2400" dirty="0">
+                <a:solidFill>
+                  <a:schemeClr val="tx2">
+                    <a:lumMod val="60000"/>
+                    <a:lumOff val="40000"/>
+                  </a:schemeClr>
+                </a:solidFill>
+              </a:rPr>
+              <a:t>y = y-coordinate of the </a:t>
+            </a:r>
+            <a:r>
+              <a:rPr lang="en-IE" sz="2400" u="sng" dirty="0">
+                <a:solidFill>
+                  <a:schemeClr val="tx2">
+                    <a:lumMod val="60000"/>
+                    <a:lumOff val="40000"/>
+                  </a:schemeClr>
+                </a:solidFill>
+              </a:rPr>
+              <a:t>upper left corner</a:t>
+            </a:r>
+            <a:r>
+              <a:rPr lang="en-IE" sz="2400" dirty="0">
+                <a:solidFill>
+                  <a:schemeClr val="tx2">
+                    <a:lumMod val="60000"/>
+                    <a:lumOff val="40000"/>
+                  </a:schemeClr>
+                </a:solidFill>
+              </a:rPr>
+              <a:t> of the rectangle </a:t>
+            </a:r>
+          </a:p>
+          <a:p>
+            <a:pPr marL="400050" lvl="1" indent="0">
+              <a:spcBef>
+                <a:spcPts val="600"/>
+              </a:spcBef>
+              <a:buNone/>
+            </a:pPr>
+            <a:r>
+              <a:rPr lang="en-IE" sz="2400" dirty="0">
+                <a:solidFill>
+                  <a:srgbClr val="92D050"/>
+                </a:solidFill>
+              </a:rPr>
+              <a:t>w = width of the rectangle </a:t>
+            </a:r>
+          </a:p>
+          <a:p>
+            <a:pPr marL="400050" lvl="1" indent="0">
+              <a:spcBef>
+                <a:spcPts val="600"/>
+              </a:spcBef>
+              <a:buNone/>
+            </a:pPr>
+            <a:r>
+              <a:rPr lang="en-IE" sz="2400" dirty="0">
+                <a:solidFill>
+                  <a:schemeClr val="accent4"/>
+                </a:solidFill>
+              </a:rPr>
+              <a:t>h = height of the rectangle</a:t>
+            </a:r>
+          </a:p>
+        </p:txBody>
+      </p:sp>
+      <p:sp>
+        <p:nvSpPr>
+          <p:cNvPr id="4" name="TextBox 3"/>
+          <p:cNvSpPr txBox="1"/>
+          <p:nvPr/>
+        </p:nvSpPr>
+        <p:spPr>
+          <a:xfrm>
+            <a:off x="7696200" y="4382632"/>
+            <a:ext cx="2590800" cy="2246769"/>
+          </a:xfrm>
+          <a:prstGeom prst="rect">
+            <a:avLst/>
+          </a:prstGeom>
+          <a:noFill/>
+          <a:ln>
+            <a:solidFill>
+              <a:schemeClr val="tx1"/>
+            </a:solidFill>
+          </a:ln>
+        </p:spPr>
+        <p:txBody>
+          <a:bodyPr wrap="square" rtlCol="0">
+            <a:spAutoFit/>
+          </a:bodyPr>
+          <a:lstStyle/>
+          <a:p>
+            <a:pPr algn="ctr"/>
+            <a:r>
+              <a:rPr lang="en-IE" sz="2800" dirty="0"/>
+              <a:t>To draw a square, the width and height must be the same value.</a:t>
+            </a:r>
+          </a:p>
+        </p:txBody>
+      </p:sp>
+      <p:sp>
+        <p:nvSpPr>
+          <p:cNvPr id="5" name="TextBox 4"/>
+          <p:cNvSpPr txBox="1"/>
+          <p:nvPr/>
+        </p:nvSpPr>
+        <p:spPr>
+          <a:xfrm>
+            <a:off x="1981200" y="4104144"/>
+            <a:ext cx="5562600" cy="2677656"/>
+          </a:xfrm>
+          <a:prstGeom prst="rect">
+            <a:avLst/>
+          </a:prstGeom>
+          <a:noFill/>
+          <a:ln>
+            <a:solidFill>
+              <a:schemeClr val="tx1"/>
+            </a:solidFill>
+          </a:ln>
+        </p:spPr>
+        <p:txBody>
+          <a:bodyPr wrap="square" rtlCol="0">
+            <a:spAutoFit/>
+          </a:bodyPr>
+          <a:lstStyle/>
+          <a:p>
+            <a:pPr marL="285750" indent="-285750">
+              <a:buFont typeface="Arial" panose="020B0604020202020204" pitchFamily="34" charset="0"/>
+              <a:buChar char="•"/>
+            </a:pPr>
+            <a:r>
+              <a:rPr lang="en-IE" sz="2400" dirty="0"/>
+              <a:t>The </a:t>
+            </a:r>
+            <a:r>
+              <a:rPr lang="en-IE" sz="2400" dirty="0" err="1"/>
+              <a:t>rect</a:t>
+            </a:r>
+            <a:r>
+              <a:rPr lang="en-IE" sz="2400" dirty="0"/>
+              <a:t> function above defines four </a:t>
+            </a:r>
+            <a:r>
+              <a:rPr lang="en-IE" sz="2400" dirty="0">
+                <a:solidFill>
+                  <a:srgbClr val="FF0000"/>
+                </a:solidFill>
+              </a:rPr>
+              <a:t>parameters</a:t>
+            </a:r>
+            <a:r>
+              <a:rPr lang="en-IE" sz="2400" dirty="0"/>
+              <a:t> i.e. x, y, w, h.</a:t>
+            </a:r>
+          </a:p>
+          <a:p>
+            <a:pPr marL="285750" indent="-285750">
+              <a:buFont typeface="Arial" panose="020B0604020202020204" pitchFamily="34" charset="0"/>
+              <a:buChar char="•"/>
+            </a:pPr>
+            <a:r>
+              <a:rPr lang="en-IE" sz="2400" dirty="0"/>
+              <a:t>When you call </a:t>
+            </a:r>
+            <a:r>
+              <a:rPr lang="en-IE" sz="2400" dirty="0" err="1"/>
+              <a:t>rect</a:t>
+            </a:r>
+            <a:r>
+              <a:rPr lang="en-IE" sz="2400" dirty="0"/>
+              <a:t>, you are expected to pass four numbers to it.  These actual numbers are called </a:t>
+            </a:r>
+            <a:r>
+              <a:rPr lang="en-IE" sz="2400" dirty="0">
+                <a:solidFill>
+                  <a:srgbClr val="FF0000"/>
+                </a:solidFill>
+              </a:rPr>
+              <a:t>arguments</a:t>
+            </a:r>
+            <a:r>
+              <a:rPr lang="en-IE" sz="2400" dirty="0"/>
+              <a:t>. </a:t>
+            </a:r>
+          </a:p>
+          <a:p>
+            <a:pPr marL="285750" indent="-285750">
+              <a:buFont typeface="Arial" panose="020B0604020202020204" pitchFamily="34" charset="0"/>
+              <a:buChar char="•"/>
+            </a:pPr>
+            <a:r>
+              <a:rPr lang="en-IE" sz="2400" dirty="0" err="1"/>
+              <a:t>rect</a:t>
+            </a:r>
+            <a:r>
+              <a:rPr lang="en-IE" sz="2400" dirty="0"/>
+              <a:t> uses these four numbers to render the rectangle on the display window.</a:t>
+            </a:r>
+          </a:p>
+        </p:txBody>
+      </p:sp>
+    </p:spTree>
+    <p:extLst>
+      <p:ext uri="{BB962C8B-B14F-4D97-AF65-F5344CB8AC3E}">
+        <p14:creationId xmlns:p14="http://schemas.microsoft.com/office/powerpoint/2010/main" val="2975536152"/>
+      </p:ext>
+    </p:extLst>
+  </p:cSld>
+  <p:clrMapOvr>
+    <a:masterClrMapping/>
+  </p:clrMapOvr>
+</p:sld>
+</file>
+
+<file path=ppt/slides/slide17.xml><?xml version="1.0" encoding="utf-8"?>
+<p:sld xmlns:a="http://schemas.openxmlformats.org/drawingml/2006/main" xmlns:r="http://schemas.openxmlformats.org/officeDocument/2006/relationships" xmlns:p="http://schemas.openxmlformats.org/presentationml/2006/main">
+  <p:cSld>
+    <p:spTree>
+      <p:nvGrpSpPr>
+        <p:cNvPr id="1" name=""/>
+        <p:cNvGrpSpPr/>
+        <p:nvPr/>
+      </p:nvGrpSpPr>
+      <p:grpSpPr>
+        <a:xfrm>
+          <a:off x="0" y="0"/>
+          <a:ext cx="0" cy="0"/>
+          <a:chOff x="0" y="0"/>
+          <a:chExt cx="0" cy="0"/>
+        </a:xfrm>
+      </p:grpSpPr>
+      <p:sp>
+        <p:nvSpPr>
+          <p:cNvPr id="2" name="Title 1"/>
+          <p:cNvSpPr>
+            <a:spLocks noGrp="1"/>
+          </p:cNvSpPr>
+          <p:nvPr>
+            <p:ph type="title"/>
+          </p:nvPr>
+        </p:nvSpPr>
+        <p:spPr/>
+        <p:txBody>
+          <a:bodyPr/>
+          <a:lstStyle/>
+          <a:p>
+            <a:r>
+              <a:rPr lang="en-IE" dirty="0"/>
+              <a:t>Questions?</a:t>
+            </a:r>
+          </a:p>
+        </p:txBody>
+      </p:sp>
+      <p:pic>
+        <p:nvPicPr>
+          <p:cNvPr id="3" name="Picture 2" descr="A green question mark in a circle&#10;&#10;AI-generated content may be incorrect.">
+            <a:extLst>
+              <a:ext uri="{FF2B5EF4-FFF2-40B4-BE49-F238E27FC236}">
+                <a16:creationId xmlns:a16="http://schemas.microsoft.com/office/drawing/2014/main" id="{D291171D-9A3E-45B8-42C9-02FA21CF6D99}"/>
+              </a:ext>
+            </a:extLst>
+          </p:cNvPr>
+          <p:cNvPicPr>
+            <a:picLocks noChangeAspect="1"/>
+          </p:cNvPicPr>
+          <p:nvPr/>
+        </p:nvPicPr>
+        <p:blipFill>
+          <a:blip r:embed="rId2">
+            <a:extLst>
+              <a:ext uri="{28A0092B-C50C-407E-A947-70E740481C1C}">
+                <a14:useLocalDpi xmlns:a14="http://schemas.microsoft.com/office/drawing/2010/main" val="0"/>
+              </a:ext>
+            </a:extLst>
+          </a:blip>
+          <a:stretch>
+            <a:fillRect/>
+          </a:stretch>
+        </p:blipFill>
+        <p:spPr>
+          <a:xfrm>
+            <a:off x="3833019" y="1166019"/>
+            <a:ext cx="4525963" cy="4525963"/>
+          </a:xfrm>
+          <a:prstGeom prst="rect">
+            <a:avLst/>
+          </a:prstGeom>
+          <a:noFill/>
+        </p:spPr>
+      </p:pic>
+    </p:spTree>
+    <p:extLst>
+      <p:ext uri="{BB962C8B-B14F-4D97-AF65-F5344CB8AC3E}">
+        <p14:creationId xmlns:p14="http://schemas.microsoft.com/office/powerpoint/2010/main" val="2109878679"/>
+      </p:ext>
+    </p:extLst>
+  </p:cSld>
+  <p:clrMapOvr>
+    <a:masterClrMapping/>
+  </p:clrMapOvr>
+</p:sld>
+</file>
+
+<file path=ppt/slides/slide2.xml><?xml version="1.0" encoding="utf-8"?>
+<p:sld xmlns:a="http://schemas.openxmlformats.org/drawingml/2006/main" xmlns:r="http://schemas.openxmlformats.org/officeDocument/2006/relationships" xmlns:p="http://schemas.openxmlformats.org/presentationml/2006/main">
+  <p:cSld>
+    <p:spTree>
+      <p:nvGrpSpPr>
+        <p:cNvPr id="1" name=""/>
+        <p:cNvGrpSpPr/>
+        <p:nvPr/>
+      </p:nvGrpSpPr>
+      <p:grpSpPr>
+        <a:xfrm>
+          <a:off x="0" y="0"/>
+          <a:ext cx="0" cy="0"/>
+          <a:chOff x="0" y="0"/>
+          <a:chExt cx="0" cy="0"/>
+        </a:xfrm>
+      </p:grpSpPr>
+      <p:sp>
+        <p:nvSpPr>
+          <p:cNvPr id="2" name="Title 1">
+            <a:extLst>
+              <a:ext uri="{FF2B5EF4-FFF2-40B4-BE49-F238E27FC236}">
+                <a16:creationId xmlns:a16="http://schemas.microsoft.com/office/drawing/2014/main" id="{D0307C11-798D-D277-4861-0B1BCCF98469}"/>
+              </a:ext>
+            </a:extLst>
+          </p:cNvPr>
+          <p:cNvSpPr>
+            <a:spLocks noGrp="1"/>
+          </p:cNvSpPr>
+          <p:nvPr>
+            <p:ph type="title"/>
+          </p:nvPr>
+        </p:nvSpPr>
+        <p:spPr>
+          <a:xfrm>
+            <a:off x="609600" y="274638"/>
+            <a:ext cx="10972800" cy="1143000"/>
+          </a:xfrm>
+        </p:spPr>
+        <p:txBody>
+          <a:bodyPr anchor="ctr">
+            <a:normAutofit/>
+          </a:bodyPr>
+          <a:lstStyle/>
+          <a:p>
+            <a:r>
+              <a:rPr lang="en-IE" dirty="0"/>
+              <a:t>What </a:t>
+            </a:r>
+            <a:r>
+              <a:rPr lang="en-IE" i="1" dirty="0"/>
+              <a:t>Is</a:t>
+            </a:r>
+            <a:r>
+              <a:rPr lang="en-IE" dirty="0"/>
+              <a:t> Programming?</a:t>
+            </a:r>
+          </a:p>
+        </p:txBody>
+      </p:sp>
+      <p:sp>
+        <p:nvSpPr>
+          <p:cNvPr id="3" name="Content Placeholder 2">
+            <a:extLst>
+              <a:ext uri="{FF2B5EF4-FFF2-40B4-BE49-F238E27FC236}">
+                <a16:creationId xmlns:a16="http://schemas.microsoft.com/office/drawing/2014/main" id="{8A82118F-6A0B-4200-C0E5-7FD4DD36C6C4}"/>
+              </a:ext>
+            </a:extLst>
+          </p:cNvPr>
+          <p:cNvSpPr>
+            <a:spLocks noGrp="1"/>
+          </p:cNvSpPr>
+          <p:nvPr>
+            <p:ph sz="half" idx="1"/>
+          </p:nvPr>
+        </p:nvSpPr>
+        <p:spPr>
+          <a:xfrm>
+            <a:off x="609600" y="1600201"/>
+            <a:ext cx="6705600" cy="4525963"/>
+          </a:xfrm>
+        </p:spPr>
+        <p:txBody>
+          <a:bodyPr>
+            <a:normAutofit/>
+          </a:bodyPr>
+          <a:lstStyle/>
+          <a:p>
+            <a:pPr>
+              <a:lnSpc>
+                <a:spcPct val="90000"/>
+              </a:lnSpc>
+            </a:pPr>
+            <a:r>
+              <a:rPr lang="en-US" dirty="0"/>
+              <a:t>Telling a computer what to do, step by step</a:t>
+            </a:r>
+          </a:p>
+          <a:p>
+            <a:pPr>
+              <a:lnSpc>
+                <a:spcPct val="90000"/>
+              </a:lnSpc>
+            </a:pPr>
+            <a:r>
+              <a:rPr lang="en-US" dirty="0"/>
+              <a:t>Like giving instructions to a very literal friend</a:t>
+            </a:r>
+          </a:p>
+          <a:p>
+            <a:pPr>
+              <a:lnSpc>
+                <a:spcPct val="90000"/>
+              </a:lnSpc>
+            </a:pPr>
+            <a:r>
+              <a:rPr lang="en-US" dirty="0"/>
+              <a:t>Computers are fast, powerful… but zero common sense</a:t>
+            </a:r>
+          </a:p>
+          <a:p>
+            <a:pPr>
+              <a:lnSpc>
+                <a:spcPct val="90000"/>
+              </a:lnSpc>
+            </a:pPr>
+            <a:endParaRPr lang="en-US" dirty="0"/>
+          </a:p>
+          <a:p>
+            <a:pPr marL="0" indent="0">
+              <a:lnSpc>
+                <a:spcPct val="90000"/>
+              </a:lnSpc>
+              <a:buNone/>
+            </a:pPr>
+            <a:r>
+              <a:rPr lang="en-US" b="1" i="1" dirty="0"/>
+              <a:t>You: </a:t>
+            </a:r>
+            <a:r>
+              <a:rPr lang="en-US" dirty="0"/>
+              <a:t>“Make tea.”</a:t>
+            </a:r>
+          </a:p>
+          <a:p>
+            <a:pPr marL="0" indent="0">
+              <a:lnSpc>
+                <a:spcPct val="90000"/>
+              </a:lnSpc>
+              <a:buNone/>
+            </a:pPr>
+            <a:r>
+              <a:rPr lang="en-US" b="1" i="1" dirty="0"/>
+              <a:t>Computer: </a:t>
+            </a:r>
+            <a:r>
+              <a:rPr lang="en-US" dirty="0">
+                <a:solidFill>
+                  <a:srgbClr val="FF0000"/>
+                </a:solidFill>
+              </a:rPr>
+              <a:t>Error</a:t>
+            </a:r>
+            <a:r>
+              <a:rPr lang="en-US" dirty="0"/>
+              <a:t>: no instructions for picking up kettle.”</a:t>
+            </a:r>
+            <a:endParaRPr lang="en-IE" dirty="0"/>
+          </a:p>
+        </p:txBody>
+      </p:sp>
+      <p:pic>
+        <p:nvPicPr>
+          <p:cNvPr id="1027" name="Picture 3" descr="Coffee? Tea? Me?, Cute Robot Machine ...">
+            <a:extLst>
+              <a:ext uri="{FF2B5EF4-FFF2-40B4-BE49-F238E27FC236}">
+                <a16:creationId xmlns:a16="http://schemas.microsoft.com/office/drawing/2014/main" id="{B79338A8-8A84-483B-CC73-BDCDF40C8383}"/>
+              </a:ext>
+            </a:extLst>
+          </p:cNvPr>
+          <p:cNvPicPr>
+            <a:picLocks noChangeAspect="1" noChangeArrowheads="1"/>
+          </p:cNvPicPr>
+          <p:nvPr/>
+        </p:nvPicPr>
+        <p:blipFill>
+          <a:blip r:embed="rId2">
+            <a:extLst>
+              <a:ext uri="{28A0092B-C50C-407E-A947-70E740481C1C}">
+                <a14:useLocalDpi xmlns:a14="http://schemas.microsoft.com/office/drawing/2010/main" val="0"/>
+              </a:ext>
+            </a:extLst>
+          </a:blip>
+          <a:srcRect t="15950" r="-2" b="-2"/>
+          <a:stretch>
+            <a:fillRect/>
+          </a:stretch>
+        </p:blipFill>
+        <p:spPr bwMode="auto">
+          <a:xfrm>
+            <a:off x="7086600" y="1676400"/>
+            <a:ext cx="5105400" cy="4525963"/>
+          </a:xfrm>
+          <a:prstGeom prst="rect">
+            <a:avLst/>
+          </a:prstGeom>
+          <a:solidFill>
+            <a:srgbClr val="FFFFFF"/>
+          </a:solidFill>
+          <a:extLst>
+            <a:ext uri="{909E8E84-426E-40DD-AFC4-6F175D3DCCD1}">
+              <a14:hiddenFill xmlns:a14="http://schemas.microsoft.com/office/drawing/2010/main">
+                <a:solidFill>
+                  <a:srgbClr val="FFFFFF"/>
+                </a:solidFill>
+              </a14:hiddenFill>
+            </a:ext>
+          </a:extLst>
+        </p:spPr>
+      </p:pic>
+    </p:spTree>
+    <p:extLst>
+      <p:ext uri="{BB962C8B-B14F-4D97-AF65-F5344CB8AC3E}">
+        <p14:creationId xmlns:p14="http://schemas.microsoft.com/office/powerpoint/2010/main" val="829458147"/>
+      </p:ext>
+    </p:extLst>
+  </p:cSld>
+  <p:clrMapOvr>
+    <a:masterClrMapping/>
+  </p:clrMapOvr>
+  <p:timing>
+    <p:tnLst>
+      <p:par>
+        <p:cTn id="1" dur="indefinite" restart="never" nodeType="tmRoot">
+          <p:childTnLst>
+            <p:seq concurrent="1" nextAc="seek">
+              <p:cTn id="2" dur="indefinite" nodeType="mainSeq">
+                <p:childTnLst>
+                  <p:par>
+                    <p:cTn id="3" fill="hold">
+                      <p:stCondLst>
+                        <p:cond delay="indefinite"/>
+                      </p:stCondLst>
+                      <p:childTnLst>
+                        <p:par>
+                          <p:cTn id="4" fill="hold">
+                            <p:stCondLst>
+                              <p:cond delay="0"/>
+                            </p:stCondLst>
+                            <p:childTnLst>
+                              <p:par>
+                                <p:cTn id="5" presetID="2" presetClass="entr" presetSubtype="4" fill="hold" grpId="0" nodeType="clickEffect">
+                                  <p:stCondLst>
+                                    <p:cond delay="0"/>
+                                  </p:stCondLst>
+                                  <p:childTnLst>
+                                    <p:set>
+                                      <p:cBhvr>
+                                        <p:cTn id="6" dur="1" fill="hold">
+                                          <p:stCondLst>
+                                            <p:cond delay="0"/>
+                                          </p:stCondLst>
+                                        </p:cTn>
+                                        <p:tgtEl>
+                                          <p:spTgt spid="3">
+                                            <p:txEl>
+                                              <p:pRg st="0" end="0"/>
+                                            </p:txEl>
+                                          </p:spTgt>
+                                        </p:tgtEl>
+                                        <p:attrNameLst>
+                                          <p:attrName>style.visibility</p:attrName>
+                                        </p:attrNameLst>
+                                      </p:cBhvr>
+                                      <p:to>
+                                        <p:strVal val="visible"/>
+                                      </p:to>
+                                    </p:set>
+                                    <p:anim calcmode="lin" valueType="num">
+                                      <p:cBhvr additive="base">
+                                        <p:cTn id="7" dur="500" fill="hold"/>
+                                        <p:tgtEl>
+                                          <p:spTgt spid="3">
+                                            <p:txEl>
+                                              <p:pRg st="0" end="0"/>
+                                            </p:txEl>
+                                          </p:spTgt>
+                                        </p:tgtEl>
+                                        <p:attrNameLst>
+                                          <p:attrName>ppt_x</p:attrName>
+                                        </p:attrNameLst>
+                                      </p:cBhvr>
+                                      <p:tavLst>
+                                        <p:tav tm="0">
+                                          <p:val>
+                                            <p:strVal val="#ppt_x"/>
+                                          </p:val>
+                                        </p:tav>
+                                        <p:tav tm="100000">
+                                          <p:val>
+                                            <p:strVal val="#ppt_x"/>
+                                          </p:val>
+                                        </p:tav>
+                                      </p:tavLst>
+                                    </p:anim>
+                                    <p:anim calcmode="lin" valueType="num">
+                                      <p:cBhvr additive="base">
+                                        <p:cTn id="8" dur="500" fill="hold"/>
+                                        <p:tgtEl>
+                                          <p:spTgt spid="3">
+                                            <p:txEl>
+                                              <p:pRg st="0" end="0"/>
+                                            </p:txEl>
+                                          </p:spTgt>
+                                        </p:tgtEl>
+                                        <p:attrNameLst>
+                                          <p:attrName>ppt_y</p:attrName>
+                                        </p:attrNameLst>
+                                      </p:cBhvr>
+                                      <p:tavLst>
+                                        <p:tav tm="0">
+                                          <p:val>
+                                            <p:strVal val="1+#ppt_h/2"/>
+                                          </p:val>
+                                        </p:tav>
+                                        <p:tav tm="100000">
+                                          <p:val>
+                                            <p:strVal val="#ppt_y"/>
+                                          </p:val>
+                                        </p:tav>
+                                      </p:tavLst>
+                                    </p:anim>
+                                  </p:childTnLst>
+                                </p:cTn>
+                              </p:par>
+                            </p:childTnLst>
+                          </p:cTn>
+                        </p:par>
+                      </p:childTnLst>
+                    </p:cTn>
+                  </p:par>
+                  <p:par>
+                    <p:cTn id="9" fill="hold">
+                      <p:stCondLst>
+                        <p:cond delay="indefinite"/>
+                      </p:stCondLst>
+                      <p:childTnLst>
+                        <p:par>
+                          <p:cTn id="10" fill="hold">
+                            <p:stCondLst>
+                              <p:cond delay="0"/>
+                            </p:stCondLst>
+                            <p:childTnLst>
+                              <p:par>
+                                <p:cTn id="11" presetID="2" presetClass="entr" presetSubtype="4" fill="hold" grpId="0" nodeType="clickEffect">
+                                  <p:stCondLst>
+                                    <p:cond delay="0"/>
+                                  </p:stCondLst>
+                                  <p:childTnLst>
+                                    <p:set>
+                                      <p:cBhvr>
+                                        <p:cTn id="12" dur="1" fill="hold">
+                                          <p:stCondLst>
+                                            <p:cond delay="0"/>
+                                          </p:stCondLst>
+                                        </p:cTn>
+                                        <p:tgtEl>
+                                          <p:spTgt spid="3">
+                                            <p:txEl>
+                                              <p:pRg st="1" end="1"/>
+                                            </p:txEl>
+                                          </p:spTgt>
+                                        </p:tgtEl>
+                                        <p:attrNameLst>
+                                          <p:attrName>style.visibility</p:attrName>
+                                        </p:attrNameLst>
+                                      </p:cBhvr>
+                                      <p:to>
+                                        <p:strVal val="visible"/>
+                                      </p:to>
+                                    </p:set>
+                                    <p:anim calcmode="lin" valueType="num">
+                                      <p:cBhvr additive="base">
+                                        <p:cTn id="13" dur="500" fill="hold"/>
+                                        <p:tgtEl>
+                                          <p:spTgt spid="3">
+                                            <p:txEl>
+                                              <p:pRg st="1" end="1"/>
+                                            </p:txEl>
+                                          </p:spTgt>
+                                        </p:tgtEl>
+                                        <p:attrNameLst>
+                                          <p:attrName>ppt_x</p:attrName>
+                                        </p:attrNameLst>
+                                      </p:cBhvr>
+                                      <p:tavLst>
+                                        <p:tav tm="0">
+                                          <p:val>
+                                            <p:strVal val="#ppt_x"/>
+                                          </p:val>
+                                        </p:tav>
+                                        <p:tav tm="100000">
+                                          <p:val>
+                                            <p:strVal val="#ppt_x"/>
+                                          </p:val>
+                                        </p:tav>
+                                      </p:tavLst>
+                                    </p:anim>
+                                    <p:anim calcmode="lin" valueType="num">
+                                      <p:cBhvr additive="base">
+                                        <p:cTn id="14" dur="500" fill="hold"/>
+                                        <p:tgtEl>
+                                          <p:spTgt spid="3">
+                                            <p:txEl>
+                                              <p:pRg st="1" end="1"/>
+                                            </p:txEl>
+                                          </p:spTgt>
+                                        </p:tgtEl>
+                                        <p:attrNameLst>
+                                          <p:attrName>ppt_y</p:attrName>
+                                        </p:attrNameLst>
+                                      </p:cBhvr>
+                                      <p:tavLst>
+                                        <p:tav tm="0">
+                                          <p:val>
+                                            <p:strVal val="1+#ppt_h/2"/>
+                                          </p:val>
+                                        </p:tav>
+                                        <p:tav tm="100000">
+                                          <p:val>
+                                            <p:strVal val="#ppt_y"/>
+                                          </p:val>
+                                        </p:tav>
+                                      </p:tavLst>
+                                    </p:anim>
+                                  </p:childTnLst>
+                                </p:cTn>
+                              </p:par>
+                            </p:childTnLst>
+                          </p:cTn>
+                        </p:par>
+                      </p:childTnLst>
+                    </p:cTn>
+                  </p:par>
+                  <p:par>
+                    <p:cTn id="15" fill="hold">
+                      <p:stCondLst>
+                        <p:cond delay="indefinite"/>
+                      </p:stCondLst>
+                      <p:childTnLst>
+                        <p:par>
+                          <p:cTn id="16" fill="hold">
+                            <p:stCondLst>
+                              <p:cond delay="0"/>
+                            </p:stCondLst>
+                            <p:childTnLst>
+                              <p:par>
+                                <p:cTn id="17" presetID="2" presetClass="entr" presetSubtype="4" fill="hold" grpId="0" nodeType="clickEffect">
+                                  <p:stCondLst>
+                                    <p:cond delay="0"/>
+                                  </p:stCondLst>
+                                  <p:childTnLst>
+                                    <p:set>
+                                      <p:cBhvr>
+                                        <p:cTn id="18" dur="1" fill="hold">
+                                          <p:stCondLst>
+                                            <p:cond delay="0"/>
+                                          </p:stCondLst>
+                                        </p:cTn>
+                                        <p:tgtEl>
+                                          <p:spTgt spid="3">
+                                            <p:txEl>
+                                              <p:pRg st="2" end="2"/>
+                                            </p:txEl>
+                                          </p:spTgt>
+                                        </p:tgtEl>
+                                        <p:attrNameLst>
+                                          <p:attrName>style.visibility</p:attrName>
+                                        </p:attrNameLst>
+                                      </p:cBhvr>
+                                      <p:to>
+                                        <p:strVal val="visible"/>
+                                      </p:to>
+                                    </p:set>
+                                    <p:anim calcmode="lin" valueType="num">
+                                      <p:cBhvr additive="base">
+                                        <p:cTn id="19" dur="500" fill="hold"/>
+                                        <p:tgtEl>
+                                          <p:spTgt spid="3">
+                                            <p:txEl>
+                                              <p:pRg st="2" end="2"/>
+                                            </p:txEl>
+                                          </p:spTgt>
+                                        </p:tgtEl>
+                                        <p:attrNameLst>
+                                          <p:attrName>ppt_x</p:attrName>
+                                        </p:attrNameLst>
+                                      </p:cBhvr>
+                                      <p:tavLst>
+                                        <p:tav tm="0">
+                                          <p:val>
+                                            <p:strVal val="#ppt_x"/>
+                                          </p:val>
+                                        </p:tav>
+                                        <p:tav tm="100000">
+                                          <p:val>
+                                            <p:strVal val="#ppt_x"/>
+                                          </p:val>
+                                        </p:tav>
+                                      </p:tavLst>
+                                    </p:anim>
+                                    <p:anim calcmode="lin" valueType="num">
+                                      <p:cBhvr additive="base">
+                                        <p:cTn id="20" dur="500" fill="hold"/>
+                                        <p:tgtEl>
+                                          <p:spTgt spid="3">
+                                            <p:txEl>
+                                              <p:pRg st="2" end="2"/>
+                                            </p:txEl>
+                                          </p:spTgt>
+                                        </p:tgtEl>
+                                        <p:attrNameLst>
+                                          <p:attrName>ppt_y</p:attrName>
+                                        </p:attrNameLst>
+                                      </p:cBhvr>
+                                      <p:tavLst>
+                                        <p:tav tm="0">
+                                          <p:val>
+                                            <p:strVal val="1+#ppt_h/2"/>
+                                          </p:val>
+                                        </p:tav>
+                                        <p:tav tm="100000">
+                                          <p:val>
+                                            <p:strVal val="#ppt_y"/>
+                                          </p:val>
+                                        </p:tav>
+                                      </p:tavLst>
+                                    </p:anim>
+                                  </p:childTnLst>
+                                </p:cTn>
+                              </p:par>
+                            </p:childTnLst>
+                          </p:cTn>
+                        </p:par>
+                      </p:childTnLst>
+                    </p:cTn>
+                  </p:par>
+                  <p:par>
+                    <p:cTn id="21" fill="hold">
+                      <p:stCondLst>
+                        <p:cond delay="indefinite"/>
+                      </p:stCondLst>
+                      <p:childTnLst>
+                        <p:par>
+                          <p:cTn id="22" fill="hold">
+                            <p:stCondLst>
+                              <p:cond delay="0"/>
+                            </p:stCondLst>
+                            <p:childTnLst>
+                              <p:par>
+                                <p:cTn id="23" presetID="2" presetClass="entr" presetSubtype="4" fill="hold" grpId="0" nodeType="clickEffect">
+                                  <p:stCondLst>
+                                    <p:cond delay="0"/>
+                                  </p:stCondLst>
+                                  <p:childTnLst>
+                                    <p:set>
+                                      <p:cBhvr>
+                                        <p:cTn id="24" dur="1" fill="hold">
+                                          <p:stCondLst>
+                                            <p:cond delay="0"/>
+                                          </p:stCondLst>
+                                        </p:cTn>
+                                        <p:tgtEl>
+                                          <p:spTgt spid="3">
+                                            <p:txEl>
+                                              <p:pRg st="4" end="4"/>
+                                            </p:txEl>
+                                          </p:spTgt>
+                                        </p:tgtEl>
+                                        <p:attrNameLst>
+                                          <p:attrName>style.visibility</p:attrName>
+                                        </p:attrNameLst>
+                                      </p:cBhvr>
+                                      <p:to>
+                                        <p:strVal val="visible"/>
+                                      </p:to>
+                                    </p:set>
+                                    <p:anim calcmode="lin" valueType="num">
+                                      <p:cBhvr additive="base">
+                                        <p:cTn id="25" dur="500" fill="hold"/>
+                                        <p:tgtEl>
+                                          <p:spTgt spid="3">
+                                            <p:txEl>
+                                              <p:pRg st="4" end="4"/>
+                                            </p:txEl>
+                                          </p:spTgt>
+                                        </p:tgtEl>
+                                        <p:attrNameLst>
+                                          <p:attrName>ppt_x</p:attrName>
+                                        </p:attrNameLst>
+                                      </p:cBhvr>
+                                      <p:tavLst>
+                                        <p:tav tm="0">
+                                          <p:val>
+                                            <p:strVal val="#ppt_x"/>
+                                          </p:val>
+                                        </p:tav>
+                                        <p:tav tm="100000">
+                                          <p:val>
+                                            <p:strVal val="#ppt_x"/>
+                                          </p:val>
+                                        </p:tav>
+                                      </p:tavLst>
+                                    </p:anim>
+                                    <p:anim calcmode="lin" valueType="num">
+                                      <p:cBhvr additive="base">
+                                        <p:cTn id="26" dur="500" fill="hold"/>
+                                        <p:tgtEl>
+                                          <p:spTgt spid="3">
+                                            <p:txEl>
+                                              <p:pRg st="4" end="4"/>
+                                            </p:txEl>
+                                          </p:spTgt>
+                                        </p:tgtEl>
+                                        <p:attrNameLst>
+                                          <p:attrName>ppt_y</p:attrName>
+                                        </p:attrNameLst>
+                                      </p:cBhvr>
+                                      <p:tavLst>
+                                        <p:tav tm="0">
+                                          <p:val>
+                                            <p:strVal val="1+#ppt_h/2"/>
+                                          </p:val>
+                                        </p:tav>
+                                        <p:tav tm="100000">
+                                          <p:val>
+                                            <p:strVal val="#ppt_y"/>
+                                          </p:val>
+                                        </p:tav>
+                                      </p:tavLst>
+                                    </p:anim>
+                                  </p:childTnLst>
+                                </p:cTn>
+                              </p:par>
+                            </p:childTnLst>
+                          </p:cTn>
+                        </p:par>
+                        <p:par>
+                          <p:cTn id="27" fill="hold">
+                            <p:stCondLst>
+                              <p:cond delay="500"/>
+                            </p:stCondLst>
+                            <p:childTnLst>
+                              <p:par>
+                                <p:cTn id="28" presetID="2" presetClass="entr" presetSubtype="4" fill="hold" grpId="0" nodeType="afterEffect">
+                                  <p:stCondLst>
+                                    <p:cond delay="0"/>
+                                  </p:stCondLst>
+                                  <p:childTnLst>
+                                    <p:set>
+                                      <p:cBhvr>
+                                        <p:cTn id="29" dur="1" fill="hold">
+                                          <p:stCondLst>
+                                            <p:cond delay="0"/>
+                                          </p:stCondLst>
+                                        </p:cTn>
+                                        <p:tgtEl>
+                                          <p:spTgt spid="3">
+                                            <p:txEl>
+                                              <p:pRg st="5" end="5"/>
+                                            </p:txEl>
+                                          </p:spTgt>
+                                        </p:tgtEl>
+                                        <p:attrNameLst>
+                                          <p:attrName>style.visibility</p:attrName>
+                                        </p:attrNameLst>
+                                      </p:cBhvr>
+                                      <p:to>
+                                        <p:strVal val="visible"/>
+                                      </p:to>
+                                    </p:set>
+                                    <p:anim calcmode="lin" valueType="num">
+                                      <p:cBhvr additive="base">
+                                        <p:cTn id="30" dur="500" fill="hold"/>
+                                        <p:tgtEl>
+                                          <p:spTgt spid="3">
+                                            <p:txEl>
+                                              <p:pRg st="5" end="5"/>
+                                            </p:txEl>
+                                          </p:spTgt>
+                                        </p:tgtEl>
+                                        <p:attrNameLst>
+                                          <p:attrName>ppt_x</p:attrName>
+                                        </p:attrNameLst>
+                                      </p:cBhvr>
+                                      <p:tavLst>
+                                        <p:tav tm="0">
+                                          <p:val>
+                                            <p:strVal val="#ppt_x"/>
+                                          </p:val>
+                                        </p:tav>
+                                        <p:tav tm="100000">
+                                          <p:val>
+                                            <p:strVal val="#ppt_x"/>
+                                          </p:val>
+                                        </p:tav>
+                                      </p:tavLst>
+                                    </p:anim>
+                                    <p:anim calcmode="lin" valueType="num">
+                                      <p:cBhvr additive="base">
+                                        <p:cTn id="31" dur="500" fill="hold"/>
+                                        <p:tgtEl>
+                                          <p:spTgt spid="3">
+                                            <p:txEl>
+                                              <p:pRg st="5" end="5"/>
+                                            </p:txEl>
+                                          </p:spTgt>
+                                        </p:tgtEl>
+                                        <p:attrNameLst>
+                                          <p:attrName>ppt_y</p:attrName>
+                                        </p:attrNameLst>
+                                      </p:cBhvr>
+                                      <p:tavLst>
+                                        <p:tav tm="0">
+                                          <p:val>
+                                            <p:strVal val="1+#ppt_h/2"/>
+                                          </p:val>
+                                        </p:tav>
+                                        <p:tav tm="100000">
+                                          <p:val>
+                                            <p:strVal val="#ppt_y"/>
+                                          </p:val>
+                                        </p:tav>
+                                      </p:tavLst>
+                                    </p:anim>
+                                  </p:childTnLst>
+                                </p:cTn>
+                              </p:par>
+                            </p:childTnLst>
+                          </p:cTn>
+                        </p:par>
+                      </p:childTnLst>
+                    </p:cTn>
+                  </p:par>
+                </p:childTnLst>
+              </p:cTn>
+              <p:prevCondLst>
+                <p:cond evt="onPrev" delay="0">
+                  <p:tgtEl>
+                    <p:sldTgt/>
+                  </p:tgtEl>
+                </p:cond>
+              </p:prevCondLst>
+              <p:nextCondLst>
+                <p:cond evt="onNext" delay="0">
+                  <p:tgtEl>
+                    <p:sldTgt/>
+                  </p:tgtEl>
+                </p:cond>
+              </p:nextCondLst>
+            </p:seq>
+          </p:childTnLst>
+        </p:cTn>
+      </p:par>
+    </p:tnLst>
+    <p:bldLst>
+      <p:bldP spid="3" grpId="0" uiExpand="1" build="p"/>
+    </p:bldLst>
+  </p:timing>
+</p:sld>
+</file>
+
+<file path=ppt/slides/slide3.xml><?xml version="1.0" encoding="utf-8"?>
+<p:sld xmlns:a="http://schemas.openxmlformats.org/drawingml/2006/main" xmlns:r="http://schemas.openxmlformats.org/officeDocument/2006/relationships" xmlns:p="http://schemas.openxmlformats.org/presentationml/2006/main">
+  <p:cSld>
+    <p:spTree>
+      <p:nvGrpSpPr>
+        <p:cNvPr id="1" name=""/>
+        <p:cNvGrpSpPr/>
+        <p:nvPr/>
+      </p:nvGrpSpPr>
+      <p:grpSpPr>
+        <a:xfrm>
+          <a:off x="0" y="0"/>
+          <a:ext cx="0" cy="0"/>
+          <a:chOff x="0" y="0"/>
+          <a:chExt cx="0" cy="0"/>
+        </a:xfrm>
+      </p:grpSpPr>
+      <p:sp>
+        <p:nvSpPr>
+          <p:cNvPr id="5" name="Title 4">
+            <a:extLst>
+              <a:ext uri="{FF2B5EF4-FFF2-40B4-BE49-F238E27FC236}">
+                <a16:creationId xmlns:a16="http://schemas.microsoft.com/office/drawing/2014/main" id="{530D9F4C-04E5-6E30-9AE6-3E4AA29B23F6}"/>
+              </a:ext>
+            </a:extLst>
+          </p:cNvPr>
+          <p:cNvSpPr>
+            <a:spLocks noGrp="1"/>
+          </p:cNvSpPr>
+          <p:nvPr>
+            <p:ph type="title"/>
+          </p:nvPr>
+        </p:nvSpPr>
+        <p:spPr>
+          <a:xfrm>
+            <a:off x="609600" y="274638"/>
+            <a:ext cx="10972800" cy="1143000"/>
+          </a:xfrm>
+        </p:spPr>
+        <p:txBody>
+          <a:bodyPr anchor="ctr">
+            <a:normAutofit/>
+          </a:bodyPr>
+          <a:lstStyle/>
+          <a:p>
+            <a:r>
+              <a:rPr lang="en-IE" dirty="0"/>
+              <a:t>Why Learn Programming (fun reasons)?</a:t>
+            </a:r>
+          </a:p>
+        </p:txBody>
+      </p:sp>
+      <p:sp>
+        <p:nvSpPr>
+          <p:cNvPr id="6" name="Content Placeholder 5">
+            <a:extLst>
+              <a:ext uri="{FF2B5EF4-FFF2-40B4-BE49-F238E27FC236}">
+                <a16:creationId xmlns:a16="http://schemas.microsoft.com/office/drawing/2014/main" id="{F2BEB011-2AF6-63EC-6411-F70B8E0DE11A}"/>
+              </a:ext>
+            </a:extLst>
+          </p:cNvPr>
+          <p:cNvSpPr>
+            <a:spLocks noGrp="1"/>
+          </p:cNvSpPr>
+          <p:nvPr>
+            <p:ph sz="half" idx="1"/>
+          </p:nvPr>
+        </p:nvSpPr>
+        <p:spPr>
+          <a:xfrm>
+            <a:off x="609600" y="1600201"/>
+            <a:ext cx="6781800" cy="4525963"/>
+          </a:xfrm>
+        </p:spPr>
+        <p:txBody>
+          <a:bodyPr>
+            <a:normAutofit/>
+          </a:bodyPr>
+          <a:lstStyle/>
+          <a:p>
+            <a:r>
+              <a:rPr lang="en-US" dirty="0"/>
+              <a:t>Build games, apps, music generators, animations</a:t>
+            </a:r>
+          </a:p>
+          <a:p>
+            <a:r>
+              <a:rPr lang="en-US" dirty="0"/>
+              <a:t>Control robots, drones, LEDs, VR worlds</a:t>
+            </a:r>
+          </a:p>
+          <a:p>
+            <a:r>
+              <a:rPr lang="en-US" dirty="0"/>
+              <a:t>Make your own cheats/tools/mods</a:t>
+            </a:r>
+          </a:p>
+          <a:p>
+            <a:r>
+              <a:rPr lang="en-US" dirty="0"/>
+              <a:t>Create stuff nobody has ever made before</a:t>
+            </a:r>
+          </a:p>
+          <a:p>
+            <a:r>
+              <a:rPr lang="en-US" dirty="0"/>
+              <a:t>It’s like magic, but real</a:t>
+            </a:r>
+            <a:endParaRPr lang="en-IE" dirty="0"/>
+          </a:p>
+        </p:txBody>
+      </p:sp>
+      <p:pic>
+        <p:nvPicPr>
+          <p:cNvPr id="2050" name="Picture 2" descr="Robot Controller Stock Illustrations ...">
+            <a:extLst>
+              <a:ext uri="{FF2B5EF4-FFF2-40B4-BE49-F238E27FC236}">
+                <a16:creationId xmlns:a16="http://schemas.microsoft.com/office/drawing/2014/main" id="{E22DBBC7-5C0B-9A91-5DE4-0BD218696FD1}"/>
+              </a:ext>
+            </a:extLst>
+          </p:cNvPr>
+          <p:cNvPicPr>
+            <a:picLocks noChangeAspect="1" noChangeArrowheads="1"/>
+          </p:cNvPicPr>
+          <p:nvPr/>
+        </p:nvPicPr>
+        <p:blipFill>
+          <a:blip r:embed="rId2">
+            <a:extLst>
+              <a:ext uri="{28A0092B-C50C-407E-A947-70E740481C1C}">
+                <a14:useLocalDpi xmlns:a14="http://schemas.microsoft.com/office/drawing/2010/main" val="0"/>
+              </a:ext>
+            </a:extLst>
+          </a:blip>
+          <a:srcRect t="6570" r="-2" b="9378"/>
+          <a:stretch>
+            <a:fillRect/>
+          </a:stretch>
+        </p:blipFill>
+        <p:spPr bwMode="auto">
+          <a:xfrm>
+            <a:off x="7696200" y="2438400"/>
+            <a:ext cx="4024907" cy="3382963"/>
+          </a:xfrm>
+          <a:prstGeom prst="rect">
+            <a:avLst/>
+          </a:prstGeom>
+          <a:solidFill>
+            <a:srgbClr val="FFFFFF"/>
+          </a:solidFill>
+          <a:extLst>
+            <a:ext uri="{909E8E84-426E-40DD-AFC4-6F175D3DCCD1}">
+              <a14:hiddenFill xmlns:a14="http://schemas.microsoft.com/office/drawing/2010/main">
+                <a:solidFill>
+                  <a:srgbClr val="FFFFFF"/>
+                </a:solidFill>
+              </a14:hiddenFill>
+            </a:ext>
+          </a:extLst>
+        </p:spPr>
+      </p:pic>
+    </p:spTree>
+    <p:extLst>
+      <p:ext uri="{BB962C8B-B14F-4D97-AF65-F5344CB8AC3E}">
+        <p14:creationId xmlns:p14="http://schemas.microsoft.com/office/powerpoint/2010/main" val="1496384555"/>
+      </p:ext>
+    </p:extLst>
+  </p:cSld>
+  <p:clrMapOvr>
+    <a:masterClrMapping/>
+  </p:clrMapOvr>
+  <p:timing>
+    <p:tnLst>
+      <p:par>
+        <p:cTn id="1" dur="indefinite" restart="never" nodeType="tmRoot">
+          <p:childTnLst>
+            <p:seq concurrent="1" nextAc="seek">
+              <p:cTn id="2" dur="indefinite" nodeType="mainSeq">
+                <p:childTnLst>
+                  <p:par>
+                    <p:cTn id="3" fill="hold">
+                      <p:stCondLst>
+                        <p:cond delay="indefinite"/>
+                      </p:stCondLst>
+                      <p:childTnLst>
+                        <p:par>
+                          <p:cTn id="4" fill="hold">
+                            <p:stCondLst>
+                              <p:cond delay="0"/>
+                            </p:stCondLst>
+                            <p:childTnLst>
+                              <p:par>
+                                <p:cTn id="5" presetID="2" presetClass="entr" presetSubtype="4" fill="hold" grpId="0" nodeType="clickEffect">
+                                  <p:stCondLst>
+                                    <p:cond delay="0"/>
+                                  </p:stCondLst>
+                                  <p:childTnLst>
+                                    <p:set>
+                                      <p:cBhvr>
+                                        <p:cTn id="6" dur="1" fill="hold">
+                                          <p:stCondLst>
+                                            <p:cond delay="0"/>
+                                          </p:stCondLst>
+                                        </p:cTn>
+                                        <p:tgtEl>
+                                          <p:spTgt spid="6">
+                                            <p:txEl>
+                                              <p:pRg st="0" end="0"/>
+                                            </p:txEl>
+                                          </p:spTgt>
+                                        </p:tgtEl>
+                                        <p:attrNameLst>
+                                          <p:attrName>style.visibility</p:attrName>
+                                        </p:attrNameLst>
+                                      </p:cBhvr>
+                                      <p:to>
+                                        <p:strVal val="visible"/>
+                                      </p:to>
+                                    </p:set>
+                                    <p:anim calcmode="lin" valueType="num">
+                                      <p:cBhvr additive="base">
+                                        <p:cTn id="7" dur="500" fill="hold"/>
+                                        <p:tgtEl>
+                                          <p:spTgt spid="6">
+                                            <p:txEl>
+                                              <p:pRg st="0" end="0"/>
+                                            </p:txEl>
+                                          </p:spTgt>
+                                        </p:tgtEl>
+                                        <p:attrNameLst>
+                                          <p:attrName>ppt_x</p:attrName>
+                                        </p:attrNameLst>
+                                      </p:cBhvr>
+                                      <p:tavLst>
+                                        <p:tav tm="0">
+                                          <p:val>
+                                            <p:strVal val="#ppt_x"/>
+                                          </p:val>
+                                        </p:tav>
+                                        <p:tav tm="100000">
+                                          <p:val>
+                                            <p:strVal val="#ppt_x"/>
+                                          </p:val>
+                                        </p:tav>
+                                      </p:tavLst>
+                                    </p:anim>
+                                    <p:anim calcmode="lin" valueType="num">
+                                      <p:cBhvr additive="base">
+                                        <p:cTn id="8" dur="500" fill="hold"/>
+                                        <p:tgtEl>
+                                          <p:spTgt spid="6">
+                                            <p:txEl>
+                                              <p:pRg st="0" end="0"/>
+                                            </p:txEl>
+                                          </p:spTgt>
+                                        </p:tgtEl>
+                                        <p:attrNameLst>
+                                          <p:attrName>ppt_y</p:attrName>
+                                        </p:attrNameLst>
+                                      </p:cBhvr>
+                                      <p:tavLst>
+                                        <p:tav tm="0">
+                                          <p:val>
+                                            <p:strVal val="1+#ppt_h/2"/>
+                                          </p:val>
+                                        </p:tav>
+                                        <p:tav tm="100000">
+                                          <p:val>
+                                            <p:strVal val="#ppt_y"/>
+                                          </p:val>
+                                        </p:tav>
+                                      </p:tavLst>
+                                    </p:anim>
+                                  </p:childTnLst>
+                                </p:cTn>
+                              </p:par>
+                            </p:childTnLst>
+                          </p:cTn>
+                        </p:par>
+                      </p:childTnLst>
+                    </p:cTn>
+                  </p:par>
+                  <p:par>
+                    <p:cTn id="9" fill="hold">
+                      <p:stCondLst>
+                        <p:cond delay="indefinite"/>
+                      </p:stCondLst>
+                      <p:childTnLst>
+                        <p:par>
+                          <p:cTn id="10" fill="hold">
+                            <p:stCondLst>
+                              <p:cond delay="0"/>
+                            </p:stCondLst>
+                            <p:childTnLst>
+                              <p:par>
+                                <p:cTn id="11" presetID="2" presetClass="entr" presetSubtype="4" fill="hold" grpId="0" nodeType="clickEffect">
+                                  <p:stCondLst>
+                                    <p:cond delay="0"/>
+                                  </p:stCondLst>
+                                  <p:childTnLst>
+                                    <p:set>
+                                      <p:cBhvr>
+                                        <p:cTn id="12" dur="1" fill="hold">
+                                          <p:stCondLst>
+                                            <p:cond delay="0"/>
+                                          </p:stCondLst>
+                                        </p:cTn>
+                                        <p:tgtEl>
+                                          <p:spTgt spid="6">
+                                            <p:txEl>
+                                              <p:pRg st="1" end="1"/>
+                                            </p:txEl>
+                                          </p:spTgt>
+                                        </p:tgtEl>
+                                        <p:attrNameLst>
+                                          <p:attrName>style.visibility</p:attrName>
+                                        </p:attrNameLst>
+                                      </p:cBhvr>
+                                      <p:to>
+                                        <p:strVal val="visible"/>
+                                      </p:to>
+                                    </p:set>
+                                    <p:anim calcmode="lin" valueType="num">
+                                      <p:cBhvr additive="base">
+                                        <p:cTn id="13" dur="500" fill="hold"/>
+                                        <p:tgtEl>
+                                          <p:spTgt spid="6">
+                                            <p:txEl>
+                                              <p:pRg st="1" end="1"/>
+                                            </p:txEl>
+                                          </p:spTgt>
+                                        </p:tgtEl>
+                                        <p:attrNameLst>
+                                          <p:attrName>ppt_x</p:attrName>
+                                        </p:attrNameLst>
+                                      </p:cBhvr>
+                                      <p:tavLst>
+                                        <p:tav tm="0">
+                                          <p:val>
+                                            <p:strVal val="#ppt_x"/>
+                                          </p:val>
+                                        </p:tav>
+                                        <p:tav tm="100000">
+                                          <p:val>
+                                            <p:strVal val="#ppt_x"/>
+                                          </p:val>
+                                        </p:tav>
+                                      </p:tavLst>
+                                    </p:anim>
+                                    <p:anim calcmode="lin" valueType="num">
+                                      <p:cBhvr additive="base">
+                                        <p:cTn id="14" dur="500" fill="hold"/>
+                                        <p:tgtEl>
+                                          <p:spTgt spid="6">
+                                            <p:txEl>
+                                              <p:pRg st="1" end="1"/>
+                                            </p:txEl>
+                                          </p:spTgt>
+                                        </p:tgtEl>
+                                        <p:attrNameLst>
+                                          <p:attrName>ppt_y</p:attrName>
+                                        </p:attrNameLst>
+                                      </p:cBhvr>
+                                      <p:tavLst>
+                                        <p:tav tm="0">
+                                          <p:val>
+                                            <p:strVal val="1+#ppt_h/2"/>
+                                          </p:val>
+                                        </p:tav>
+                                        <p:tav tm="100000">
+                                          <p:val>
+                                            <p:strVal val="#ppt_y"/>
+                                          </p:val>
+                                        </p:tav>
+                                      </p:tavLst>
+                                    </p:anim>
+                                  </p:childTnLst>
+                                </p:cTn>
+                              </p:par>
+                            </p:childTnLst>
+                          </p:cTn>
+                        </p:par>
+                      </p:childTnLst>
+                    </p:cTn>
+                  </p:par>
+                  <p:par>
+                    <p:cTn id="15" fill="hold">
+                      <p:stCondLst>
+                        <p:cond delay="indefinite"/>
+                      </p:stCondLst>
+                      <p:childTnLst>
+                        <p:par>
+                          <p:cTn id="16" fill="hold">
+                            <p:stCondLst>
+                              <p:cond delay="0"/>
+                            </p:stCondLst>
+                            <p:childTnLst>
+                              <p:par>
+                                <p:cTn id="17" presetID="2" presetClass="entr" presetSubtype="4" fill="hold" grpId="0" nodeType="clickEffect">
+                                  <p:stCondLst>
+                                    <p:cond delay="0"/>
+                                  </p:stCondLst>
+                                  <p:childTnLst>
+                                    <p:set>
+                                      <p:cBhvr>
+                                        <p:cTn id="18" dur="1" fill="hold">
+                                          <p:stCondLst>
+                                            <p:cond delay="0"/>
+                                          </p:stCondLst>
+                                        </p:cTn>
+                                        <p:tgtEl>
+                                          <p:spTgt spid="6">
+                                            <p:txEl>
+                                              <p:pRg st="2" end="2"/>
+                                            </p:txEl>
+                                          </p:spTgt>
+                                        </p:tgtEl>
+                                        <p:attrNameLst>
+                                          <p:attrName>style.visibility</p:attrName>
+                                        </p:attrNameLst>
+                                      </p:cBhvr>
+                                      <p:to>
+                                        <p:strVal val="visible"/>
+                                      </p:to>
+                                    </p:set>
+                                    <p:anim calcmode="lin" valueType="num">
+                                      <p:cBhvr additive="base">
+                                        <p:cTn id="19" dur="500" fill="hold"/>
+                                        <p:tgtEl>
+                                          <p:spTgt spid="6">
+                                            <p:txEl>
+                                              <p:pRg st="2" end="2"/>
+                                            </p:txEl>
+                                          </p:spTgt>
+                                        </p:tgtEl>
+                                        <p:attrNameLst>
+                                          <p:attrName>ppt_x</p:attrName>
+                                        </p:attrNameLst>
+                                      </p:cBhvr>
+                                      <p:tavLst>
+                                        <p:tav tm="0">
+                                          <p:val>
+                                            <p:strVal val="#ppt_x"/>
+                                          </p:val>
+                                        </p:tav>
+                                        <p:tav tm="100000">
+                                          <p:val>
+                                            <p:strVal val="#ppt_x"/>
+                                          </p:val>
+                                        </p:tav>
+                                      </p:tavLst>
+                                    </p:anim>
+                                    <p:anim calcmode="lin" valueType="num">
+                                      <p:cBhvr additive="base">
+                                        <p:cTn id="20" dur="500" fill="hold"/>
+                                        <p:tgtEl>
+                                          <p:spTgt spid="6">
+                                            <p:txEl>
+                                              <p:pRg st="2" end="2"/>
+                                            </p:txEl>
+                                          </p:spTgt>
+                                        </p:tgtEl>
+                                        <p:attrNameLst>
+                                          <p:attrName>ppt_y</p:attrName>
+                                        </p:attrNameLst>
+                                      </p:cBhvr>
+                                      <p:tavLst>
+                                        <p:tav tm="0">
+                                          <p:val>
+                                            <p:strVal val="1+#ppt_h/2"/>
+                                          </p:val>
+                                        </p:tav>
+                                        <p:tav tm="100000">
+                                          <p:val>
+                                            <p:strVal val="#ppt_y"/>
+                                          </p:val>
+                                        </p:tav>
+                                      </p:tavLst>
+                                    </p:anim>
+                                  </p:childTnLst>
+                                </p:cTn>
+                              </p:par>
+                            </p:childTnLst>
+                          </p:cTn>
+                        </p:par>
+                      </p:childTnLst>
+                    </p:cTn>
+                  </p:par>
+                  <p:par>
+                    <p:cTn id="21" fill="hold">
+                      <p:stCondLst>
+                        <p:cond delay="indefinite"/>
+                      </p:stCondLst>
+                      <p:childTnLst>
+                        <p:par>
+                          <p:cTn id="22" fill="hold">
+                            <p:stCondLst>
+                              <p:cond delay="0"/>
+                            </p:stCondLst>
+                            <p:childTnLst>
+                              <p:par>
+                                <p:cTn id="23" presetID="2" presetClass="entr" presetSubtype="4" fill="hold" grpId="0" nodeType="clickEffect">
+                                  <p:stCondLst>
+                                    <p:cond delay="0"/>
+                                  </p:stCondLst>
+                                  <p:childTnLst>
+                                    <p:set>
+                                      <p:cBhvr>
+                                        <p:cTn id="24" dur="1" fill="hold">
+                                          <p:stCondLst>
+                                            <p:cond delay="0"/>
+                                          </p:stCondLst>
+                                        </p:cTn>
+                                        <p:tgtEl>
+                                          <p:spTgt spid="6">
+                                            <p:txEl>
+                                              <p:pRg st="3" end="3"/>
+                                            </p:txEl>
+                                          </p:spTgt>
+                                        </p:tgtEl>
+                                        <p:attrNameLst>
+                                          <p:attrName>style.visibility</p:attrName>
+                                        </p:attrNameLst>
+                                      </p:cBhvr>
+                                      <p:to>
+                                        <p:strVal val="visible"/>
+                                      </p:to>
+                                    </p:set>
+                                    <p:anim calcmode="lin" valueType="num">
+                                      <p:cBhvr additive="base">
+                                        <p:cTn id="25" dur="500" fill="hold"/>
+                                        <p:tgtEl>
+                                          <p:spTgt spid="6">
+                                            <p:txEl>
+                                              <p:pRg st="3" end="3"/>
+                                            </p:txEl>
+                                          </p:spTgt>
+                                        </p:tgtEl>
+                                        <p:attrNameLst>
+                                          <p:attrName>ppt_x</p:attrName>
+                                        </p:attrNameLst>
+                                      </p:cBhvr>
+                                      <p:tavLst>
+                                        <p:tav tm="0">
+                                          <p:val>
+                                            <p:strVal val="#ppt_x"/>
+                                          </p:val>
+                                        </p:tav>
+                                        <p:tav tm="100000">
+                                          <p:val>
+                                            <p:strVal val="#ppt_x"/>
+                                          </p:val>
+                                        </p:tav>
+                                      </p:tavLst>
+                                    </p:anim>
+                                    <p:anim calcmode="lin" valueType="num">
+                                      <p:cBhvr additive="base">
+                                        <p:cTn id="26" dur="500" fill="hold"/>
+                                        <p:tgtEl>
+                                          <p:spTgt spid="6">
+                                            <p:txEl>
+                                              <p:pRg st="3" end="3"/>
+                                            </p:txEl>
+                                          </p:spTgt>
+                                        </p:tgtEl>
+                                        <p:attrNameLst>
+                                          <p:attrName>ppt_y</p:attrName>
+                                        </p:attrNameLst>
+                                      </p:cBhvr>
+                                      <p:tavLst>
+                                        <p:tav tm="0">
+                                          <p:val>
+                                            <p:strVal val="1+#ppt_h/2"/>
+                                          </p:val>
+                                        </p:tav>
+                                        <p:tav tm="100000">
+                                          <p:val>
+                                            <p:strVal val="#ppt_y"/>
+                                          </p:val>
+                                        </p:tav>
+                                      </p:tavLst>
+                                    </p:anim>
+                                  </p:childTnLst>
+                                </p:cTn>
+                              </p:par>
+                            </p:childTnLst>
+                          </p:cTn>
+                        </p:par>
+                      </p:childTnLst>
+                    </p:cTn>
+                  </p:par>
+                  <p:par>
+                    <p:cTn id="27" fill="hold">
+                      <p:stCondLst>
+                        <p:cond delay="indefinite"/>
+                      </p:stCondLst>
+                      <p:childTnLst>
+                        <p:par>
+                          <p:cTn id="28" fill="hold">
+                            <p:stCondLst>
+                              <p:cond delay="0"/>
+                            </p:stCondLst>
+                            <p:childTnLst>
+                              <p:par>
+                                <p:cTn id="29" presetID="2" presetClass="entr" presetSubtype="4" fill="hold" grpId="0" nodeType="clickEffect">
+                                  <p:stCondLst>
+                                    <p:cond delay="0"/>
+                                  </p:stCondLst>
+                                  <p:childTnLst>
+                                    <p:set>
+                                      <p:cBhvr>
+                                        <p:cTn id="30" dur="1" fill="hold">
+                                          <p:stCondLst>
+                                            <p:cond delay="0"/>
+                                          </p:stCondLst>
+                                        </p:cTn>
+                                        <p:tgtEl>
+                                          <p:spTgt spid="6">
+                                            <p:txEl>
+                                              <p:pRg st="4" end="4"/>
+                                            </p:txEl>
+                                          </p:spTgt>
+                                        </p:tgtEl>
+                                        <p:attrNameLst>
+                                          <p:attrName>style.visibility</p:attrName>
+                                        </p:attrNameLst>
+                                      </p:cBhvr>
+                                      <p:to>
+                                        <p:strVal val="visible"/>
+                                      </p:to>
+                                    </p:set>
+                                    <p:anim calcmode="lin" valueType="num">
+                                      <p:cBhvr additive="base">
+                                        <p:cTn id="31" dur="500" fill="hold"/>
+                                        <p:tgtEl>
+                                          <p:spTgt spid="6">
+                                            <p:txEl>
+                                              <p:pRg st="4" end="4"/>
+                                            </p:txEl>
+                                          </p:spTgt>
+                                        </p:tgtEl>
+                                        <p:attrNameLst>
+                                          <p:attrName>ppt_x</p:attrName>
+                                        </p:attrNameLst>
+                                      </p:cBhvr>
+                                      <p:tavLst>
+                                        <p:tav tm="0">
+                                          <p:val>
+                                            <p:strVal val="#ppt_x"/>
+                                          </p:val>
+                                        </p:tav>
+                                        <p:tav tm="100000">
+                                          <p:val>
+                                            <p:strVal val="#ppt_x"/>
+                                          </p:val>
+                                        </p:tav>
+                                      </p:tavLst>
+                                    </p:anim>
+                                    <p:anim calcmode="lin" valueType="num">
+                                      <p:cBhvr additive="base">
+                                        <p:cTn id="32" dur="500" fill="hold"/>
+                                        <p:tgtEl>
+                                          <p:spTgt spid="6">
+                                            <p:txEl>
+                                              <p:pRg st="4" end="4"/>
+                                            </p:txEl>
+                                          </p:spTgt>
+                                        </p:tgtEl>
+                                        <p:attrNameLst>
+                                          <p:attrName>ppt_y</p:attrName>
+                                        </p:attrNameLst>
+                                      </p:cBhvr>
+                                      <p:tavLst>
+                                        <p:tav tm="0">
+                                          <p:val>
+                                            <p:strVal val="1+#ppt_h/2"/>
+                                          </p:val>
+                                        </p:tav>
+                                        <p:tav tm="100000">
+                                          <p:val>
+                                            <p:strVal val="#ppt_y"/>
+                                          </p:val>
+                                        </p:tav>
+                                      </p:tavLst>
+                                    </p:anim>
+                                  </p:childTnLst>
+                                </p:cTn>
+                              </p:par>
+                            </p:childTnLst>
+                          </p:cTn>
+                        </p:par>
+                      </p:childTnLst>
+                    </p:cTn>
+                  </p:par>
+                </p:childTnLst>
+              </p:cTn>
+              <p:prevCondLst>
+                <p:cond evt="onPrev" delay="0">
+                  <p:tgtEl>
+                    <p:sldTgt/>
+                  </p:tgtEl>
+                </p:cond>
+              </p:prevCondLst>
+              <p:nextCondLst>
+                <p:cond evt="onNext" delay="0">
+                  <p:tgtEl>
+                    <p:sldTgt/>
+                  </p:tgtEl>
+                </p:cond>
+              </p:nextCondLst>
+            </p:seq>
+          </p:childTnLst>
+        </p:cTn>
+      </p:par>
+    </p:tnLst>
+    <p:bldLst>
+      <p:bldP spid="6" grpId="0" build="p"/>
+    </p:bldLst>
+  </p:timing>
+</p:sld>
+</file>
+
+<file path=ppt/slides/slide4.xml><?xml version="1.0" encoding="utf-8"?>
+<p:sld xmlns:a="http://schemas.openxmlformats.org/drawingml/2006/main" xmlns:r="http://schemas.openxmlformats.org/officeDocument/2006/relationships" xmlns:p="http://schemas.openxmlformats.org/presentationml/2006/main">
+  <p:cSld>
+    <p:spTree>
+      <p:nvGrpSpPr>
+        <p:cNvPr id="1" name=""/>
+        <p:cNvGrpSpPr/>
+        <p:nvPr/>
+      </p:nvGrpSpPr>
+      <p:grpSpPr>
+        <a:xfrm>
+          <a:off x="0" y="0"/>
+          <a:ext cx="0" cy="0"/>
+          <a:chOff x="0" y="0"/>
+          <a:chExt cx="0" cy="0"/>
+        </a:xfrm>
+      </p:grpSpPr>
+      <p:sp>
+        <p:nvSpPr>
+          <p:cNvPr id="2" name="Title 1">
+            <a:extLst>
+              <a:ext uri="{FF2B5EF4-FFF2-40B4-BE49-F238E27FC236}">
+                <a16:creationId xmlns:a16="http://schemas.microsoft.com/office/drawing/2014/main" id="{44AFB0C9-0462-DDF2-C53D-9E989BD778E8}"/>
+              </a:ext>
+            </a:extLst>
+          </p:cNvPr>
+          <p:cNvSpPr>
+            <a:spLocks noGrp="1"/>
+          </p:cNvSpPr>
+          <p:nvPr>
+            <p:ph type="title"/>
+          </p:nvPr>
+        </p:nvSpPr>
+        <p:spPr>
+          <a:xfrm>
+            <a:off x="609600" y="274638"/>
+            <a:ext cx="10972800" cy="1143000"/>
+          </a:xfrm>
+        </p:spPr>
+        <p:txBody>
+          <a:bodyPr anchor="ctr">
+            <a:normAutofit/>
+          </a:bodyPr>
+          <a:lstStyle/>
+          <a:p>
+            <a:r>
+              <a:rPr lang="en-IE" dirty="0"/>
+              <a:t>Why Learn Programming(serious reasons)?</a:t>
+            </a:r>
+          </a:p>
+        </p:txBody>
+      </p:sp>
+      <p:sp>
+        <p:nvSpPr>
+          <p:cNvPr id="3" name="Content Placeholder 2">
+            <a:extLst>
+              <a:ext uri="{FF2B5EF4-FFF2-40B4-BE49-F238E27FC236}">
+                <a16:creationId xmlns:a16="http://schemas.microsoft.com/office/drawing/2014/main" id="{60063720-6794-358B-286C-1AFD4B5FDD63}"/>
+              </a:ext>
+            </a:extLst>
+          </p:cNvPr>
+          <p:cNvSpPr>
+            <a:spLocks noGrp="1"/>
+          </p:cNvSpPr>
+          <p:nvPr>
+            <p:ph sz="half" idx="1"/>
+          </p:nvPr>
+        </p:nvSpPr>
+        <p:spPr>
+          <a:xfrm>
+            <a:off x="609600" y="1600201"/>
+            <a:ext cx="6433122" cy="4525963"/>
+          </a:xfrm>
+        </p:spPr>
+        <p:txBody>
+          <a:bodyPr>
+            <a:normAutofit/>
+          </a:bodyPr>
+          <a:lstStyle/>
+          <a:p>
+            <a:pPr>
+              <a:lnSpc>
+                <a:spcPct val="90000"/>
+              </a:lnSpc>
+            </a:pPr>
+            <a:r>
+              <a:rPr lang="en-US" dirty="0"/>
+              <a:t>Every industry needs developers</a:t>
+            </a:r>
+          </a:p>
+          <a:p>
+            <a:pPr>
+              <a:lnSpc>
+                <a:spcPct val="90000"/>
+              </a:lnSpc>
+            </a:pPr>
+            <a:r>
+              <a:rPr lang="en-US" dirty="0"/>
+              <a:t>High-paying, flexible jobs</a:t>
+            </a:r>
+          </a:p>
+          <a:p>
+            <a:pPr>
+              <a:lnSpc>
+                <a:spcPct val="90000"/>
+              </a:lnSpc>
+            </a:pPr>
+            <a:r>
+              <a:rPr lang="en-US" dirty="0"/>
+              <a:t>Huge shortage of skilled programmers in Ireland &amp; worldwide</a:t>
+            </a:r>
+          </a:p>
+          <a:p>
+            <a:pPr>
+              <a:lnSpc>
+                <a:spcPct val="90000"/>
+              </a:lnSpc>
+            </a:pPr>
+            <a:r>
+              <a:rPr lang="en-US" dirty="0"/>
+              <a:t>Great for problem-solving and thinking clearly</a:t>
+            </a:r>
+          </a:p>
+          <a:p>
+            <a:pPr>
+              <a:lnSpc>
+                <a:spcPct val="90000"/>
+              </a:lnSpc>
+            </a:pPr>
+            <a:r>
+              <a:rPr lang="en-US" dirty="0"/>
+              <a:t>Opens doors to AI, cybersecurity, gaming, data science, engineering, etc.</a:t>
+            </a:r>
+            <a:endParaRPr lang="en-IE" dirty="0"/>
+          </a:p>
+        </p:txBody>
+      </p:sp>
+      <p:pic>
+        <p:nvPicPr>
+          <p:cNvPr id="3074" name="Picture 2" descr="Career Programming ...">
+            <a:extLst>
+              <a:ext uri="{FF2B5EF4-FFF2-40B4-BE49-F238E27FC236}">
+                <a16:creationId xmlns:a16="http://schemas.microsoft.com/office/drawing/2014/main" id="{51FD2B5A-2549-A6F6-8AB7-0C2F07034E30}"/>
+              </a:ext>
+            </a:extLst>
+          </p:cNvPr>
+          <p:cNvPicPr>
+            <a:picLocks noGrp="1" noChangeAspect="1" noChangeArrowheads="1"/>
+          </p:cNvPicPr>
+          <p:nvPr>
+            <p:ph sz="half" idx="2"/>
+          </p:nvPr>
+        </p:nvPicPr>
+        <p:blipFill>
+          <a:blip r:embed="rId2">
+            <a:extLst>
+              <a:ext uri="{28A0092B-C50C-407E-A947-70E740481C1C}">
+                <a14:useLocalDpi xmlns:a14="http://schemas.microsoft.com/office/drawing/2010/main" val="0"/>
+              </a:ext>
+            </a:extLst>
+          </a:blip>
+          <a:stretch>
+            <a:fillRect/>
+          </a:stretch>
+        </p:blipFill>
+        <p:spPr bwMode="auto">
+          <a:xfrm>
+            <a:off x="7042722" y="2057400"/>
+            <a:ext cx="4539677" cy="3314136"/>
+          </a:xfrm>
+          <a:prstGeom prst="rect">
+            <a:avLst/>
+          </a:prstGeom>
+          <a:solidFill>
+            <a:srgbClr val="FFFFFF"/>
+          </a:solidFill>
+          <a:extLst>
+            <a:ext uri="{909E8E84-426E-40DD-AFC4-6F175D3DCCD1}">
+              <a14:hiddenFill xmlns:a14="http://schemas.microsoft.com/office/drawing/2010/main">
+                <a:solidFill>
+                  <a:srgbClr val="FFFFFF"/>
+                </a:solidFill>
+              </a14:hiddenFill>
+            </a:ext>
+          </a:extLst>
+        </p:spPr>
+      </p:pic>
+    </p:spTree>
+    <p:extLst>
+      <p:ext uri="{BB962C8B-B14F-4D97-AF65-F5344CB8AC3E}">
+        <p14:creationId xmlns:p14="http://schemas.microsoft.com/office/powerpoint/2010/main" val="2284549552"/>
+      </p:ext>
+    </p:extLst>
+  </p:cSld>
+  <p:clrMapOvr>
+    <a:masterClrMapping/>
+  </p:clrMapOvr>
+  <p:timing>
+    <p:tnLst>
+      <p:par>
+        <p:cTn id="1" dur="indefinite" restart="never" nodeType="tmRoot">
+          <p:childTnLst>
+            <p:seq concurrent="1" nextAc="seek">
+              <p:cTn id="2" dur="indefinite" nodeType="mainSeq">
+                <p:childTnLst>
+                  <p:par>
+                    <p:cTn id="3" fill="hold">
+                      <p:stCondLst>
+                        <p:cond delay="indefinite"/>
+                      </p:stCondLst>
+                      <p:childTnLst>
+                        <p:par>
+                          <p:cTn id="4" fill="hold">
+                            <p:stCondLst>
+                              <p:cond delay="0"/>
+                            </p:stCondLst>
+                            <p:childTnLst>
+                              <p:par>
+                                <p:cTn id="5" presetID="53" presetClass="entr" presetSubtype="16" fill="hold" grpId="0" nodeType="clickEffect">
+                                  <p:stCondLst>
+                                    <p:cond delay="0"/>
+                                  </p:stCondLst>
+                                  <p:childTnLst>
+                                    <p:set>
+                                      <p:cBhvr>
+                                        <p:cTn id="6" dur="1" fill="hold">
+                                          <p:stCondLst>
+                                            <p:cond delay="0"/>
+                                          </p:stCondLst>
+                                        </p:cTn>
+                                        <p:tgtEl>
+                                          <p:spTgt spid="3">
+                                            <p:txEl>
+                                              <p:pRg st="0" end="0"/>
+                                            </p:txEl>
+                                          </p:spTgt>
+                                        </p:tgtEl>
+                                        <p:attrNameLst>
+                                          <p:attrName>style.visibility</p:attrName>
+                                        </p:attrNameLst>
+                                      </p:cBhvr>
+                                      <p:to>
+                                        <p:strVal val="visible"/>
+                                      </p:to>
+                                    </p:set>
+                                    <p:anim calcmode="lin" valueType="num">
+                                      <p:cBhvr>
+                                        <p:cTn id="7" dur="500" fill="hold"/>
+                                        <p:tgtEl>
+                                          <p:spTgt spid="3">
+                                            <p:txEl>
+                                              <p:pRg st="0" end="0"/>
+                                            </p:txEl>
+                                          </p:spTgt>
+                                        </p:tgtEl>
+                                        <p:attrNameLst>
+                                          <p:attrName>ppt_w</p:attrName>
+                                        </p:attrNameLst>
+                                      </p:cBhvr>
+                                      <p:tavLst>
+                                        <p:tav tm="0">
+                                          <p:val>
+                                            <p:fltVal val="0"/>
+                                          </p:val>
+                                        </p:tav>
+                                        <p:tav tm="100000">
+                                          <p:val>
+                                            <p:strVal val="#ppt_w"/>
+                                          </p:val>
+                                        </p:tav>
+                                      </p:tavLst>
+                                    </p:anim>
+                                    <p:anim calcmode="lin" valueType="num">
+                                      <p:cBhvr>
+                                        <p:cTn id="8" dur="500" fill="hold"/>
+                                        <p:tgtEl>
+                                          <p:spTgt spid="3">
+                                            <p:txEl>
+                                              <p:pRg st="0" end="0"/>
+                                            </p:txEl>
+                                          </p:spTgt>
+                                        </p:tgtEl>
+                                        <p:attrNameLst>
+                                          <p:attrName>ppt_h</p:attrName>
+                                        </p:attrNameLst>
+                                      </p:cBhvr>
+                                      <p:tavLst>
+                                        <p:tav tm="0">
+                                          <p:val>
+                                            <p:fltVal val="0"/>
+                                          </p:val>
+                                        </p:tav>
+                                        <p:tav tm="100000">
+                                          <p:val>
+                                            <p:strVal val="#ppt_h"/>
+                                          </p:val>
+                                        </p:tav>
+                                      </p:tavLst>
+                                    </p:anim>
+                                    <p:animEffect transition="in" filter="fade">
+                                      <p:cBhvr>
+                                        <p:cTn id="9" dur="500"/>
+                                        <p:tgtEl>
+                                          <p:spTgt spid="3">
+                                            <p:txEl>
+                                              <p:pRg st="0" end="0"/>
+                                            </p:txEl>
+                                          </p:spTgt>
+                                        </p:tgtEl>
+                                      </p:cBhvr>
+                                    </p:animEffect>
+                                  </p:childTnLst>
+                                </p:cTn>
+                              </p:par>
+                            </p:childTnLst>
+                          </p:cTn>
+                        </p:par>
+                      </p:childTnLst>
+                    </p:cTn>
+                  </p:par>
+                  <p:par>
+                    <p:cTn id="10" fill="hold">
+                      <p:stCondLst>
+                        <p:cond delay="indefinite"/>
+                      </p:stCondLst>
+                      <p:childTnLst>
+                        <p:par>
+                          <p:cTn id="11" fill="hold">
+                            <p:stCondLst>
+                              <p:cond delay="0"/>
+                            </p:stCondLst>
+                            <p:childTnLst>
+                              <p:par>
+                                <p:cTn id="12" presetID="53" presetClass="entr" presetSubtype="16" fill="hold" grpId="0" nodeType="clickEffect">
+                                  <p:stCondLst>
+                                    <p:cond delay="0"/>
+                                  </p:stCondLst>
+                                  <p:childTnLst>
+                                    <p:set>
+                                      <p:cBhvr>
+                                        <p:cTn id="13" dur="1" fill="hold">
+                                          <p:stCondLst>
+                                            <p:cond delay="0"/>
+                                          </p:stCondLst>
+                                        </p:cTn>
+                                        <p:tgtEl>
+                                          <p:spTgt spid="3">
+                                            <p:txEl>
+                                              <p:pRg st="1" end="1"/>
+                                            </p:txEl>
+                                          </p:spTgt>
+                                        </p:tgtEl>
+                                        <p:attrNameLst>
+                                          <p:attrName>style.visibility</p:attrName>
+                                        </p:attrNameLst>
+                                      </p:cBhvr>
+                                      <p:to>
+                                        <p:strVal val="visible"/>
+                                      </p:to>
+                                    </p:set>
+                                    <p:anim calcmode="lin" valueType="num">
+                                      <p:cBhvr>
+                                        <p:cTn id="14" dur="500" fill="hold"/>
+                                        <p:tgtEl>
+                                          <p:spTgt spid="3">
+                                            <p:txEl>
+                                              <p:pRg st="1" end="1"/>
+                                            </p:txEl>
+                                          </p:spTgt>
+                                        </p:tgtEl>
+                                        <p:attrNameLst>
+                                          <p:attrName>ppt_w</p:attrName>
+                                        </p:attrNameLst>
+                                      </p:cBhvr>
+                                      <p:tavLst>
+                                        <p:tav tm="0">
+                                          <p:val>
+                                            <p:fltVal val="0"/>
+                                          </p:val>
+                                        </p:tav>
+                                        <p:tav tm="100000">
+                                          <p:val>
+                                            <p:strVal val="#ppt_w"/>
+                                          </p:val>
+                                        </p:tav>
+                                      </p:tavLst>
+                                    </p:anim>
+                                    <p:anim calcmode="lin" valueType="num">
+                                      <p:cBhvr>
+                                        <p:cTn id="15" dur="500" fill="hold"/>
+                                        <p:tgtEl>
+                                          <p:spTgt spid="3">
+                                            <p:txEl>
+                                              <p:pRg st="1" end="1"/>
+                                            </p:txEl>
+                                          </p:spTgt>
+                                        </p:tgtEl>
+                                        <p:attrNameLst>
+                                          <p:attrName>ppt_h</p:attrName>
+                                        </p:attrNameLst>
+                                      </p:cBhvr>
+                                      <p:tavLst>
+                                        <p:tav tm="0">
+                                          <p:val>
+                                            <p:fltVal val="0"/>
+                                          </p:val>
+                                        </p:tav>
+                                        <p:tav tm="100000">
+                                          <p:val>
+                                            <p:strVal val="#ppt_h"/>
+                                          </p:val>
+                                        </p:tav>
+                                      </p:tavLst>
+                                    </p:anim>
+                                    <p:animEffect transition="in" filter="fade">
+                                      <p:cBhvr>
+                                        <p:cTn id="16" dur="500"/>
+                                        <p:tgtEl>
+                                          <p:spTgt spid="3">
+                                            <p:txEl>
+                                              <p:pRg st="1" end="1"/>
+                                            </p:txEl>
+                                          </p:spTgt>
+                                        </p:tgtEl>
+                                      </p:cBhvr>
+                                    </p:animEffect>
+                                  </p:childTnLst>
+                                </p:cTn>
+                              </p:par>
+                            </p:childTnLst>
+                          </p:cTn>
+                        </p:par>
+                      </p:childTnLst>
+                    </p:cTn>
+                  </p:par>
+                  <p:par>
+                    <p:cTn id="17" fill="hold">
+                      <p:stCondLst>
+                        <p:cond delay="indefinite"/>
+                      </p:stCondLst>
+                      <p:childTnLst>
+                        <p:par>
+                          <p:cTn id="18" fill="hold">
+                            <p:stCondLst>
+                              <p:cond delay="0"/>
+                            </p:stCondLst>
+                            <p:childTnLst>
+                              <p:par>
+                                <p:cTn id="19" presetID="53" presetClass="entr" presetSubtype="16" fill="hold" grpId="0" nodeType="clickEffect">
+                                  <p:stCondLst>
+                                    <p:cond delay="0"/>
+                                  </p:stCondLst>
+                                  <p:childTnLst>
+                                    <p:set>
+                                      <p:cBhvr>
+                                        <p:cTn id="20" dur="1" fill="hold">
+                                          <p:stCondLst>
+                                            <p:cond delay="0"/>
+                                          </p:stCondLst>
+                                        </p:cTn>
+                                        <p:tgtEl>
+                                          <p:spTgt spid="3">
+                                            <p:txEl>
+                                              <p:pRg st="2" end="2"/>
+                                            </p:txEl>
+                                          </p:spTgt>
+                                        </p:tgtEl>
+                                        <p:attrNameLst>
+                                          <p:attrName>style.visibility</p:attrName>
+                                        </p:attrNameLst>
+                                      </p:cBhvr>
+                                      <p:to>
+                                        <p:strVal val="visible"/>
+                                      </p:to>
+                                    </p:set>
+                                    <p:anim calcmode="lin" valueType="num">
+                                      <p:cBhvr>
+                                        <p:cTn id="21" dur="500" fill="hold"/>
+                                        <p:tgtEl>
+                                          <p:spTgt spid="3">
+                                            <p:txEl>
+                                              <p:pRg st="2" end="2"/>
+                                            </p:txEl>
+                                          </p:spTgt>
+                                        </p:tgtEl>
+                                        <p:attrNameLst>
+                                          <p:attrName>ppt_w</p:attrName>
+                                        </p:attrNameLst>
+                                      </p:cBhvr>
+                                      <p:tavLst>
+                                        <p:tav tm="0">
+                                          <p:val>
+                                            <p:fltVal val="0"/>
+                                          </p:val>
+                                        </p:tav>
+                                        <p:tav tm="100000">
+                                          <p:val>
+                                            <p:strVal val="#ppt_w"/>
+                                          </p:val>
+                                        </p:tav>
+                                      </p:tavLst>
+                                    </p:anim>
+                                    <p:anim calcmode="lin" valueType="num">
+                                      <p:cBhvr>
+                                        <p:cTn id="22" dur="500" fill="hold"/>
+                                        <p:tgtEl>
+                                          <p:spTgt spid="3">
+                                            <p:txEl>
+                                              <p:pRg st="2" end="2"/>
+                                            </p:txEl>
+                                          </p:spTgt>
+                                        </p:tgtEl>
+                                        <p:attrNameLst>
+                                          <p:attrName>ppt_h</p:attrName>
+                                        </p:attrNameLst>
+                                      </p:cBhvr>
+                                      <p:tavLst>
+                                        <p:tav tm="0">
+                                          <p:val>
+                                            <p:fltVal val="0"/>
+                                          </p:val>
+                                        </p:tav>
+                                        <p:tav tm="100000">
+                                          <p:val>
+                                            <p:strVal val="#ppt_h"/>
+                                          </p:val>
+                                        </p:tav>
+                                      </p:tavLst>
+                                    </p:anim>
+                                    <p:animEffect transition="in" filter="fade">
+                                      <p:cBhvr>
+                                        <p:cTn id="23" dur="500"/>
+                                        <p:tgtEl>
+                                          <p:spTgt spid="3">
+                                            <p:txEl>
+                                              <p:pRg st="2" end="2"/>
+                                            </p:txEl>
+                                          </p:spTgt>
+                                        </p:tgtEl>
+                                      </p:cBhvr>
+                                    </p:animEffect>
+                                  </p:childTnLst>
+                                </p:cTn>
+                              </p:par>
+                            </p:childTnLst>
+                          </p:cTn>
+                        </p:par>
+                      </p:childTnLst>
+                    </p:cTn>
+                  </p:par>
+                  <p:par>
+                    <p:cTn id="24" fill="hold">
+                      <p:stCondLst>
+                        <p:cond delay="indefinite"/>
+                      </p:stCondLst>
+                      <p:childTnLst>
+                        <p:par>
+                          <p:cTn id="25" fill="hold">
+                            <p:stCondLst>
+                              <p:cond delay="0"/>
+                            </p:stCondLst>
+                            <p:childTnLst>
+                              <p:par>
+                                <p:cTn id="26" presetID="53" presetClass="entr" presetSubtype="16" fill="hold" grpId="0" nodeType="clickEffect">
+                                  <p:stCondLst>
+                                    <p:cond delay="0"/>
+                                  </p:stCondLst>
+                                  <p:childTnLst>
+                                    <p:set>
+                                      <p:cBhvr>
+                                        <p:cTn id="27" dur="1" fill="hold">
+                                          <p:stCondLst>
+                                            <p:cond delay="0"/>
+                                          </p:stCondLst>
+                                        </p:cTn>
+                                        <p:tgtEl>
+                                          <p:spTgt spid="3">
+                                            <p:txEl>
+                                              <p:pRg st="3" end="3"/>
+                                            </p:txEl>
+                                          </p:spTgt>
+                                        </p:tgtEl>
+                                        <p:attrNameLst>
+                                          <p:attrName>style.visibility</p:attrName>
+                                        </p:attrNameLst>
+                                      </p:cBhvr>
+                                      <p:to>
+                                        <p:strVal val="visible"/>
+                                      </p:to>
+                                    </p:set>
+                                    <p:anim calcmode="lin" valueType="num">
+                                      <p:cBhvr>
+                                        <p:cTn id="28" dur="500" fill="hold"/>
+                                        <p:tgtEl>
+                                          <p:spTgt spid="3">
+                                            <p:txEl>
+                                              <p:pRg st="3" end="3"/>
+                                            </p:txEl>
+                                          </p:spTgt>
+                                        </p:tgtEl>
+                                        <p:attrNameLst>
+                                          <p:attrName>ppt_w</p:attrName>
+                                        </p:attrNameLst>
+                                      </p:cBhvr>
+                                      <p:tavLst>
+                                        <p:tav tm="0">
+                                          <p:val>
+                                            <p:fltVal val="0"/>
+                                          </p:val>
+                                        </p:tav>
+                                        <p:tav tm="100000">
+                                          <p:val>
+                                            <p:strVal val="#ppt_w"/>
+                                          </p:val>
+                                        </p:tav>
+                                      </p:tavLst>
+                                    </p:anim>
+                                    <p:anim calcmode="lin" valueType="num">
+                                      <p:cBhvr>
+                                        <p:cTn id="29" dur="500" fill="hold"/>
+                                        <p:tgtEl>
+                                          <p:spTgt spid="3">
+                                            <p:txEl>
+                                              <p:pRg st="3" end="3"/>
+                                            </p:txEl>
+                                          </p:spTgt>
+                                        </p:tgtEl>
+                                        <p:attrNameLst>
+                                          <p:attrName>ppt_h</p:attrName>
+                                        </p:attrNameLst>
+                                      </p:cBhvr>
+                                      <p:tavLst>
+                                        <p:tav tm="0">
+                                          <p:val>
+                                            <p:fltVal val="0"/>
+                                          </p:val>
+                                        </p:tav>
+                                        <p:tav tm="100000">
+                                          <p:val>
+                                            <p:strVal val="#ppt_h"/>
+                                          </p:val>
+                                        </p:tav>
+                                      </p:tavLst>
+                                    </p:anim>
+                                    <p:animEffect transition="in" filter="fade">
+                                      <p:cBhvr>
+                                        <p:cTn id="30" dur="500"/>
+                                        <p:tgtEl>
+                                          <p:spTgt spid="3">
+                                            <p:txEl>
+                                              <p:pRg st="3" end="3"/>
+                                            </p:txEl>
+                                          </p:spTgt>
+                                        </p:tgtEl>
+                                      </p:cBhvr>
+                                    </p:animEffect>
+                                  </p:childTnLst>
+                                </p:cTn>
+                              </p:par>
+                            </p:childTnLst>
+                          </p:cTn>
+                        </p:par>
+                      </p:childTnLst>
+                    </p:cTn>
+                  </p:par>
+                  <p:par>
+                    <p:cTn id="31" fill="hold">
+                      <p:stCondLst>
+                        <p:cond delay="indefinite"/>
+                      </p:stCondLst>
+                      <p:childTnLst>
+                        <p:par>
+                          <p:cTn id="32" fill="hold">
+                            <p:stCondLst>
+                              <p:cond delay="0"/>
+                            </p:stCondLst>
+                            <p:childTnLst>
+                              <p:par>
+                                <p:cTn id="33" presetID="53" presetClass="entr" presetSubtype="16" fill="hold" grpId="0" nodeType="clickEffect">
+                                  <p:stCondLst>
+                                    <p:cond delay="0"/>
+                                  </p:stCondLst>
+                                  <p:childTnLst>
+                                    <p:set>
+                                      <p:cBhvr>
+                                        <p:cTn id="34" dur="1" fill="hold">
+                                          <p:stCondLst>
+                                            <p:cond delay="0"/>
+                                          </p:stCondLst>
+                                        </p:cTn>
+                                        <p:tgtEl>
+                                          <p:spTgt spid="3">
+                                            <p:txEl>
+                                              <p:pRg st="4" end="4"/>
+                                            </p:txEl>
+                                          </p:spTgt>
+                                        </p:tgtEl>
+                                        <p:attrNameLst>
+                                          <p:attrName>style.visibility</p:attrName>
+                                        </p:attrNameLst>
+                                      </p:cBhvr>
+                                      <p:to>
+                                        <p:strVal val="visible"/>
+                                      </p:to>
+                                    </p:set>
+                                    <p:anim calcmode="lin" valueType="num">
+                                      <p:cBhvr>
+                                        <p:cTn id="35" dur="500" fill="hold"/>
+                                        <p:tgtEl>
+                                          <p:spTgt spid="3">
+                                            <p:txEl>
+                                              <p:pRg st="4" end="4"/>
+                                            </p:txEl>
+                                          </p:spTgt>
+                                        </p:tgtEl>
+                                        <p:attrNameLst>
+                                          <p:attrName>ppt_w</p:attrName>
+                                        </p:attrNameLst>
+                                      </p:cBhvr>
+                                      <p:tavLst>
+                                        <p:tav tm="0">
+                                          <p:val>
+                                            <p:fltVal val="0"/>
+                                          </p:val>
+                                        </p:tav>
+                                        <p:tav tm="100000">
+                                          <p:val>
+                                            <p:strVal val="#ppt_w"/>
+                                          </p:val>
+                                        </p:tav>
+                                      </p:tavLst>
+                                    </p:anim>
+                                    <p:anim calcmode="lin" valueType="num">
+                                      <p:cBhvr>
+                                        <p:cTn id="36" dur="500" fill="hold"/>
+                                        <p:tgtEl>
+                                          <p:spTgt spid="3">
+                                            <p:txEl>
+                                              <p:pRg st="4" end="4"/>
+                                            </p:txEl>
+                                          </p:spTgt>
+                                        </p:tgtEl>
+                                        <p:attrNameLst>
+                                          <p:attrName>ppt_h</p:attrName>
+                                        </p:attrNameLst>
+                                      </p:cBhvr>
+                                      <p:tavLst>
+                                        <p:tav tm="0">
+                                          <p:val>
+                                            <p:fltVal val="0"/>
+                                          </p:val>
+                                        </p:tav>
+                                        <p:tav tm="100000">
+                                          <p:val>
+                                            <p:strVal val="#ppt_h"/>
+                                          </p:val>
+                                        </p:tav>
+                                      </p:tavLst>
+                                    </p:anim>
+                                    <p:animEffect transition="in" filter="fade">
+                                      <p:cBhvr>
+                                        <p:cTn id="37" dur="500"/>
+                                        <p:tgtEl>
+                                          <p:spTgt spid="3">
+                                            <p:txEl>
+                                              <p:pRg st="4" end="4"/>
+                                            </p:txEl>
+                                          </p:spTgt>
+                                        </p:tgtEl>
+                                      </p:cBhvr>
+                                    </p:animEffect>
+                                  </p:childTnLst>
+                                </p:cTn>
+                              </p:par>
+                            </p:childTnLst>
+                          </p:cTn>
+                        </p:par>
+                      </p:childTnLst>
+                    </p:cTn>
+                  </p:par>
+                </p:childTnLst>
+              </p:cTn>
+              <p:prevCondLst>
+                <p:cond evt="onPrev" delay="0">
+                  <p:tgtEl>
+                    <p:sldTgt/>
+                  </p:tgtEl>
+                </p:cond>
+              </p:prevCondLst>
+              <p:nextCondLst>
+                <p:cond evt="onNext" delay="0">
+                  <p:tgtEl>
+                    <p:sldTgt/>
+                  </p:tgtEl>
+                </p:cond>
+              </p:nextCondLst>
+            </p:seq>
+          </p:childTnLst>
+        </p:cTn>
+      </p:par>
+    </p:tnLst>
+    <p:bldLst>
+      <p:bldP spid="3" grpId="0" build="p"/>
+    </p:bldLst>
+  </p:timing>
+</p:sld>
+</file>
+
+<file path=ppt/slides/slide5.xml><?xml version="1.0" encoding="utf-8"?>
+<p:sld xmlns:a="http://schemas.openxmlformats.org/drawingml/2006/main" xmlns:r="http://schemas.openxmlformats.org/officeDocument/2006/relationships" xmlns:p="http://schemas.openxmlformats.org/presentationml/2006/main">
+  <p:cSld>
+    <p:spTree>
+      <p:nvGrpSpPr>
+        <p:cNvPr id="1" name=""/>
+        <p:cNvGrpSpPr/>
+        <p:nvPr/>
+      </p:nvGrpSpPr>
+      <p:grpSpPr>
+        <a:xfrm>
+          <a:off x="0" y="0"/>
+          <a:ext cx="0" cy="0"/>
+          <a:chOff x="0" y="0"/>
+          <a:chExt cx="0" cy="0"/>
+        </a:xfrm>
+      </p:grpSpPr>
+      <p:sp>
+        <p:nvSpPr>
+          <p:cNvPr id="2" name="Title 1">
+            <a:extLst>
+              <a:ext uri="{FF2B5EF4-FFF2-40B4-BE49-F238E27FC236}">
+                <a16:creationId xmlns:a16="http://schemas.microsoft.com/office/drawing/2014/main" id="{07D36266-EFF2-AA91-8834-1B662B0989F1}"/>
+              </a:ext>
+            </a:extLst>
+          </p:cNvPr>
+          <p:cNvSpPr>
+            <a:spLocks noGrp="1"/>
+          </p:cNvSpPr>
+          <p:nvPr>
+            <p:ph type="title"/>
+          </p:nvPr>
+        </p:nvSpPr>
+        <p:spPr>
+          <a:xfrm>
+            <a:off x="609600" y="274638"/>
+            <a:ext cx="10972800" cy="1143000"/>
+          </a:xfrm>
+        </p:spPr>
+        <p:txBody>
+          <a:bodyPr anchor="ctr">
+            <a:normAutofit/>
+          </a:bodyPr>
+          <a:lstStyle/>
+          <a:p>
+            <a:r>
+              <a:rPr lang="en-IE" dirty="0"/>
+              <a:t>Where Is Programming Used?</a:t>
+            </a:r>
+          </a:p>
+        </p:txBody>
+      </p:sp>
+      <p:sp>
+        <p:nvSpPr>
+          <p:cNvPr id="3" name="Content Placeholder 2">
+            <a:extLst>
+              <a:ext uri="{FF2B5EF4-FFF2-40B4-BE49-F238E27FC236}">
+                <a16:creationId xmlns:a16="http://schemas.microsoft.com/office/drawing/2014/main" id="{FC143793-C279-3607-ACCC-2E20513610FB}"/>
+              </a:ext>
+            </a:extLst>
+          </p:cNvPr>
+          <p:cNvSpPr>
+            <a:spLocks noGrp="1"/>
+          </p:cNvSpPr>
+          <p:nvPr>
+            <p:ph sz="half" idx="1"/>
+          </p:nvPr>
+        </p:nvSpPr>
+        <p:spPr>
+          <a:xfrm>
+            <a:off x="609600" y="1600201"/>
+            <a:ext cx="6934200" cy="4525963"/>
+          </a:xfrm>
+        </p:spPr>
+        <p:txBody>
+          <a:bodyPr>
+            <a:normAutofit/>
+          </a:bodyPr>
+          <a:lstStyle/>
+          <a:p>
+            <a:pPr>
+              <a:lnSpc>
+                <a:spcPct val="90000"/>
+              </a:lnSpc>
+            </a:pPr>
+            <a:r>
+              <a:rPr lang="en-IE" sz="2600" dirty="0"/>
+              <a:t>Netflix recommendations → AI algorithms</a:t>
+            </a:r>
+          </a:p>
+          <a:p>
+            <a:pPr>
+              <a:lnSpc>
+                <a:spcPct val="90000"/>
+              </a:lnSpc>
+            </a:pPr>
+            <a:r>
+              <a:rPr lang="en-IE" sz="2600" dirty="0"/>
+              <a:t>Snapchat filters → computer vision</a:t>
+            </a:r>
+          </a:p>
+          <a:p>
+            <a:pPr>
+              <a:lnSpc>
+                <a:spcPct val="90000"/>
+              </a:lnSpc>
+            </a:pPr>
+            <a:r>
+              <a:rPr lang="en-IE" sz="2600" dirty="0"/>
+              <a:t>Spotify playlists → machine learning</a:t>
+            </a:r>
+          </a:p>
+          <a:p>
+            <a:pPr>
+              <a:lnSpc>
+                <a:spcPct val="90000"/>
+              </a:lnSpc>
+            </a:pPr>
+            <a:r>
+              <a:rPr lang="en-IE" sz="2600" dirty="0"/>
+              <a:t>Instagram stories → mobile apps</a:t>
+            </a:r>
+          </a:p>
+          <a:p>
+            <a:pPr>
+              <a:lnSpc>
+                <a:spcPct val="90000"/>
+              </a:lnSpc>
+            </a:pPr>
+            <a:r>
+              <a:rPr lang="en-IE" sz="2600" dirty="0"/>
+              <a:t>Self-driving cars → robotics + sensors</a:t>
+            </a:r>
+          </a:p>
+          <a:p>
+            <a:pPr>
+              <a:lnSpc>
+                <a:spcPct val="90000"/>
+              </a:lnSpc>
+            </a:pPr>
+            <a:r>
+              <a:rPr lang="en-IE" sz="2600" dirty="0"/>
+              <a:t>Games (Fortnite, FIFA, Minecraft) → game engines + physics</a:t>
+            </a:r>
+          </a:p>
+          <a:p>
+            <a:pPr>
+              <a:lnSpc>
+                <a:spcPct val="90000"/>
+              </a:lnSpc>
+            </a:pPr>
+            <a:r>
+              <a:rPr lang="en-IE" sz="2600" dirty="0"/>
+              <a:t>Even toaster ovens &amp; traffic lights → embedded systems</a:t>
+            </a:r>
+          </a:p>
+        </p:txBody>
+      </p:sp>
+      <p:pic>
+        <p:nvPicPr>
+          <p:cNvPr id="4099" name="Picture 3" descr="Game Calculator Coding Programming Gif">
+            <a:extLst>
+              <a:ext uri="{FF2B5EF4-FFF2-40B4-BE49-F238E27FC236}">
+                <a16:creationId xmlns:a16="http://schemas.microsoft.com/office/drawing/2014/main" id="{5F187ACE-11D2-A049-F84F-45B5CB14B67C}"/>
+              </a:ext>
+            </a:extLst>
+          </p:cNvPr>
+          <p:cNvPicPr>
+            <a:picLocks noGrp="1" noChangeAspect="1" noChangeArrowheads="1"/>
+          </p:cNvPicPr>
+          <p:nvPr>
+            <p:ph sz="half" idx="2"/>
+          </p:nvPr>
+        </p:nvPicPr>
+        <p:blipFill>
+          <a:blip r:embed="rId2">
+            <a:extLst>
+              <a:ext uri="{28A0092B-C50C-407E-A947-70E740481C1C}">
+                <a14:useLocalDpi xmlns:a14="http://schemas.microsoft.com/office/drawing/2010/main" val="0"/>
+              </a:ext>
+            </a:extLst>
+          </a:blip>
+          <a:stretch>
+            <a:fillRect/>
+          </a:stretch>
+        </p:blipFill>
+        <p:spPr bwMode="auto">
+          <a:xfrm>
+            <a:off x="7543800" y="1828800"/>
+            <a:ext cx="4284154" cy="2399126"/>
+          </a:xfrm>
+          <a:prstGeom prst="rect">
+            <a:avLst/>
+          </a:prstGeom>
+          <a:solidFill>
+            <a:srgbClr val="FFFFFF"/>
+          </a:solidFill>
+          <a:extLst>
+            <a:ext uri="{909E8E84-426E-40DD-AFC4-6F175D3DCCD1}">
+              <a14:hiddenFill xmlns:a14="http://schemas.microsoft.com/office/drawing/2010/main">
+                <a:solidFill>
+                  <a:srgbClr val="FFFFFF"/>
+                </a:solidFill>
+              </a14:hiddenFill>
+            </a:ext>
+          </a:extLst>
+        </p:spPr>
+      </p:pic>
+    </p:spTree>
+    <p:extLst>
+      <p:ext uri="{BB962C8B-B14F-4D97-AF65-F5344CB8AC3E}">
+        <p14:creationId xmlns:p14="http://schemas.microsoft.com/office/powerpoint/2010/main" val="750513100"/>
+      </p:ext>
+    </p:extLst>
+  </p:cSld>
+  <p:clrMapOvr>
+    <a:masterClrMapping/>
+  </p:clrMapOvr>
+  <p:timing>
+    <p:tnLst>
+      <p:par>
+        <p:cTn id="1" dur="indefinite" restart="never" nodeType="tmRoot">
+          <p:childTnLst>
+            <p:seq concurrent="1" nextAc="seek">
+              <p:cTn id="2" dur="indefinite" nodeType="mainSeq">
+                <p:childTnLst>
+                  <p:par>
+                    <p:cTn id="3" fill="hold">
+                      <p:stCondLst>
+                        <p:cond delay="indefinite"/>
+                      </p:stCondLst>
+                      <p:childTnLst>
+                        <p:par>
+                          <p:cTn id="4" fill="hold">
+                            <p:stCondLst>
+                              <p:cond delay="0"/>
+                            </p:stCondLst>
+                            <p:childTnLst>
+                              <p:par>
+                                <p:cTn id="5" presetID="45" presetClass="entr" presetSubtype="0" fill="hold" grpId="0" nodeType="clickEffect">
+                                  <p:stCondLst>
+                                    <p:cond delay="0"/>
+                                  </p:stCondLst>
+                                  <p:childTnLst>
+                                    <p:set>
+                                      <p:cBhvr>
+                                        <p:cTn id="6" dur="1" fill="hold">
+                                          <p:stCondLst>
+                                            <p:cond delay="0"/>
+                                          </p:stCondLst>
+                                        </p:cTn>
+                                        <p:tgtEl>
+                                          <p:spTgt spid="3">
+                                            <p:txEl>
+                                              <p:pRg st="0" end="0"/>
+                                            </p:txEl>
+                                          </p:spTgt>
+                                        </p:tgtEl>
+                                        <p:attrNameLst>
+                                          <p:attrName>style.visibility</p:attrName>
+                                        </p:attrNameLst>
+                                      </p:cBhvr>
+                                      <p:to>
+                                        <p:strVal val="visible"/>
+                                      </p:to>
+                                    </p:set>
+                                    <p:animEffect transition="in" filter="fade">
+                                      <p:cBhvr>
+                                        <p:cTn id="7" dur="2000"/>
+                                        <p:tgtEl>
+                                          <p:spTgt spid="3">
+                                            <p:txEl>
+                                              <p:pRg st="0" end="0"/>
+                                            </p:txEl>
+                                          </p:spTgt>
+                                        </p:tgtEl>
+                                      </p:cBhvr>
+                                    </p:animEffect>
+                                    <p:anim calcmode="lin" valueType="num">
+                                      <p:cBhvr>
+                                        <p:cTn id="8" dur="2000" fill="hold"/>
+                                        <p:tgtEl>
+                                          <p:spTgt spid="3">
+                                            <p:txEl>
+                                              <p:pRg st="0" end="0"/>
+                                            </p:txEl>
+                                          </p:spTgt>
+                                        </p:tgtEl>
+                                        <p:attrNameLst>
+                                          <p:attrName>ppt_w</p:attrName>
+                                        </p:attrNameLst>
+                                      </p:cBhvr>
+                                      <p:tavLst>
+                                        <p:tav tm="0" fmla="#ppt_w*sin(2.5*pi*$)">
+                                          <p:val>
+                                            <p:fltVal val="0"/>
+                                          </p:val>
+                                        </p:tav>
+                                        <p:tav tm="100000">
+                                          <p:val>
+                                            <p:fltVal val="1"/>
+                                          </p:val>
+                                        </p:tav>
+                                      </p:tavLst>
+                                    </p:anim>
+                                    <p:anim calcmode="lin" valueType="num">
+                                      <p:cBhvr>
+                                        <p:cTn id="9" dur="2000" fill="hold"/>
+                                        <p:tgtEl>
+                                          <p:spTgt spid="3">
+                                            <p:txEl>
+                                              <p:pRg st="0" end="0"/>
+                                            </p:txEl>
+                                          </p:spTgt>
+                                        </p:tgtEl>
+                                        <p:attrNameLst>
+                                          <p:attrName>ppt_h</p:attrName>
+                                        </p:attrNameLst>
+                                      </p:cBhvr>
+                                      <p:tavLst>
+                                        <p:tav tm="0">
+                                          <p:val>
+                                            <p:strVal val="#ppt_h"/>
+                                          </p:val>
+                                        </p:tav>
+                                        <p:tav tm="100000">
+                                          <p:val>
+                                            <p:strVal val="#ppt_h"/>
+                                          </p:val>
+                                        </p:tav>
+                                      </p:tavLst>
+                                    </p:anim>
+                                  </p:childTnLst>
+                                </p:cTn>
+                              </p:par>
+                              <p:par>
+                                <p:cTn id="10" presetID="45" presetClass="entr" presetSubtype="0" fill="hold" grpId="0" nodeType="withEffect">
+                                  <p:stCondLst>
+                                    <p:cond delay="0"/>
+                                  </p:stCondLst>
+                                  <p:childTnLst>
+                                    <p:set>
+                                      <p:cBhvr>
+                                        <p:cTn id="11" dur="1" fill="hold">
+                                          <p:stCondLst>
+                                            <p:cond delay="0"/>
+                                          </p:stCondLst>
+                                        </p:cTn>
+                                        <p:tgtEl>
+                                          <p:spTgt spid="3">
+                                            <p:txEl>
+                                              <p:pRg st="1" end="1"/>
+                                            </p:txEl>
+                                          </p:spTgt>
+                                        </p:tgtEl>
+                                        <p:attrNameLst>
+                                          <p:attrName>style.visibility</p:attrName>
+                                        </p:attrNameLst>
+                                      </p:cBhvr>
+                                      <p:to>
+                                        <p:strVal val="visible"/>
+                                      </p:to>
+                                    </p:set>
+                                    <p:animEffect transition="in" filter="fade">
+                                      <p:cBhvr>
+                                        <p:cTn id="12" dur="2000"/>
+                                        <p:tgtEl>
+                                          <p:spTgt spid="3">
+                                            <p:txEl>
+                                              <p:pRg st="1" end="1"/>
+                                            </p:txEl>
+                                          </p:spTgt>
+                                        </p:tgtEl>
+                                      </p:cBhvr>
+                                    </p:animEffect>
+                                    <p:anim calcmode="lin" valueType="num">
+                                      <p:cBhvr>
+                                        <p:cTn id="13" dur="2000" fill="hold"/>
+                                        <p:tgtEl>
+                                          <p:spTgt spid="3">
+                                            <p:txEl>
+                                              <p:pRg st="1" end="1"/>
+                                            </p:txEl>
+                                          </p:spTgt>
+                                        </p:tgtEl>
+                                        <p:attrNameLst>
+                                          <p:attrName>ppt_w</p:attrName>
+                                        </p:attrNameLst>
+                                      </p:cBhvr>
+                                      <p:tavLst>
+                                        <p:tav tm="0" fmla="#ppt_w*sin(2.5*pi*$)">
+                                          <p:val>
+                                            <p:fltVal val="0"/>
+                                          </p:val>
+                                        </p:tav>
+                                        <p:tav tm="100000">
+                                          <p:val>
+                                            <p:fltVal val="1"/>
+                                          </p:val>
+                                        </p:tav>
+                                      </p:tavLst>
+                                    </p:anim>
+                                    <p:anim calcmode="lin" valueType="num">
+                                      <p:cBhvr>
+                                        <p:cTn id="14" dur="2000" fill="hold"/>
+                                        <p:tgtEl>
+                                          <p:spTgt spid="3">
+                                            <p:txEl>
+                                              <p:pRg st="1" end="1"/>
+                                            </p:txEl>
+                                          </p:spTgt>
+                                        </p:tgtEl>
+                                        <p:attrNameLst>
+                                          <p:attrName>ppt_h</p:attrName>
+                                        </p:attrNameLst>
+                                      </p:cBhvr>
+                                      <p:tavLst>
+                                        <p:tav tm="0">
+                                          <p:val>
+                                            <p:strVal val="#ppt_h"/>
+                                          </p:val>
+                                        </p:tav>
+                                        <p:tav tm="100000">
+                                          <p:val>
+                                            <p:strVal val="#ppt_h"/>
+                                          </p:val>
+                                        </p:tav>
+                                      </p:tavLst>
+                                    </p:anim>
+                                  </p:childTnLst>
+                                </p:cTn>
+                              </p:par>
+                              <p:par>
+                                <p:cTn id="15" presetID="45" presetClass="entr" presetSubtype="0" fill="hold" grpId="0" nodeType="withEffect">
+                                  <p:stCondLst>
+                                    <p:cond delay="0"/>
+                                  </p:stCondLst>
+                                  <p:childTnLst>
+                                    <p:set>
+                                      <p:cBhvr>
+                                        <p:cTn id="16" dur="1" fill="hold">
+                                          <p:stCondLst>
+                                            <p:cond delay="0"/>
+                                          </p:stCondLst>
+                                        </p:cTn>
+                                        <p:tgtEl>
+                                          <p:spTgt spid="3">
+                                            <p:txEl>
+                                              <p:pRg st="2" end="2"/>
+                                            </p:txEl>
+                                          </p:spTgt>
+                                        </p:tgtEl>
+                                        <p:attrNameLst>
+                                          <p:attrName>style.visibility</p:attrName>
+                                        </p:attrNameLst>
+                                      </p:cBhvr>
+                                      <p:to>
+                                        <p:strVal val="visible"/>
+                                      </p:to>
+                                    </p:set>
+                                    <p:animEffect transition="in" filter="fade">
+                                      <p:cBhvr>
+                                        <p:cTn id="17" dur="2000"/>
+                                        <p:tgtEl>
+                                          <p:spTgt spid="3">
+                                            <p:txEl>
+                                              <p:pRg st="2" end="2"/>
+                                            </p:txEl>
+                                          </p:spTgt>
+                                        </p:tgtEl>
+                                      </p:cBhvr>
+                                    </p:animEffect>
+                                    <p:anim calcmode="lin" valueType="num">
+                                      <p:cBhvr>
+                                        <p:cTn id="18" dur="2000" fill="hold"/>
+                                        <p:tgtEl>
+                                          <p:spTgt spid="3">
+                                            <p:txEl>
+                                              <p:pRg st="2" end="2"/>
+                                            </p:txEl>
+                                          </p:spTgt>
+                                        </p:tgtEl>
+                                        <p:attrNameLst>
+                                          <p:attrName>ppt_w</p:attrName>
+                                        </p:attrNameLst>
+                                      </p:cBhvr>
+                                      <p:tavLst>
+                                        <p:tav tm="0" fmla="#ppt_w*sin(2.5*pi*$)">
+                                          <p:val>
+                                            <p:fltVal val="0"/>
+                                          </p:val>
+                                        </p:tav>
+                                        <p:tav tm="100000">
+                                          <p:val>
+                                            <p:fltVal val="1"/>
+                                          </p:val>
+                                        </p:tav>
+                                      </p:tavLst>
+                                    </p:anim>
+                                    <p:anim calcmode="lin" valueType="num">
+                                      <p:cBhvr>
+                                        <p:cTn id="19" dur="2000" fill="hold"/>
+                                        <p:tgtEl>
+                                          <p:spTgt spid="3">
+                                            <p:txEl>
+                                              <p:pRg st="2" end="2"/>
+                                            </p:txEl>
+                                          </p:spTgt>
+                                        </p:tgtEl>
+                                        <p:attrNameLst>
+                                          <p:attrName>ppt_h</p:attrName>
+                                        </p:attrNameLst>
+                                      </p:cBhvr>
+                                      <p:tavLst>
+                                        <p:tav tm="0">
+                                          <p:val>
+                                            <p:strVal val="#ppt_h"/>
+                                          </p:val>
+                                        </p:tav>
+                                        <p:tav tm="100000">
+                                          <p:val>
+                                            <p:strVal val="#ppt_h"/>
+                                          </p:val>
+                                        </p:tav>
+                                      </p:tavLst>
+                                    </p:anim>
+                                  </p:childTnLst>
+                                </p:cTn>
+                              </p:par>
+                              <p:par>
+                                <p:cTn id="20" presetID="45" presetClass="entr" presetSubtype="0" fill="hold" grpId="0" nodeType="withEffect">
+                                  <p:stCondLst>
+                                    <p:cond delay="0"/>
+                                  </p:stCondLst>
+                                  <p:childTnLst>
+                                    <p:set>
+                                      <p:cBhvr>
+                                        <p:cTn id="21" dur="1" fill="hold">
+                                          <p:stCondLst>
+                                            <p:cond delay="0"/>
+                                          </p:stCondLst>
+                                        </p:cTn>
+                                        <p:tgtEl>
+                                          <p:spTgt spid="3">
+                                            <p:txEl>
+                                              <p:pRg st="3" end="3"/>
+                                            </p:txEl>
+                                          </p:spTgt>
+                                        </p:tgtEl>
+                                        <p:attrNameLst>
+                                          <p:attrName>style.visibility</p:attrName>
+                                        </p:attrNameLst>
+                                      </p:cBhvr>
+                                      <p:to>
+                                        <p:strVal val="visible"/>
+                                      </p:to>
+                                    </p:set>
+                                    <p:animEffect transition="in" filter="fade">
+                                      <p:cBhvr>
+                                        <p:cTn id="22" dur="2000"/>
+                                        <p:tgtEl>
+                                          <p:spTgt spid="3">
+                                            <p:txEl>
+                                              <p:pRg st="3" end="3"/>
+                                            </p:txEl>
+                                          </p:spTgt>
+                                        </p:tgtEl>
+                                      </p:cBhvr>
+                                    </p:animEffect>
+                                    <p:anim calcmode="lin" valueType="num">
+                                      <p:cBhvr>
+                                        <p:cTn id="23" dur="2000" fill="hold"/>
+                                        <p:tgtEl>
+                                          <p:spTgt spid="3">
+                                            <p:txEl>
+                                              <p:pRg st="3" end="3"/>
+                                            </p:txEl>
+                                          </p:spTgt>
+                                        </p:tgtEl>
+                                        <p:attrNameLst>
+                                          <p:attrName>ppt_w</p:attrName>
+                                        </p:attrNameLst>
+                                      </p:cBhvr>
+                                      <p:tavLst>
+                                        <p:tav tm="0" fmla="#ppt_w*sin(2.5*pi*$)">
+                                          <p:val>
+                                            <p:fltVal val="0"/>
+                                          </p:val>
+                                        </p:tav>
+                                        <p:tav tm="100000">
+                                          <p:val>
+                                            <p:fltVal val="1"/>
+                                          </p:val>
+                                        </p:tav>
+                                      </p:tavLst>
+                                    </p:anim>
+                                    <p:anim calcmode="lin" valueType="num">
+                                      <p:cBhvr>
+                                        <p:cTn id="24" dur="2000" fill="hold"/>
+                                        <p:tgtEl>
+                                          <p:spTgt spid="3">
+                                            <p:txEl>
+                                              <p:pRg st="3" end="3"/>
+                                            </p:txEl>
+                                          </p:spTgt>
+                                        </p:tgtEl>
+                                        <p:attrNameLst>
+                                          <p:attrName>ppt_h</p:attrName>
+                                        </p:attrNameLst>
+                                      </p:cBhvr>
+                                      <p:tavLst>
+                                        <p:tav tm="0">
+                                          <p:val>
+                                            <p:strVal val="#ppt_h"/>
+                                          </p:val>
+                                        </p:tav>
+                                        <p:tav tm="100000">
+                                          <p:val>
+                                            <p:strVal val="#ppt_h"/>
+                                          </p:val>
+                                        </p:tav>
+                                      </p:tavLst>
+                                    </p:anim>
+                                  </p:childTnLst>
+                                </p:cTn>
+                              </p:par>
+                              <p:par>
+                                <p:cTn id="25" presetID="45" presetClass="entr" presetSubtype="0" fill="hold" grpId="0" nodeType="withEffect">
+                                  <p:stCondLst>
+                                    <p:cond delay="0"/>
+                                  </p:stCondLst>
+                                  <p:childTnLst>
+                                    <p:set>
+                                      <p:cBhvr>
+                                        <p:cTn id="26" dur="1" fill="hold">
+                                          <p:stCondLst>
+                                            <p:cond delay="0"/>
+                                          </p:stCondLst>
+                                        </p:cTn>
+                                        <p:tgtEl>
+                                          <p:spTgt spid="3">
+                                            <p:txEl>
+                                              <p:pRg st="4" end="4"/>
+                                            </p:txEl>
+                                          </p:spTgt>
+                                        </p:tgtEl>
+                                        <p:attrNameLst>
+                                          <p:attrName>style.visibility</p:attrName>
+                                        </p:attrNameLst>
+                                      </p:cBhvr>
+                                      <p:to>
+                                        <p:strVal val="visible"/>
+                                      </p:to>
+                                    </p:set>
+                                    <p:animEffect transition="in" filter="fade">
+                                      <p:cBhvr>
+                                        <p:cTn id="27" dur="2000"/>
+                                        <p:tgtEl>
+                                          <p:spTgt spid="3">
+                                            <p:txEl>
+                                              <p:pRg st="4" end="4"/>
+                                            </p:txEl>
+                                          </p:spTgt>
+                                        </p:tgtEl>
+                                      </p:cBhvr>
+                                    </p:animEffect>
+                                    <p:anim calcmode="lin" valueType="num">
+                                      <p:cBhvr>
+                                        <p:cTn id="28" dur="2000" fill="hold"/>
+                                        <p:tgtEl>
+                                          <p:spTgt spid="3">
+                                            <p:txEl>
+                                              <p:pRg st="4" end="4"/>
+                                            </p:txEl>
+                                          </p:spTgt>
+                                        </p:tgtEl>
+                                        <p:attrNameLst>
+                                          <p:attrName>ppt_w</p:attrName>
+                                        </p:attrNameLst>
+                                      </p:cBhvr>
+                                      <p:tavLst>
+                                        <p:tav tm="0" fmla="#ppt_w*sin(2.5*pi*$)">
+                                          <p:val>
+                                            <p:fltVal val="0"/>
+                                          </p:val>
+                                        </p:tav>
+                                        <p:tav tm="100000">
+                                          <p:val>
+                                            <p:fltVal val="1"/>
+                                          </p:val>
+                                        </p:tav>
+                                      </p:tavLst>
+                                    </p:anim>
+                                    <p:anim calcmode="lin" valueType="num">
+                                      <p:cBhvr>
+                                        <p:cTn id="29" dur="2000" fill="hold"/>
+                                        <p:tgtEl>
+                                          <p:spTgt spid="3">
+                                            <p:txEl>
+                                              <p:pRg st="4" end="4"/>
+                                            </p:txEl>
+                                          </p:spTgt>
+                                        </p:tgtEl>
+                                        <p:attrNameLst>
+                                          <p:attrName>ppt_h</p:attrName>
+                                        </p:attrNameLst>
+                                      </p:cBhvr>
+                                      <p:tavLst>
+                                        <p:tav tm="0">
+                                          <p:val>
+                                            <p:strVal val="#ppt_h"/>
+                                          </p:val>
+                                        </p:tav>
+                                        <p:tav tm="100000">
+                                          <p:val>
+                                            <p:strVal val="#ppt_h"/>
+                                          </p:val>
+                                        </p:tav>
+                                      </p:tavLst>
+                                    </p:anim>
+                                  </p:childTnLst>
+                                </p:cTn>
+                              </p:par>
+                              <p:par>
+                                <p:cTn id="30" presetID="45" presetClass="entr" presetSubtype="0" fill="hold" grpId="0" nodeType="withEffect">
+                                  <p:stCondLst>
+                                    <p:cond delay="0"/>
+                                  </p:stCondLst>
+                                  <p:childTnLst>
+                                    <p:set>
+                                      <p:cBhvr>
+                                        <p:cTn id="31" dur="1" fill="hold">
+                                          <p:stCondLst>
+                                            <p:cond delay="0"/>
+                                          </p:stCondLst>
+                                        </p:cTn>
+                                        <p:tgtEl>
+                                          <p:spTgt spid="3">
+                                            <p:txEl>
+                                              <p:pRg st="5" end="5"/>
+                                            </p:txEl>
+                                          </p:spTgt>
+                                        </p:tgtEl>
+                                        <p:attrNameLst>
+                                          <p:attrName>style.visibility</p:attrName>
+                                        </p:attrNameLst>
+                                      </p:cBhvr>
+                                      <p:to>
+                                        <p:strVal val="visible"/>
+                                      </p:to>
+                                    </p:set>
+                                    <p:animEffect transition="in" filter="fade">
+                                      <p:cBhvr>
+                                        <p:cTn id="32" dur="2000"/>
+                                        <p:tgtEl>
+                                          <p:spTgt spid="3">
+                                            <p:txEl>
+                                              <p:pRg st="5" end="5"/>
+                                            </p:txEl>
+                                          </p:spTgt>
+                                        </p:tgtEl>
+                                      </p:cBhvr>
+                                    </p:animEffect>
+                                    <p:anim calcmode="lin" valueType="num">
+                                      <p:cBhvr>
+                                        <p:cTn id="33" dur="2000" fill="hold"/>
+                                        <p:tgtEl>
+                                          <p:spTgt spid="3">
+                                            <p:txEl>
+                                              <p:pRg st="5" end="5"/>
+                                            </p:txEl>
+                                          </p:spTgt>
+                                        </p:tgtEl>
+                                        <p:attrNameLst>
+                                          <p:attrName>ppt_w</p:attrName>
+                                        </p:attrNameLst>
+                                      </p:cBhvr>
+                                      <p:tavLst>
+                                        <p:tav tm="0" fmla="#ppt_w*sin(2.5*pi*$)">
+                                          <p:val>
+                                            <p:fltVal val="0"/>
+                                          </p:val>
+                                        </p:tav>
+                                        <p:tav tm="100000">
+                                          <p:val>
+                                            <p:fltVal val="1"/>
+                                          </p:val>
+                                        </p:tav>
+                                      </p:tavLst>
+                                    </p:anim>
+                                    <p:anim calcmode="lin" valueType="num">
+                                      <p:cBhvr>
+                                        <p:cTn id="34" dur="2000" fill="hold"/>
+                                        <p:tgtEl>
+                                          <p:spTgt spid="3">
+                                            <p:txEl>
+                                              <p:pRg st="5" end="5"/>
+                                            </p:txEl>
+                                          </p:spTgt>
+                                        </p:tgtEl>
+                                        <p:attrNameLst>
+                                          <p:attrName>ppt_h</p:attrName>
+                                        </p:attrNameLst>
+                                      </p:cBhvr>
+                                      <p:tavLst>
+                                        <p:tav tm="0">
+                                          <p:val>
+                                            <p:strVal val="#ppt_h"/>
+                                          </p:val>
+                                        </p:tav>
+                                        <p:tav tm="100000">
+                                          <p:val>
+                                            <p:strVal val="#ppt_h"/>
+                                          </p:val>
+                                        </p:tav>
+                                      </p:tavLst>
+                                    </p:anim>
+                                  </p:childTnLst>
+                                </p:cTn>
+                              </p:par>
+                              <p:par>
+                                <p:cTn id="35" presetID="45" presetClass="entr" presetSubtype="0" fill="hold" grpId="0" nodeType="withEffect">
+                                  <p:stCondLst>
+                                    <p:cond delay="0"/>
+                                  </p:stCondLst>
+                                  <p:childTnLst>
+                                    <p:set>
+                                      <p:cBhvr>
+                                        <p:cTn id="36" dur="1" fill="hold">
+                                          <p:stCondLst>
+                                            <p:cond delay="0"/>
+                                          </p:stCondLst>
+                                        </p:cTn>
+                                        <p:tgtEl>
+                                          <p:spTgt spid="3">
+                                            <p:txEl>
+                                              <p:pRg st="6" end="6"/>
+                                            </p:txEl>
+                                          </p:spTgt>
+                                        </p:tgtEl>
+                                        <p:attrNameLst>
+                                          <p:attrName>style.visibility</p:attrName>
+                                        </p:attrNameLst>
+                                      </p:cBhvr>
+                                      <p:to>
+                                        <p:strVal val="visible"/>
+                                      </p:to>
+                                    </p:set>
+                                    <p:animEffect transition="in" filter="fade">
+                                      <p:cBhvr>
+                                        <p:cTn id="37" dur="2000"/>
+                                        <p:tgtEl>
+                                          <p:spTgt spid="3">
+                                            <p:txEl>
+                                              <p:pRg st="6" end="6"/>
+                                            </p:txEl>
+                                          </p:spTgt>
+                                        </p:tgtEl>
+                                      </p:cBhvr>
+                                    </p:animEffect>
+                                    <p:anim calcmode="lin" valueType="num">
+                                      <p:cBhvr>
+                                        <p:cTn id="38" dur="2000" fill="hold"/>
+                                        <p:tgtEl>
+                                          <p:spTgt spid="3">
+                                            <p:txEl>
+                                              <p:pRg st="6" end="6"/>
+                                            </p:txEl>
+                                          </p:spTgt>
+                                        </p:tgtEl>
+                                        <p:attrNameLst>
+                                          <p:attrName>ppt_w</p:attrName>
+                                        </p:attrNameLst>
+                                      </p:cBhvr>
+                                      <p:tavLst>
+                                        <p:tav tm="0" fmla="#ppt_w*sin(2.5*pi*$)">
+                                          <p:val>
+                                            <p:fltVal val="0"/>
+                                          </p:val>
+                                        </p:tav>
+                                        <p:tav tm="100000">
+                                          <p:val>
+                                            <p:fltVal val="1"/>
+                                          </p:val>
+                                        </p:tav>
+                                      </p:tavLst>
+                                    </p:anim>
+                                    <p:anim calcmode="lin" valueType="num">
+                                      <p:cBhvr>
+                                        <p:cTn id="39" dur="2000" fill="hold"/>
+                                        <p:tgtEl>
+                                          <p:spTgt spid="3">
+                                            <p:txEl>
+                                              <p:pRg st="6" end="6"/>
+                                            </p:txEl>
+                                          </p:spTgt>
+                                        </p:tgtEl>
+                                        <p:attrNameLst>
+                                          <p:attrName>ppt_h</p:attrName>
+                                        </p:attrNameLst>
+                                      </p:cBhvr>
+                                      <p:tavLst>
+                                        <p:tav tm="0">
+                                          <p:val>
+                                            <p:strVal val="#ppt_h"/>
+                                          </p:val>
+                                        </p:tav>
+                                        <p:tav tm="100000">
+                                          <p:val>
+                                            <p:strVal val="#ppt_h"/>
+                                          </p:val>
+                                        </p:tav>
+                                      </p:tavLst>
+                                    </p:anim>
+                                  </p:childTnLst>
+                                </p:cTn>
+                              </p:par>
+                            </p:childTnLst>
+                          </p:cTn>
+                        </p:par>
+                      </p:childTnLst>
+                    </p:cTn>
+                  </p:par>
+                </p:childTnLst>
+              </p:cTn>
+              <p:prevCondLst>
+                <p:cond evt="onPrev" delay="0">
+                  <p:tgtEl>
+                    <p:sldTgt/>
+                  </p:tgtEl>
+                </p:cond>
+              </p:prevCondLst>
+              <p:nextCondLst>
+                <p:cond evt="onNext" delay="0">
+                  <p:tgtEl>
+                    <p:sldTgt/>
+                  </p:tgtEl>
+                </p:cond>
+              </p:nextCondLst>
+            </p:seq>
+          </p:childTnLst>
+        </p:cTn>
+      </p:par>
+    </p:tnLst>
+    <p:bldLst>
+      <p:bldP spid="3" grpId="0" uiExpand="1" build="p"/>
+    </p:bldLst>
+  </p:timing>
+</p:sld>
+</file>
+
+<file path=ppt/slides/slide6.xml><?xml version="1.0" encoding="utf-8"?>
+<p:sld xmlns:a="http://schemas.openxmlformats.org/drawingml/2006/main" xmlns:r="http://schemas.openxmlformats.org/officeDocument/2006/relationships" xmlns:p="http://schemas.openxmlformats.org/presentationml/2006/main">
+  <p:cSld>
+    <p:spTree>
+      <p:nvGrpSpPr>
+        <p:cNvPr id="1" name=""/>
+        <p:cNvGrpSpPr/>
+        <p:nvPr/>
+      </p:nvGrpSpPr>
+      <p:grpSpPr>
+        <a:xfrm>
+          <a:off x="0" y="0"/>
+          <a:ext cx="0" cy="0"/>
+          <a:chOff x="0" y="0"/>
+          <a:chExt cx="0" cy="0"/>
+        </a:xfrm>
+      </p:grpSpPr>
+      <p:sp>
+        <p:nvSpPr>
+          <p:cNvPr id="2" name="Title 1">
+            <a:extLst>
+              <a:ext uri="{FF2B5EF4-FFF2-40B4-BE49-F238E27FC236}">
+                <a16:creationId xmlns:a16="http://schemas.microsoft.com/office/drawing/2014/main" id="{2EDC768A-3EBB-CF10-D866-2DC93D2AACCE}"/>
+              </a:ext>
+            </a:extLst>
+          </p:cNvPr>
+          <p:cNvSpPr>
+            <a:spLocks noGrp="1"/>
+          </p:cNvSpPr>
+          <p:nvPr>
+            <p:ph type="title"/>
+          </p:nvPr>
+        </p:nvSpPr>
+        <p:spPr/>
+        <p:txBody>
+          <a:bodyPr/>
+          <a:lstStyle/>
+          <a:p>
+            <a:r>
+              <a:rPr lang="en-US" dirty="0"/>
+              <a:t>How Programming Changes the World</a:t>
+            </a:r>
+            <a:endParaRPr lang="en-IE" dirty="0"/>
+          </a:p>
+        </p:txBody>
+      </p:sp>
+      <p:sp>
+        <p:nvSpPr>
+          <p:cNvPr id="3" name="Content Placeholder 2">
+            <a:extLst>
+              <a:ext uri="{FF2B5EF4-FFF2-40B4-BE49-F238E27FC236}">
+                <a16:creationId xmlns:a16="http://schemas.microsoft.com/office/drawing/2014/main" id="{6E7E5477-B16D-5E7E-BBF2-404CCB21F927}"/>
+              </a:ext>
+            </a:extLst>
+          </p:cNvPr>
+          <p:cNvSpPr>
+            <a:spLocks noGrp="1"/>
+          </p:cNvSpPr>
+          <p:nvPr>
+            <p:ph sz="half" idx="1"/>
+          </p:nvPr>
+        </p:nvSpPr>
+        <p:spPr>
+          <a:xfrm>
+            <a:off x="609600" y="1600201"/>
+            <a:ext cx="8763000" cy="4525963"/>
+          </a:xfrm>
+        </p:spPr>
+        <p:txBody>
+          <a:bodyPr/>
+          <a:lstStyle/>
+          <a:p>
+            <a:r>
+              <a:rPr lang="en-US" b="1" dirty="0"/>
+              <a:t>Apps built by students -</a:t>
+            </a:r>
+            <a:r>
+              <a:rPr lang="en-US" dirty="0"/>
+              <a:t> TikTok started by college-age developers</a:t>
+            </a:r>
+          </a:p>
+          <a:p>
+            <a:r>
+              <a:rPr lang="en-IE" b="1" dirty="0"/>
+              <a:t>Websites and Mobile Apps - </a:t>
+            </a:r>
+            <a:r>
+              <a:rPr lang="en-US" dirty="0"/>
+              <a:t>over 1.7 billion websites on the internet</a:t>
+            </a:r>
+            <a:endParaRPr lang="en-IE" b="1" dirty="0"/>
+          </a:p>
+          <a:p>
+            <a:r>
+              <a:rPr lang="en-IE" b="1" dirty="0"/>
+              <a:t>Digital Assistants - </a:t>
+            </a:r>
+            <a:r>
+              <a:rPr lang="en-IE" dirty="0"/>
+              <a:t>Siri, Alexa, Google Assistant</a:t>
+            </a:r>
+          </a:p>
+          <a:p>
+            <a:r>
+              <a:rPr lang="en-IE" b="1" dirty="0"/>
+              <a:t>Exploring Space - </a:t>
+            </a:r>
+            <a:r>
+              <a:rPr lang="en-US" dirty="0"/>
+              <a:t>Artemis program, where Python is being used to get a better idea of the moon</a:t>
+            </a:r>
+          </a:p>
+          <a:p>
+            <a:r>
+              <a:rPr lang="en-IE" b="1" dirty="0"/>
+              <a:t>Solving Business Challenges</a:t>
+            </a:r>
+          </a:p>
+          <a:p>
+            <a:r>
+              <a:rPr lang="en-IE" b="1" dirty="0"/>
+              <a:t>Transportation &amp; Accommodation – </a:t>
+            </a:r>
+            <a:r>
+              <a:rPr lang="en-IE" dirty="0"/>
+              <a:t>Uber, booking.com</a:t>
+            </a:r>
+          </a:p>
+          <a:p>
+            <a:endParaRPr lang="en-IE" b="1" dirty="0"/>
+          </a:p>
+          <a:p>
+            <a:endParaRPr lang="en-IE" b="1" dirty="0"/>
+          </a:p>
+          <a:p>
+            <a:endParaRPr lang="en-IE" b="1" dirty="0"/>
+          </a:p>
+        </p:txBody>
+      </p:sp>
+      <p:pic>
+        <p:nvPicPr>
+          <p:cNvPr id="5122" name="Picture 2" descr="Coding Can Change the World: A Story ...">
+            <a:extLst>
+              <a:ext uri="{FF2B5EF4-FFF2-40B4-BE49-F238E27FC236}">
+                <a16:creationId xmlns:a16="http://schemas.microsoft.com/office/drawing/2014/main" id="{A7FA6687-BE4A-8FB3-7D80-9745F521B52B}"/>
+              </a:ext>
+            </a:extLst>
+          </p:cNvPr>
+          <p:cNvPicPr>
+            <a:picLocks noChangeAspect="1" noChangeArrowheads="1"/>
+          </p:cNvPicPr>
+          <p:nvPr/>
+        </p:nvPicPr>
+        <p:blipFill>
+          <a:blip r:embed="rId3">
+            <a:extLst>
+              <a:ext uri="{28A0092B-C50C-407E-A947-70E740481C1C}">
+                <a14:useLocalDpi xmlns:a14="http://schemas.microsoft.com/office/drawing/2010/main" val="0"/>
+              </a:ext>
+            </a:extLst>
+          </a:blip>
+          <a:srcRect/>
+          <a:stretch>
+            <a:fillRect/>
+          </a:stretch>
+        </p:blipFill>
+        <p:spPr bwMode="auto">
+          <a:xfrm>
+            <a:off x="9525000" y="1391005"/>
+            <a:ext cx="2371725" cy="4861263"/>
+          </a:xfrm>
+          <a:prstGeom prst="rect">
+            <a:avLst/>
+          </a:prstGeom>
+          <a:noFill/>
+          <a:extLst>
+            <a:ext uri="{909E8E84-426E-40DD-AFC4-6F175D3DCCD1}">
+              <a14:hiddenFill xmlns:a14="http://schemas.microsoft.com/office/drawing/2010/main">
+                <a:solidFill>
+                  <a:srgbClr val="FFFFFF"/>
+                </a:solidFill>
+              </a14:hiddenFill>
+            </a:ext>
+          </a:extLst>
+        </p:spPr>
+      </p:pic>
+    </p:spTree>
+    <p:extLst>
+      <p:ext uri="{BB962C8B-B14F-4D97-AF65-F5344CB8AC3E}">
+        <p14:creationId xmlns:p14="http://schemas.microsoft.com/office/powerpoint/2010/main" val="2621038934"/>
+      </p:ext>
+    </p:extLst>
+  </p:cSld>
+  <p:clrMapOvr>
+    <a:masterClrMapping/>
+  </p:clrMapOvr>
+  <p:timing>
+    <p:tnLst>
+      <p:par>
+        <p:cTn id="1" dur="indefinite" restart="never" nodeType="tmRoot">
+          <p:childTnLst>
+            <p:seq concurrent="1" nextAc="seek">
+              <p:cTn id="2" dur="indefinite" nodeType="mainSeq">
+                <p:childTnLst>
+                  <p:par>
+                    <p:cTn id="3" fill="hold">
+                      <p:stCondLst>
+                        <p:cond delay="indefinite"/>
+                      </p:stCondLst>
+                      <p:childTnLst>
+                        <p:par>
+                          <p:cTn id="4" fill="hold">
+                            <p:stCondLst>
+                              <p:cond delay="0"/>
+                            </p:stCondLst>
+                            <p:childTnLst>
+                              <p:par>
+                                <p:cTn id="5" presetID="22" presetClass="entr" presetSubtype="4" fill="hold" grpId="0" nodeType="clickEffect">
+                                  <p:stCondLst>
+                                    <p:cond delay="0"/>
+                                  </p:stCondLst>
+                                  <p:childTnLst>
+                                    <p:set>
+                                      <p:cBhvr>
+                                        <p:cTn id="6" dur="1" fill="hold">
+                                          <p:stCondLst>
+                                            <p:cond delay="0"/>
+                                          </p:stCondLst>
+                                        </p:cTn>
+                                        <p:tgtEl>
+                                          <p:spTgt spid="3">
+                                            <p:txEl>
+                                              <p:pRg st="0" end="0"/>
+                                            </p:txEl>
+                                          </p:spTgt>
+                                        </p:tgtEl>
+                                        <p:attrNameLst>
+                                          <p:attrName>style.visibility</p:attrName>
+                                        </p:attrNameLst>
+                                      </p:cBhvr>
+                                      <p:to>
+                                        <p:strVal val="visible"/>
+                                      </p:to>
+                                    </p:set>
+                                    <p:animEffect transition="in" filter="wipe(down)">
+                                      <p:cBhvr>
+                                        <p:cTn id="7" dur="500"/>
+                                        <p:tgtEl>
+                                          <p:spTgt spid="3">
+                                            <p:txEl>
+                                              <p:pRg st="0" end="0"/>
+                                            </p:txEl>
+                                          </p:spTgt>
+                                        </p:tgtEl>
+                                      </p:cBhvr>
+                                    </p:animEffect>
+                                  </p:childTnLst>
+                                </p:cTn>
+                              </p:par>
+                            </p:childTnLst>
+                          </p:cTn>
+                        </p:par>
+                      </p:childTnLst>
+                    </p:cTn>
+                  </p:par>
+                  <p:par>
+                    <p:cTn id="8" fill="hold">
+                      <p:stCondLst>
+                        <p:cond delay="indefinite"/>
+                      </p:stCondLst>
+                      <p:childTnLst>
+                        <p:par>
+                          <p:cTn id="9" fill="hold">
+                            <p:stCondLst>
+                              <p:cond delay="0"/>
+                            </p:stCondLst>
+                            <p:childTnLst>
+                              <p:par>
+                                <p:cTn id="10" presetID="22" presetClass="entr" presetSubtype="4" fill="hold" grpId="0" nodeType="clickEffect">
+                                  <p:stCondLst>
+                                    <p:cond delay="0"/>
+                                  </p:stCondLst>
+                                  <p:childTnLst>
+                                    <p:set>
+                                      <p:cBhvr>
+                                        <p:cTn id="11" dur="1" fill="hold">
+                                          <p:stCondLst>
+                                            <p:cond delay="0"/>
+                                          </p:stCondLst>
+                                        </p:cTn>
+                                        <p:tgtEl>
+                                          <p:spTgt spid="3">
+                                            <p:txEl>
+                                              <p:pRg st="1" end="1"/>
+                                            </p:txEl>
+                                          </p:spTgt>
+                                        </p:tgtEl>
+                                        <p:attrNameLst>
+                                          <p:attrName>style.visibility</p:attrName>
+                                        </p:attrNameLst>
+                                      </p:cBhvr>
+                                      <p:to>
+                                        <p:strVal val="visible"/>
+                                      </p:to>
+                                    </p:set>
+                                    <p:animEffect transition="in" filter="wipe(down)">
+                                      <p:cBhvr>
+                                        <p:cTn id="12" dur="500"/>
+                                        <p:tgtEl>
+                                          <p:spTgt spid="3">
+                                            <p:txEl>
+                                              <p:pRg st="1" end="1"/>
+                                            </p:txEl>
+                                          </p:spTgt>
+                                        </p:tgtEl>
+                                      </p:cBhvr>
+                                    </p:animEffect>
+                                  </p:childTnLst>
+                                </p:cTn>
+                              </p:par>
+                            </p:childTnLst>
+                          </p:cTn>
+                        </p:par>
+                      </p:childTnLst>
+                    </p:cTn>
+                  </p:par>
+                  <p:par>
+                    <p:cTn id="13" fill="hold">
+                      <p:stCondLst>
+                        <p:cond delay="indefinite"/>
+                      </p:stCondLst>
+                      <p:childTnLst>
+                        <p:par>
+                          <p:cTn id="14" fill="hold">
+                            <p:stCondLst>
+                              <p:cond delay="0"/>
+                            </p:stCondLst>
+                            <p:childTnLst>
+                              <p:par>
+                                <p:cTn id="15" presetID="22" presetClass="entr" presetSubtype="4" fill="hold" grpId="0" nodeType="clickEffect">
+                                  <p:stCondLst>
+                                    <p:cond delay="0"/>
+                                  </p:stCondLst>
+                                  <p:childTnLst>
+                                    <p:set>
+                                      <p:cBhvr>
+                                        <p:cTn id="16" dur="1" fill="hold">
+                                          <p:stCondLst>
+                                            <p:cond delay="0"/>
+                                          </p:stCondLst>
+                                        </p:cTn>
+                                        <p:tgtEl>
+                                          <p:spTgt spid="3">
+                                            <p:txEl>
+                                              <p:pRg st="2" end="2"/>
+                                            </p:txEl>
+                                          </p:spTgt>
+                                        </p:tgtEl>
+                                        <p:attrNameLst>
+                                          <p:attrName>style.visibility</p:attrName>
+                                        </p:attrNameLst>
+                                      </p:cBhvr>
+                                      <p:to>
+                                        <p:strVal val="visible"/>
+                                      </p:to>
+                                    </p:set>
+                                    <p:animEffect transition="in" filter="wipe(down)">
+                                      <p:cBhvr>
+                                        <p:cTn id="17" dur="500"/>
+                                        <p:tgtEl>
+                                          <p:spTgt spid="3">
+                                            <p:txEl>
+                                              <p:pRg st="2" end="2"/>
+                                            </p:txEl>
+                                          </p:spTgt>
+                                        </p:tgtEl>
+                                      </p:cBhvr>
+                                    </p:animEffect>
+                                  </p:childTnLst>
+                                </p:cTn>
+                              </p:par>
+                            </p:childTnLst>
+                          </p:cTn>
+                        </p:par>
+                      </p:childTnLst>
+                    </p:cTn>
+                  </p:par>
+                  <p:par>
+                    <p:cTn id="18" fill="hold">
+                      <p:stCondLst>
+                        <p:cond delay="indefinite"/>
+                      </p:stCondLst>
+                      <p:childTnLst>
+                        <p:par>
+                          <p:cTn id="19" fill="hold">
+                            <p:stCondLst>
+                              <p:cond delay="0"/>
+                            </p:stCondLst>
+                            <p:childTnLst>
+                              <p:par>
+                                <p:cTn id="20" presetID="22" presetClass="entr" presetSubtype="4" fill="hold" grpId="0" nodeType="clickEffect">
+                                  <p:stCondLst>
+                                    <p:cond delay="0"/>
+                                  </p:stCondLst>
+                                  <p:childTnLst>
+                                    <p:set>
+                                      <p:cBhvr>
+                                        <p:cTn id="21" dur="1" fill="hold">
+                                          <p:stCondLst>
+                                            <p:cond delay="0"/>
+                                          </p:stCondLst>
+                                        </p:cTn>
+                                        <p:tgtEl>
+                                          <p:spTgt spid="3">
+                                            <p:txEl>
+                                              <p:pRg st="3" end="3"/>
+                                            </p:txEl>
+                                          </p:spTgt>
+                                        </p:tgtEl>
+                                        <p:attrNameLst>
+                                          <p:attrName>style.visibility</p:attrName>
+                                        </p:attrNameLst>
+                                      </p:cBhvr>
+                                      <p:to>
+                                        <p:strVal val="visible"/>
+                                      </p:to>
+                                    </p:set>
+                                    <p:animEffect transition="in" filter="wipe(down)">
+                                      <p:cBhvr>
+                                        <p:cTn id="22" dur="500"/>
+                                        <p:tgtEl>
+                                          <p:spTgt spid="3">
+                                            <p:txEl>
+                                              <p:pRg st="3" end="3"/>
+                                            </p:txEl>
+                                          </p:spTgt>
+                                        </p:tgtEl>
+                                      </p:cBhvr>
+                                    </p:animEffect>
+                                  </p:childTnLst>
+                                </p:cTn>
+                              </p:par>
+                            </p:childTnLst>
+                          </p:cTn>
+                        </p:par>
+                      </p:childTnLst>
+                    </p:cTn>
+                  </p:par>
+                  <p:par>
+                    <p:cTn id="23" fill="hold">
+                      <p:stCondLst>
+                        <p:cond delay="indefinite"/>
+                      </p:stCondLst>
+                      <p:childTnLst>
+                        <p:par>
+                          <p:cTn id="24" fill="hold">
+                            <p:stCondLst>
+                              <p:cond delay="0"/>
+                            </p:stCondLst>
+                            <p:childTnLst>
+                              <p:par>
+                                <p:cTn id="25" presetID="22" presetClass="entr" presetSubtype="4" fill="hold" grpId="0" nodeType="clickEffect">
+                                  <p:stCondLst>
+                                    <p:cond delay="0"/>
+                                  </p:stCondLst>
+                                  <p:childTnLst>
+                                    <p:set>
+                                      <p:cBhvr>
+                                        <p:cTn id="26" dur="1" fill="hold">
+                                          <p:stCondLst>
+                                            <p:cond delay="0"/>
+                                          </p:stCondLst>
+                                        </p:cTn>
+                                        <p:tgtEl>
+                                          <p:spTgt spid="3">
+                                            <p:txEl>
+                                              <p:pRg st="4" end="4"/>
+                                            </p:txEl>
+                                          </p:spTgt>
+                                        </p:tgtEl>
+                                        <p:attrNameLst>
+                                          <p:attrName>style.visibility</p:attrName>
+                                        </p:attrNameLst>
+                                      </p:cBhvr>
+                                      <p:to>
+                                        <p:strVal val="visible"/>
+                                      </p:to>
+                                    </p:set>
+                                    <p:animEffect transition="in" filter="wipe(down)">
+                                      <p:cBhvr>
+                                        <p:cTn id="27" dur="500"/>
+                                        <p:tgtEl>
+                                          <p:spTgt spid="3">
+                                            <p:txEl>
+                                              <p:pRg st="4" end="4"/>
+                                            </p:txEl>
+                                          </p:spTgt>
+                                        </p:tgtEl>
+                                      </p:cBhvr>
+                                    </p:animEffect>
+                                  </p:childTnLst>
+                                </p:cTn>
+                              </p:par>
+                            </p:childTnLst>
+                          </p:cTn>
+                        </p:par>
+                      </p:childTnLst>
+                    </p:cTn>
+                  </p:par>
+                  <p:par>
+                    <p:cTn id="28" fill="hold">
+                      <p:stCondLst>
+                        <p:cond delay="indefinite"/>
+                      </p:stCondLst>
+                      <p:childTnLst>
+                        <p:par>
+                          <p:cTn id="29" fill="hold">
+                            <p:stCondLst>
+                              <p:cond delay="0"/>
+                            </p:stCondLst>
+                            <p:childTnLst>
+                              <p:par>
+                                <p:cTn id="30" presetID="22" presetClass="entr" presetSubtype="4" fill="hold" grpId="0" nodeType="clickEffect">
+                                  <p:stCondLst>
+                                    <p:cond delay="0"/>
+                                  </p:stCondLst>
+                                  <p:childTnLst>
+                                    <p:set>
+                                      <p:cBhvr>
+                                        <p:cTn id="31" dur="1" fill="hold">
+                                          <p:stCondLst>
+                                            <p:cond delay="0"/>
+                                          </p:stCondLst>
+                                        </p:cTn>
+                                        <p:tgtEl>
+                                          <p:spTgt spid="3">
+                                            <p:txEl>
+                                              <p:pRg st="5" end="5"/>
+                                            </p:txEl>
+                                          </p:spTgt>
+                                        </p:tgtEl>
+                                        <p:attrNameLst>
+                                          <p:attrName>style.visibility</p:attrName>
+                                        </p:attrNameLst>
+                                      </p:cBhvr>
+                                      <p:to>
+                                        <p:strVal val="visible"/>
+                                      </p:to>
+                                    </p:set>
+                                    <p:animEffect transition="in" filter="wipe(down)">
+                                      <p:cBhvr>
+                                        <p:cTn id="32" dur="500"/>
+                                        <p:tgtEl>
+                                          <p:spTgt spid="3">
+                                            <p:txEl>
+                                              <p:pRg st="5" end="5"/>
+                                            </p:txEl>
+                                          </p:spTgt>
+                                        </p:tgtEl>
+                                      </p:cBhvr>
+                                    </p:animEffect>
+                                  </p:childTnLst>
+                                </p:cTn>
+                              </p:par>
+                            </p:childTnLst>
+                          </p:cTn>
+                        </p:par>
+                      </p:childTnLst>
+                    </p:cTn>
+                  </p:par>
+                </p:childTnLst>
+              </p:cTn>
+              <p:prevCondLst>
+                <p:cond evt="onPrev" delay="0">
+                  <p:tgtEl>
+                    <p:sldTgt/>
+                  </p:tgtEl>
+                </p:cond>
+              </p:prevCondLst>
+              <p:nextCondLst>
+                <p:cond evt="onNext" delay="0">
+                  <p:tgtEl>
+                    <p:sldTgt/>
+                  </p:tgtEl>
+                </p:cond>
+              </p:nextCondLst>
+            </p:seq>
+          </p:childTnLst>
+        </p:cTn>
+      </p:par>
+    </p:tnLst>
+    <p:bldLst>
+      <p:bldP spid="3" grpId="0" build="p"/>
+    </p:bldLst>
+  </p:timing>
+</p:sld>
+</file>
+
+<file path=ppt/slides/slide7.xml><?xml version="1.0" encoding="utf-8"?>
+<p:sld xmlns:a="http://schemas.openxmlformats.org/drawingml/2006/main" xmlns:r="http://schemas.openxmlformats.org/officeDocument/2006/relationships" xmlns:p="http://schemas.openxmlformats.org/presentationml/2006/main">
+  <p:cSld>
+    <p:spTree>
+      <p:nvGrpSpPr>
+        <p:cNvPr id="1" name=""/>
+        <p:cNvGrpSpPr/>
+        <p:nvPr/>
+      </p:nvGrpSpPr>
+      <p:grpSpPr>
+        <a:xfrm>
+          <a:off x="0" y="0"/>
+          <a:ext cx="0" cy="0"/>
+          <a:chOff x="0" y="0"/>
+          <a:chExt cx="0" cy="0"/>
+        </a:xfrm>
+      </p:grpSpPr>
+      <p:sp>
+        <p:nvSpPr>
+          <p:cNvPr id="2" name="Title 1">
+            <a:extLst>
+              <a:ext uri="{FF2B5EF4-FFF2-40B4-BE49-F238E27FC236}">
+                <a16:creationId xmlns:a16="http://schemas.microsoft.com/office/drawing/2014/main" id="{70CC2CF4-1E27-D63E-0F10-D430A6D5B05F}"/>
+              </a:ext>
+            </a:extLst>
+          </p:cNvPr>
+          <p:cNvSpPr>
+            <a:spLocks noGrp="1"/>
+          </p:cNvSpPr>
+          <p:nvPr>
+            <p:ph type="title"/>
+          </p:nvPr>
+        </p:nvSpPr>
+        <p:spPr>
+          <a:xfrm>
+            <a:off x="609600" y="274638"/>
+            <a:ext cx="10972800" cy="1143000"/>
+          </a:xfrm>
+        </p:spPr>
+        <p:txBody>
+          <a:bodyPr anchor="ctr">
+            <a:normAutofit/>
+          </a:bodyPr>
+          <a:lstStyle/>
+          <a:p>
+            <a:r>
+              <a:rPr lang="en-IE" dirty="0"/>
+              <a:t>What You’ll Do Today</a:t>
+            </a:r>
+          </a:p>
+        </p:txBody>
+      </p:sp>
+      <p:sp>
+        <p:nvSpPr>
+          <p:cNvPr id="3" name="Content Placeholder 2">
+            <a:extLst>
+              <a:ext uri="{FF2B5EF4-FFF2-40B4-BE49-F238E27FC236}">
+                <a16:creationId xmlns:a16="http://schemas.microsoft.com/office/drawing/2014/main" id="{3B282ABF-2C63-104B-60C7-EA4ACD1D934E}"/>
+              </a:ext>
+            </a:extLst>
+          </p:cNvPr>
+          <p:cNvSpPr>
+            <a:spLocks noGrp="1"/>
+          </p:cNvSpPr>
+          <p:nvPr>
+            <p:ph sz="half" idx="1"/>
+          </p:nvPr>
+        </p:nvSpPr>
+        <p:spPr>
+          <a:xfrm>
+            <a:off x="609600" y="1600201"/>
+            <a:ext cx="5384800" cy="4525963"/>
+          </a:xfrm>
+        </p:spPr>
+        <p:txBody>
+          <a:bodyPr>
+            <a:normAutofit/>
+          </a:bodyPr>
+          <a:lstStyle/>
+          <a:p>
+            <a:r>
+              <a:rPr lang="en-US" b="1" dirty="0"/>
+              <a:t>Today, you’ll become programmers.</a:t>
+            </a:r>
+          </a:p>
+          <a:p>
+            <a:endParaRPr lang="en-US" dirty="0"/>
+          </a:p>
+          <a:p>
+            <a:pPr lvl="1"/>
+            <a:r>
+              <a:rPr lang="en-US" sz="2800" dirty="0"/>
+              <a:t>Use Processing (Java)Draw shapes &amp; animations</a:t>
+            </a:r>
+          </a:p>
+          <a:p>
+            <a:pPr lvl="1"/>
+            <a:endParaRPr lang="en-US" sz="2800" dirty="0"/>
+          </a:p>
+          <a:p>
+            <a:pPr lvl="1"/>
+            <a:r>
+              <a:rPr lang="en-US" sz="2800" dirty="0"/>
+              <a:t>Make something move</a:t>
+            </a:r>
+            <a:endParaRPr lang="en-IE" sz="2800" dirty="0"/>
+          </a:p>
+        </p:txBody>
+      </p:sp>
+      <p:pic>
+        <p:nvPicPr>
+          <p:cNvPr id="6146" name="Picture 2" descr="Superhero programmer fighting virtual ...">
+            <a:extLst>
+              <a:ext uri="{FF2B5EF4-FFF2-40B4-BE49-F238E27FC236}">
+                <a16:creationId xmlns:a16="http://schemas.microsoft.com/office/drawing/2014/main" id="{A1EC27E4-A055-C0D8-E4C3-7D197167F215}"/>
+              </a:ext>
+            </a:extLst>
+          </p:cNvPr>
+          <p:cNvPicPr>
+            <a:picLocks noChangeAspect="1" noChangeArrowheads="1"/>
+          </p:cNvPicPr>
+          <p:nvPr/>
+        </p:nvPicPr>
+        <p:blipFill>
+          <a:blip r:embed="rId2">
+            <a:extLst>
+              <a:ext uri="{28A0092B-C50C-407E-A947-70E740481C1C}">
+                <a14:useLocalDpi xmlns:a14="http://schemas.microsoft.com/office/drawing/2010/main" val="0"/>
+              </a:ext>
+            </a:extLst>
+          </a:blip>
+          <a:srcRect t="14836" r="-2" b="1112"/>
+          <a:stretch>
+            <a:fillRect/>
+          </a:stretch>
+        </p:blipFill>
+        <p:spPr bwMode="auto">
+          <a:xfrm>
+            <a:off x="6197600" y="1600201"/>
+            <a:ext cx="5384800" cy="4525963"/>
+          </a:xfrm>
+          <a:prstGeom prst="rect">
+            <a:avLst/>
+          </a:prstGeom>
+          <a:solidFill>
+            <a:srgbClr val="FFFFFF"/>
+          </a:solidFill>
+          <a:extLst>
+            <a:ext uri="{909E8E84-426E-40DD-AFC4-6F175D3DCCD1}">
+              <a14:hiddenFill xmlns:a14="http://schemas.microsoft.com/office/drawing/2010/main">
+                <a:solidFill>
+                  <a:srgbClr val="FFFFFF"/>
+                </a:solidFill>
+              </a14:hiddenFill>
+            </a:ext>
+          </a:extLst>
+        </p:spPr>
+      </p:pic>
+    </p:spTree>
+    <p:extLst>
+      <p:ext uri="{BB962C8B-B14F-4D97-AF65-F5344CB8AC3E}">
+        <p14:creationId xmlns:p14="http://schemas.microsoft.com/office/powerpoint/2010/main" val="894535638"/>
+      </p:ext>
+    </p:extLst>
+  </p:cSld>
+  <p:clrMapOvr>
+    <a:masterClrMapping/>
+  </p:clrMapOvr>
+</p:sld>
+</file>
+
+<file path=ppt/slides/slide8.xml><?xml version="1.0" encoding="utf-8"?>
+<p:sld xmlns:a="http://schemas.openxmlformats.org/drawingml/2006/main" xmlns:r="http://schemas.openxmlformats.org/officeDocument/2006/relationships" xmlns:p="http://schemas.openxmlformats.org/presentationml/2006/main">
+  <p:cSld>
+    <p:bg>
+      <p:bgPr>
+        <a:solidFill>
+          <a:schemeClr val="bg1"/>
+        </a:solidFill>
+        <a:effectLst/>
+      </p:bgPr>
+    </p:bg>
+    <p:spTree>
+      <p:nvGrpSpPr>
+        <p:cNvPr id="1" name=""/>
+        <p:cNvGrpSpPr/>
+        <p:nvPr/>
+      </p:nvGrpSpPr>
+      <p:grpSpPr>
+        <a:xfrm>
+          <a:off x="0" y="0"/>
+          <a:ext cx="0" cy="0"/>
+          <a:chOff x="0" y="0"/>
+          <a:chExt cx="0" cy="0"/>
+        </a:xfrm>
+      </p:grpSpPr>
+      <p:sp useBgFill="1">
+        <p:nvSpPr>
+          <p:cNvPr id="10" name="Rectangle 9">
+            <a:extLst>
+              <a:ext uri="{FF2B5EF4-FFF2-40B4-BE49-F238E27FC236}">
+                <a16:creationId xmlns:a16="http://schemas.microsoft.com/office/drawing/2014/main" id="{53F29798-D584-4792-9B62-3F5F5C36D619}"/>
+              </a:ext>
+              <a:ext uri="{C183D7F6-B498-43B3-948B-1728B52AA6E4}">
+                <adec:decorative xmlns:adec="http://schemas.microsoft.com/office/drawing/2017/decorative" val="1"/>
+              </a:ext>
+            </a:extLst>
+          </p:cNvPr>
+          <p:cNvSpPr>
+            <a:spLocks noGrp="1" noRot="1" noChangeAspect="1" noMove="1" noResize="1" noEditPoints="1" noAdjustHandles="1" noChangeArrowheads="1" noChangeShapeType="1" noTextEdit="1"/>
+          </p:cNvSpPr>
+          <p:nvPr>
+            <p:extLst>
+              <p:ext uri="{386F3935-93C4-4BCD-93E2-E3B085C9AB24}">
+                <p16:designElem xmlns:p16="http://schemas.microsoft.com/office/powerpoint/2015/main" val="1"/>
+              </p:ext>
+            </p:extLst>
+          </p:nvPr>
+        </p:nvSpPr>
+        <p:spPr>
+          <a:xfrm>
+            <a:off x="0" y="0"/>
+            <a:ext cx="12188952" cy="6858000"/>
+          </a:xfrm>
+          <a:prstGeom prst="rect">
+            <a:avLst/>
+          </a:prstGeom>
+          <a:ln>
+            <a:noFill/>
+          </a:ln>
+        </p:spPr>
+        <p:style>
+          <a:lnRef idx="2">
+            <a:schemeClr val="accent1">
+              <a:shade val="50000"/>
+            </a:schemeClr>
+          </a:lnRef>
+          <a:fillRef idx="1">
+            <a:schemeClr val="accent1"/>
+          </a:fillRef>
+          <a:effectRef idx="0">
+            <a:schemeClr val="accent1"/>
+          </a:effectRef>
+          <a:fontRef idx="minor">
+            <a:schemeClr val="lt1"/>
+          </a:fontRef>
+        </p:style>
+        <p:txBody>
+          <a:bodyPr rtlCol="0" anchor="ctr"/>
+          <a:lstStyle/>
+          <a:p>
+            <a:pPr algn="ctr"/>
+            <a:endParaRPr lang="en-US"/>
+          </a:p>
+        </p:txBody>
+      </p:sp>
+      <p:pic>
+        <p:nvPicPr>
+          <p:cNvPr id="5" name="Picture 4">
+            <a:extLst>
+              <a:ext uri="{FF2B5EF4-FFF2-40B4-BE49-F238E27FC236}">
+                <a16:creationId xmlns:a16="http://schemas.microsoft.com/office/drawing/2014/main" id="{910F8821-3EF8-BF4D-3F50-F2D467FE301B}"/>
+              </a:ext>
+            </a:extLst>
+          </p:cNvPr>
+          <p:cNvPicPr>
+            <a:picLocks noChangeAspect="1"/>
+          </p:cNvPicPr>
+          <p:nvPr/>
+        </p:nvPicPr>
+        <p:blipFill>
+          <a:blip r:embed="rId2">
+            <a:extLst>
+              <a:ext uri="{28A0092B-C50C-407E-A947-70E740481C1C}">
+                <a14:useLocalDpi xmlns:a14="http://schemas.microsoft.com/office/drawing/2010/main" val="0"/>
+              </a:ext>
+            </a:extLst>
+          </a:blip>
+          <a:stretch>
+            <a:fillRect/>
+          </a:stretch>
+        </p:blipFill>
+        <p:spPr>
+          <a:xfrm>
+            <a:off x="3200400" y="1690688"/>
+            <a:ext cx="4449763" cy="4449763"/>
+          </a:xfrm>
+          <a:prstGeom prst="rect">
+            <a:avLst/>
+          </a:prstGeom>
+        </p:spPr>
+      </p:pic>
+      <p:sp>
+        <p:nvSpPr>
+          <p:cNvPr id="2" name="Title 1">
+            <a:extLst>
+              <a:ext uri="{FF2B5EF4-FFF2-40B4-BE49-F238E27FC236}">
+                <a16:creationId xmlns:a16="http://schemas.microsoft.com/office/drawing/2014/main" id="{7193F2B9-CA77-41E2-BFCC-DD2CEF5266DB}"/>
+              </a:ext>
+            </a:extLst>
+          </p:cNvPr>
+          <p:cNvSpPr>
+            <a:spLocks noGrp="1"/>
+          </p:cNvSpPr>
+          <p:nvPr>
+            <p:ph type="ctrTitle"/>
+          </p:nvPr>
+        </p:nvSpPr>
+        <p:spPr>
+          <a:xfrm>
+            <a:off x="838200" y="184805"/>
+            <a:ext cx="10515600" cy="1505883"/>
+          </a:xfrm>
+        </p:spPr>
+        <p:txBody>
+          <a:bodyPr vert="horz" lIns="91440" tIns="45720" rIns="91440" bIns="45720" rtlCol="0" anchor="ctr">
+            <a:normAutofit/>
+          </a:bodyPr>
+          <a:lstStyle/>
+          <a:p>
+            <a:pPr algn="l">
+              <a:lnSpc>
+                <a:spcPct val="90000"/>
+              </a:lnSpc>
+            </a:pPr>
+            <a:r>
+              <a:rPr lang="en-US" sz="5200" kern="1200">
+                <a:solidFill>
+                  <a:schemeClr val="tx1"/>
+                </a:solidFill>
+                <a:latin typeface="+mj-lt"/>
+                <a:ea typeface="+mj-ea"/>
+                <a:cs typeface="+mj-cs"/>
+              </a:rPr>
+              <a:t>Introduction to Processing</a:t>
+            </a:r>
+          </a:p>
+        </p:txBody>
+      </p:sp>
+    </p:spTree>
+    <p:extLst>
+      <p:ext uri="{BB962C8B-B14F-4D97-AF65-F5344CB8AC3E}">
+        <p14:creationId xmlns:p14="http://schemas.microsoft.com/office/powerpoint/2010/main" val="379983282"/>
+      </p:ext>
+    </p:extLst>
+  </p:cSld>
+  <p:clrMapOvr>
+    <a:masterClrMapping/>
+  </p:clrMapOvr>
+</p:sld>
+</file>
+
+<file path=ppt/slides/slide9.xml><?xml version="1.0" encoding="utf-8"?>
+<p:sld xmlns:a="http://schemas.openxmlformats.org/drawingml/2006/main" xmlns:r="http://schemas.openxmlformats.org/officeDocument/2006/relationships" xmlns:p="http://schemas.openxmlformats.org/presentationml/2006/main">
+  <p:cSld>
+    <p:spTree>
+      <p:nvGrpSpPr>
+        <p:cNvPr id="1" name=""/>
+        <p:cNvGrpSpPr/>
+        <p:nvPr/>
+      </p:nvGrpSpPr>
+      <p:grpSpPr>
+        <a:xfrm>
+          <a:off x="0" y="0"/>
+          <a:ext cx="0" cy="0"/>
+          <a:chOff x="0" y="0"/>
+          <a:chExt cx="0" cy="0"/>
+        </a:xfrm>
+      </p:grpSpPr>
+      <p:sp>
+        <p:nvSpPr>
+          <p:cNvPr id="2" name="Title 1"/>
+          <p:cNvSpPr>
+            <a:spLocks noGrp="1"/>
+          </p:cNvSpPr>
+          <p:nvPr>
+            <p:ph type="title"/>
+          </p:nvPr>
+        </p:nvSpPr>
+        <p:spPr/>
+        <p:txBody>
+          <a:bodyPr/>
+          <a:lstStyle/>
+          <a:p>
+            <a:r>
+              <a:rPr lang="en-IE" dirty="0"/>
+              <a:t>What is Processing?</a:t>
+            </a:r>
+          </a:p>
+        </p:txBody>
+      </p:sp>
+      <p:sp>
+        <p:nvSpPr>
+          <p:cNvPr id="3" name="Content Placeholder 2"/>
+          <p:cNvSpPr>
+            <a:spLocks noGrp="1"/>
+          </p:cNvSpPr>
+          <p:nvPr>
+            <p:ph idx="1"/>
+          </p:nvPr>
+        </p:nvSpPr>
+        <p:spPr>
+          <a:xfrm>
+            <a:off x="609600" y="1752600"/>
+            <a:ext cx="11277600" cy="1447800"/>
+          </a:xfrm>
+        </p:spPr>
+        <p:txBody>
+          <a:bodyPr>
+            <a:normAutofit/>
+          </a:bodyPr>
+          <a:lstStyle/>
+          <a:p>
+            <a:pPr marL="0" indent="0">
+              <a:buNone/>
+            </a:pPr>
+            <a:r>
+              <a:rPr lang="en-IE" sz="2800" b="1" dirty="0"/>
+              <a:t>Processing</a:t>
+            </a:r>
+            <a:r>
+              <a:rPr lang="en-IE" sz="2800" dirty="0"/>
+              <a:t> is a </a:t>
+            </a:r>
+          </a:p>
+          <a:p>
+            <a:pPr marL="0" indent="0">
+              <a:buNone/>
+            </a:pPr>
+            <a:r>
+              <a:rPr lang="en-IE" sz="2800" dirty="0"/>
+              <a:t>programming language, development environment, and online community</a:t>
+            </a:r>
+          </a:p>
+        </p:txBody>
+      </p:sp>
+      <p:pic>
+        <p:nvPicPr>
+          <p:cNvPr id="4" name="Picture 2">
+            <a:extLst>
+              <a:ext uri="{FF2B5EF4-FFF2-40B4-BE49-F238E27FC236}">
+                <a16:creationId xmlns:a16="http://schemas.microsoft.com/office/drawing/2014/main" id="{F93B7DB5-B149-4C4D-ADB9-8DD3B187BEA3}"/>
+              </a:ext>
+            </a:extLst>
+          </p:cNvPr>
+          <p:cNvPicPr>
+            <a:picLocks noChangeAspect="1" noChangeArrowheads="1"/>
+          </p:cNvPicPr>
+          <p:nvPr/>
+        </p:nvPicPr>
+        <p:blipFill>
+          <a:blip r:embed="rId2" cstate="print">
+            <a:extLst>
+              <a:ext uri="{28A0092B-C50C-407E-A947-70E740481C1C}">
+                <a14:useLocalDpi xmlns:a14="http://schemas.microsoft.com/office/drawing/2010/main" val="0"/>
+              </a:ext>
+            </a:extLst>
+          </a:blip>
+          <a:srcRect/>
+          <a:stretch/>
+        </p:blipFill>
+        <p:spPr bwMode="auto">
+          <a:xfrm>
+            <a:off x="8991600" y="46038"/>
+            <a:ext cx="1371600" cy="1371600"/>
+          </a:xfrm>
+          <a:prstGeom prst="rect">
+            <a:avLst/>
+          </a:prstGeom>
+          <a:noFill/>
+          <a:extLst>
+            <a:ext uri="{909E8E84-426E-40DD-AFC4-6F175D3DCCD1}">
+              <a14:hiddenFill xmlns:a14="http://schemas.microsoft.com/office/drawing/2010/main">
+                <a:solidFill>
+                  <a:srgbClr val="FFFFFF"/>
+                </a:solidFill>
+              </a14:hiddenFill>
+            </a:ext>
+          </a:extLst>
+        </p:spPr>
+      </p:pic>
+      <p:sp>
+        <p:nvSpPr>
+          <p:cNvPr id="5" name="Rectangle 4">
+            <a:extLst>
+              <a:ext uri="{FF2B5EF4-FFF2-40B4-BE49-F238E27FC236}">
+                <a16:creationId xmlns:a16="http://schemas.microsoft.com/office/drawing/2014/main" id="{2B6C10E6-9845-42E3-8563-37CCEEDBAE64}"/>
+              </a:ext>
+            </a:extLst>
+          </p:cNvPr>
+          <p:cNvSpPr/>
+          <p:nvPr/>
+        </p:nvSpPr>
+        <p:spPr>
+          <a:xfrm>
+            <a:off x="304800" y="3048000"/>
+            <a:ext cx="12986952" cy="2677656"/>
+          </a:xfrm>
+          <a:prstGeom prst="rect">
+            <a:avLst/>
+          </a:prstGeom>
+        </p:spPr>
+        <p:txBody>
+          <a:bodyPr wrap="square">
+            <a:spAutoFit/>
+          </a:bodyPr>
+          <a:lstStyle/>
+          <a:p>
+            <a:pPr marL="400050" lvl="1"/>
+            <a:r>
+              <a:rPr lang="en-IE" sz="2800" dirty="0"/>
+              <a:t>…can be used to develop static or interactive online material </a:t>
+            </a:r>
+            <a:br>
+              <a:rPr lang="en-IE" sz="2800" dirty="0"/>
+            </a:br>
+            <a:r>
+              <a:rPr lang="en-IE" sz="2800" dirty="0"/>
+              <a:t>and data visualisations.</a:t>
+            </a:r>
+          </a:p>
+          <a:p>
+            <a:pPr marL="400050" lvl="1"/>
+            <a:endParaRPr lang="en-IE" sz="2800" dirty="0"/>
+          </a:p>
+          <a:p>
+            <a:pPr marL="400050" lvl="1"/>
+            <a:r>
+              <a:rPr lang="en-IE" sz="2800" dirty="0"/>
+              <a:t>…is often used by visual artists.</a:t>
+            </a:r>
+          </a:p>
+          <a:p>
+            <a:pPr marL="400050" lvl="1"/>
+            <a:endParaRPr lang="en-IE" sz="2800" dirty="0"/>
+          </a:p>
+          <a:p>
+            <a:pPr marL="400050" lvl="1"/>
+            <a:r>
+              <a:rPr lang="en-IE" sz="2800" dirty="0"/>
+              <a:t>…produces visual and interactive representations of programming code.</a:t>
+            </a:r>
+            <a:endParaRPr lang="en-IE" sz="2800" b="1" dirty="0"/>
+          </a:p>
+        </p:txBody>
+      </p:sp>
+    </p:spTree>
+    <p:extLst>
+      <p:ext uri="{BB962C8B-B14F-4D97-AF65-F5344CB8AC3E}">
+        <p14:creationId xmlns:p14="http://schemas.microsoft.com/office/powerpoint/2010/main" val="3041990600"/>
+      </p:ext>
+    </p:extLst>
+  </p:cSld>
+  <p:clrMapOvr>
+    <a:masterClrMapping/>
+  </p:clrMapOvr>
+  <p:timing>
+    <p:tnLst>
+      <p:par>
+        <p:cTn id="1" dur="indefinite" restart="never" nodeType="tmRoot">
+          <p:childTnLst>
+            <p:seq concurrent="1" nextAc="seek">
+              <p:cTn id="2" dur="indefinite" nodeType="mainSeq">
+                <p:childTnLst>
+                  <p:par>
+                    <p:cTn id="3" fill="hold">
+                      <p:stCondLst>
+                        <p:cond delay="indefinite"/>
+                      </p:stCondLst>
+                      <p:childTnLst>
+                        <p:par>
+                          <p:cTn id="4" fill="hold">
+                            <p:stCondLst>
+                              <p:cond delay="0"/>
+                            </p:stCondLst>
+                            <p:childTnLst>
+                              <p:par>
+                                <p:cTn id="5" presetID="1" presetClass="entr" presetSubtype="0" fill="hold" grpId="0" nodeType="clickEffect">
+                                  <p:stCondLst>
+                                    <p:cond delay="0"/>
+                                  </p:stCondLst>
+                                  <p:childTnLst>
+                                    <p:set>
+                                      <p:cBhvr>
+                                        <p:cTn id="6" dur="1" fill="hold">
+                                          <p:stCondLst>
+                                            <p:cond delay="0"/>
+                                          </p:stCondLst>
+                                        </p:cTn>
+                                        <p:tgtEl>
+                                          <p:spTgt spid="5"/>
+                                        </p:tgtEl>
+                                        <p:attrNameLst>
+                                          <p:attrName>style.visibility</p:attrName>
+                                        </p:attrNameLst>
+                                      </p:cBhvr>
+                                      <p:to>
+                                        <p:strVal val="visible"/>
+                                      </p:to>
+                                    </p:set>
+                                  </p:childTnLst>
+                                </p:cTn>
+                              </p:par>
+                            </p:childTnLst>
+                          </p:cTn>
+                        </p:par>
+                      </p:childTnLst>
+                    </p:cTn>
+                  </p:par>
+                </p:childTnLst>
+              </p:cTn>
+              <p:prevCondLst>
+                <p:cond evt="onPrev" delay="0">
+                  <p:tgtEl>
+                    <p:sldTgt/>
+                  </p:tgtEl>
+                </p:cond>
+              </p:prevCondLst>
+              <p:nextCondLst>
+                <p:cond evt="onNext" delay="0">
+                  <p:tgtEl>
+                    <p:sldTgt/>
+                  </p:tgtEl>
+                </p:cond>
+              </p:nextCondLst>
+            </p:seq>
+          </p:childTnLst>
+        </p:cTn>
+      </p:par>
+    </p:tnLst>
+    <p:bldLst>
+      <p:bldP spid="5" grpId="0"/>
+    </p:bldLst>
+  </p:timing>
 </p:sld>
 </file>
 

--- a/topic00-processing/talk-1/a-intro-to-programming.pptx
+++ b/topic00-processing/talk-1/a-intro-to-programming.pptx
@@ -224,7 +224,7 @@
           <a:p>
             <a:fld id="{58C3D141-1E1C-433C-AD3A-CD56CBBB4F9F}" type="datetimeFigureOut">
               <a:rPr lang="en-IE" smtClean="0"/>
-              <a:t>08/12/2025</a:t>
+              <a:t>09/12/2025</a:t>
             </a:fld>
             <a:endParaRPr lang="en-IE"/>
           </a:p>
@@ -756,7 +756,7 @@
             <a:fld id="{1D8BD707-D9CF-40AE-B4C6-C98DA3205C09}" type="datetimeFigureOut">
               <a:rPr lang="en-US" smtClean="0"/>
               <a:pPr/>
-              <a:t>12/8/2025</a:t>
+              <a:t>12/9/2025</a:t>
             </a:fld>
             <a:endParaRPr lang="en-US"/>
           </a:p>
@@ -921,7 +921,7 @@
             <a:fld id="{1D8BD707-D9CF-40AE-B4C6-C98DA3205C09}" type="datetimeFigureOut">
               <a:rPr lang="en-US" smtClean="0"/>
               <a:pPr/>
-              <a:t>12/8/2025</a:t>
+              <a:t>12/9/2025</a:t>
             </a:fld>
             <a:endParaRPr lang="en-US"/>
           </a:p>
@@ -1096,7 +1096,7 @@
             <a:fld id="{1D8BD707-D9CF-40AE-B4C6-C98DA3205C09}" type="datetimeFigureOut">
               <a:rPr lang="en-US" smtClean="0"/>
               <a:pPr/>
-              <a:t>12/8/2025</a:t>
+              <a:t>12/9/2025</a:t>
             </a:fld>
             <a:endParaRPr lang="en-US"/>
           </a:p>
@@ -1272,7 +1272,7 @@
             <a:fld id="{1D8BD707-D9CF-40AE-B4C6-C98DA3205C09}" type="datetimeFigureOut">
               <a:rPr lang="en-US" smtClean="0"/>
               <a:pPr/>
-              <a:t>12/8/2025</a:t>
+              <a:t>12/9/2025</a:t>
             </a:fld>
             <a:endParaRPr lang="en-US"/>
           </a:p>
@@ -1552,7 +1552,7 @@
             <a:fld id="{1D8BD707-D9CF-40AE-B4C6-C98DA3205C09}" type="datetimeFigureOut">
               <a:rPr lang="en-US" smtClean="0"/>
               <a:pPr/>
-              <a:t>12/8/2025</a:t>
+              <a:t>12/9/2025</a:t>
             </a:fld>
             <a:endParaRPr lang="en-US"/>
           </a:p>
@@ -1845,7 +1845,7 @@
             <a:fld id="{1D8BD707-D9CF-40AE-B4C6-C98DA3205C09}" type="datetimeFigureOut">
               <a:rPr lang="en-US" smtClean="0"/>
               <a:pPr/>
-              <a:t>12/8/2025</a:t>
+              <a:t>12/9/2025</a:t>
             </a:fld>
             <a:endParaRPr lang="en-US"/>
           </a:p>
@@ -2303,7 +2303,7 @@
             <a:fld id="{1D8BD707-D9CF-40AE-B4C6-C98DA3205C09}" type="datetimeFigureOut">
               <a:rPr lang="en-US" smtClean="0"/>
               <a:pPr/>
-              <a:t>12/8/2025</a:t>
+              <a:t>12/9/2025</a:t>
             </a:fld>
             <a:endParaRPr lang="en-US"/>
           </a:p>
@@ -2463,7 +2463,7 @@
             <a:fld id="{1D8BD707-D9CF-40AE-B4C6-C98DA3205C09}" type="datetimeFigureOut">
               <a:rPr lang="en-US" smtClean="0"/>
               <a:pPr/>
-              <a:t>12/8/2025</a:t>
+              <a:t>12/9/2025</a:t>
             </a:fld>
             <a:endParaRPr lang="en-US"/>
           </a:p>
@@ -2590,7 +2590,7 @@
             <a:fld id="{1D8BD707-D9CF-40AE-B4C6-C98DA3205C09}" type="datetimeFigureOut">
               <a:rPr lang="en-US" smtClean="0"/>
               <a:pPr/>
-              <a:t>12/8/2025</a:t>
+              <a:t>12/9/2025</a:t>
             </a:fld>
             <a:endParaRPr lang="en-US"/>
           </a:p>
@@ -2862,7 +2862,7 @@
             <a:fld id="{1D8BD707-D9CF-40AE-B4C6-C98DA3205C09}" type="datetimeFigureOut">
               <a:rPr lang="en-US" smtClean="0"/>
               <a:pPr/>
-              <a:t>12/8/2025</a:t>
+              <a:t>12/9/2025</a:t>
             </a:fld>
             <a:endParaRPr lang="en-US"/>
           </a:p>
@@ -3111,7 +3111,7 @@
             <a:fld id="{1D8BD707-D9CF-40AE-B4C6-C98DA3205C09}" type="datetimeFigureOut">
               <a:rPr lang="en-US" smtClean="0"/>
               <a:pPr/>
-              <a:t>12/8/2025</a:t>
+              <a:t>12/9/2025</a:t>
             </a:fld>
             <a:endParaRPr lang="en-US"/>
           </a:p>
@@ -3319,7 +3319,7 @@
             <a:fld id="{1D8BD707-D9CF-40AE-B4C6-C98DA3205C09}" type="datetimeFigureOut">
               <a:rPr lang="en-US" smtClean="0"/>
               <a:pPr/>
-              <a:t>12/8/2025</a:t>
+              <a:t>12/9/2025</a:t>
             </a:fld>
             <a:endParaRPr lang="en-US"/>
           </a:p>
@@ -6370,15 +6370,6 @@
           <a:solidFill>
             <a:srgbClr val="FFFFFF"/>
           </a:solidFill>
-          <a:extLst>
-            <a:ext uri="{909E8E84-426E-40DD-AFC4-6F175D3DCCD1}">
-              <a14:hiddenFill xmlns:a14="http://schemas.microsoft.com/office/drawing/2010/main">
-                <a:solidFill>
-                  <a:srgbClr val="FFFFFF"/>
-                </a:solidFill>
-              </a14:hiddenFill>
-            </a:ext>
-          </a:extLst>
         </p:spPr>
       </p:pic>
     </p:spTree>
@@ -7083,15 +7074,6 @@
           <a:solidFill>
             <a:srgbClr val="FFFFFF"/>
           </a:solidFill>
-          <a:extLst>
-            <a:ext uri="{909E8E84-426E-40DD-AFC4-6F175D3DCCD1}">
-              <a14:hiddenFill xmlns:a14="http://schemas.microsoft.com/office/drawing/2010/main">
-                <a:solidFill>
-                  <a:srgbClr val="FFFFFF"/>
-                </a:solidFill>
-              </a14:hiddenFill>
-            </a:ext>
-          </a:extLst>
         </p:spPr>
       </p:pic>
     </p:spTree>
@@ -7831,15 +7813,6 @@
           <a:solidFill>
             <a:srgbClr val="FFFFFF"/>
           </a:solidFill>
-          <a:extLst>
-            <a:ext uri="{909E8E84-426E-40DD-AFC4-6F175D3DCCD1}">
-              <a14:hiddenFill xmlns:a14="http://schemas.microsoft.com/office/drawing/2010/main">
-                <a:solidFill>
-                  <a:srgbClr val="FFFFFF"/>
-                </a:solidFill>
-              </a14:hiddenFill>
-            </a:ext>
-          </a:extLst>
         </p:spPr>
       </p:pic>
     </p:spTree>
@@ -8550,7 +8523,7 @@
             </a:pPr>
             <a:r>
               <a:rPr lang="en-IE" sz="2600" dirty="0"/>
-              <a:t>Netflix recommendations → AI algorithms</a:t>
+              <a:t>Netflix recommendations </a:t>
             </a:r>
           </a:p>
           <a:p>
@@ -8561,7 +8534,7 @@
             </a:pPr>
             <a:r>
               <a:rPr lang="en-IE" sz="2600" dirty="0"/>
-              <a:t>Snapchat filters → computer vision</a:t>
+              <a:t>Snapchat filters </a:t>
             </a:r>
           </a:p>
           <a:p>
@@ -8572,7 +8545,7 @@
             </a:pPr>
             <a:r>
               <a:rPr lang="en-IE" sz="2600" dirty="0"/>
-              <a:t>Spotify playlists → machine learning</a:t>
+              <a:t>Spotify playlists </a:t>
             </a:r>
           </a:p>
           <a:p>
@@ -8583,7 +8556,7 @@
             </a:pPr>
             <a:r>
               <a:rPr lang="en-IE" sz="2600" dirty="0"/>
-              <a:t>Instagram stories → mobile apps</a:t>
+              <a:t>Instagram stories </a:t>
             </a:r>
           </a:p>
           <a:p>
@@ -8594,7 +8567,7 @@
             </a:pPr>
             <a:r>
               <a:rPr lang="en-IE" sz="2600" dirty="0"/>
-              <a:t>Self-driving cars → robotics + sensors</a:t>
+              <a:t>Self-driving cars </a:t>
             </a:r>
           </a:p>
           <a:p>
@@ -8605,7 +8578,7 @@
             </a:pPr>
             <a:r>
               <a:rPr lang="en-IE" sz="2600" dirty="0"/>
-              <a:t>Games (Fortnite, FIFA, Minecraft) → game engines + physics</a:t>
+              <a:t>Games (Fortnite, FIFA, Minecraft) </a:t>
             </a:r>
           </a:p>
           <a:p>
@@ -8616,7 +8589,7 @@
             </a:pPr>
             <a:r>
               <a:rPr lang="en-IE" sz="2600" dirty="0"/>
-              <a:t>Even toaster ovens &amp; traffic lights → embedded systems</a:t>
+              <a:t>Even toaster ovens &amp; traffic lights</a:t>
             </a:r>
           </a:p>
         </p:txBody>
@@ -8660,15 +8633,6 @@
           <a:solidFill>
             <a:srgbClr val="FFFFFF"/>
           </a:solidFill>
-          <a:extLst>
-            <a:ext uri="{909E8E84-426E-40DD-AFC4-6F175D3DCCD1}">
-              <a14:hiddenFill xmlns:a14="http://schemas.microsoft.com/office/drawing/2010/main">
-                <a:solidFill>
-                  <a:srgbClr val="FFFFFF"/>
-                </a:solidFill>
-              </a14:hiddenFill>
-            </a:ext>
-          </a:extLst>
         </p:spPr>
       </p:pic>
     </p:spTree>
@@ -8798,15 +8762,33 @@
                                   </p:childTnLst>
                                 </p:cTn>
                               </p:par>
+                            </p:childTnLst>
+                          </p:cTn>
+                        </p:par>
+                      </p:childTnLst>
+                    </p:cTn>
+                  </p:par>
+                  <p:par>
+                    <p:cTn id="10" fill="hold">
+                      <p:stCondLst>
+                        <p:cond delay="indefinite"/>
+                      </p:stCondLst>
+                      <p:childTnLst>
+                        <p:par>
+                          <p:cTn id="11" fill="hold">
+                            <p:stCondLst>
+                              <p:cond delay="0"/>
+                            </p:stCondLst>
+                            <p:childTnLst>
                               <p:par>
-                                <p:cTn id="10" presetID="45" presetClass="entr" presetSubtype="0" fill="hold" grpId="0" nodeType="withEffect">
+                                <p:cTn id="12" presetID="45" presetClass="entr" presetSubtype="0" fill="hold" grpId="0" nodeType="clickEffect">
                                   <p:stCondLst>
                                     <p:cond delay="0"/>
                                   </p:stCondLst>
                                   <p:childTnLst>
                                     <p:set>
                                       <p:cBhvr>
-                                        <p:cTn id="11" dur="1" fill="hold">
+                                        <p:cTn id="13" dur="1" fill="hold">
                                           <p:stCondLst>
                                             <p:cond delay="0"/>
                                           </p:stCondLst>
@@ -8828,7 +8810,7 @@
                                     </p:set>
                                     <p:animEffect transition="in" filter="fade">
                                       <p:cBhvr>
-                                        <p:cTn id="12" dur="2000"/>
+                                        <p:cTn id="14" dur="2000"/>
                                         <p:tgtEl>
                                           <p:spTgt spid="3">
                                             <p:txEl>
@@ -8840,7 +8822,7 @@
                                     </p:animEffect>
                                     <p:anim calcmode="lin" valueType="num">
                                       <p:cBhvr>
-                                        <p:cTn id="13" dur="2000" fill="hold"/>
+                                        <p:cTn id="15" dur="2000" fill="hold"/>
                                         <p:tgtEl>
                                           <p:spTgt spid="3">
                                             <p:txEl>
@@ -8867,7 +8849,7 @@
                                     </p:anim>
                                     <p:anim calcmode="lin" valueType="num">
                                       <p:cBhvr>
-                                        <p:cTn id="14" dur="2000" fill="hold"/>
+                                        <p:cTn id="16" dur="2000" fill="hold"/>
                                         <p:tgtEl>
                                           <p:spTgt spid="3">
                                             <p:txEl>
@@ -8895,15 +8877,33 @@
                                   </p:childTnLst>
                                 </p:cTn>
                               </p:par>
+                            </p:childTnLst>
+                          </p:cTn>
+                        </p:par>
+                      </p:childTnLst>
+                    </p:cTn>
+                  </p:par>
+                  <p:par>
+                    <p:cTn id="17" fill="hold">
+                      <p:stCondLst>
+                        <p:cond delay="indefinite"/>
+                      </p:stCondLst>
+                      <p:childTnLst>
+                        <p:par>
+                          <p:cTn id="18" fill="hold">
+                            <p:stCondLst>
+                              <p:cond delay="0"/>
+                            </p:stCondLst>
+                            <p:childTnLst>
                               <p:par>
-                                <p:cTn id="15" presetID="45" presetClass="entr" presetSubtype="0" fill="hold" grpId="0" nodeType="withEffect">
+                                <p:cTn id="19" presetID="45" presetClass="entr" presetSubtype="0" fill="hold" grpId="0" nodeType="clickEffect">
                                   <p:stCondLst>
                                     <p:cond delay="0"/>
                                   </p:stCondLst>
                                   <p:childTnLst>
                                     <p:set>
                                       <p:cBhvr>
-                                        <p:cTn id="16" dur="1" fill="hold">
+                                        <p:cTn id="20" dur="1" fill="hold">
                                           <p:stCondLst>
                                             <p:cond delay="0"/>
                                           </p:stCondLst>
@@ -8925,7 +8925,7 @@
                                     </p:set>
                                     <p:animEffect transition="in" filter="fade">
                                       <p:cBhvr>
-                                        <p:cTn id="17" dur="2000"/>
+                                        <p:cTn id="21" dur="2000"/>
                                         <p:tgtEl>
                                           <p:spTgt spid="3">
                                             <p:txEl>
@@ -8937,7 +8937,7 @@
                                     </p:animEffect>
                                     <p:anim calcmode="lin" valueType="num">
                                       <p:cBhvr>
-                                        <p:cTn id="18" dur="2000" fill="hold"/>
+                                        <p:cTn id="22" dur="2000" fill="hold"/>
                                         <p:tgtEl>
                                           <p:spTgt spid="3">
                                             <p:txEl>
@@ -8964,7 +8964,7 @@
                                     </p:anim>
                                     <p:anim calcmode="lin" valueType="num">
                                       <p:cBhvr>
-                                        <p:cTn id="19" dur="2000" fill="hold"/>
+                                        <p:cTn id="23" dur="2000" fill="hold"/>
                                         <p:tgtEl>
                                           <p:spTgt spid="3">
                                             <p:txEl>
@@ -8992,15 +8992,33 @@
                                   </p:childTnLst>
                                 </p:cTn>
                               </p:par>
+                            </p:childTnLst>
+                          </p:cTn>
+                        </p:par>
+                      </p:childTnLst>
+                    </p:cTn>
+                  </p:par>
+                  <p:par>
+                    <p:cTn id="24" fill="hold">
+                      <p:stCondLst>
+                        <p:cond delay="indefinite"/>
+                      </p:stCondLst>
+                      <p:childTnLst>
+                        <p:par>
+                          <p:cTn id="25" fill="hold">
+                            <p:stCondLst>
+                              <p:cond delay="0"/>
+                            </p:stCondLst>
+                            <p:childTnLst>
                               <p:par>
-                                <p:cTn id="20" presetID="45" presetClass="entr" presetSubtype="0" fill="hold" grpId="0" nodeType="withEffect">
+                                <p:cTn id="26" presetID="45" presetClass="entr" presetSubtype="0" fill="hold" grpId="0" nodeType="clickEffect">
                                   <p:stCondLst>
                                     <p:cond delay="0"/>
                                   </p:stCondLst>
                                   <p:childTnLst>
                                     <p:set>
                                       <p:cBhvr>
-                                        <p:cTn id="21" dur="1" fill="hold">
+                                        <p:cTn id="27" dur="1" fill="hold">
                                           <p:stCondLst>
                                             <p:cond delay="0"/>
                                           </p:stCondLst>
@@ -9022,7 +9040,7 @@
                                     </p:set>
                                     <p:animEffect transition="in" filter="fade">
                                       <p:cBhvr>
-                                        <p:cTn id="22" dur="2000"/>
+                                        <p:cTn id="28" dur="2000"/>
                                         <p:tgtEl>
                                           <p:spTgt spid="3">
                                             <p:txEl>
@@ -9034,7 +9052,7 @@
                                     </p:animEffect>
                                     <p:anim calcmode="lin" valueType="num">
                                       <p:cBhvr>
-                                        <p:cTn id="23" dur="2000" fill="hold"/>
+                                        <p:cTn id="29" dur="2000" fill="hold"/>
                                         <p:tgtEl>
                                           <p:spTgt spid="3">
                                             <p:txEl>
@@ -9061,7 +9079,7 @@
                                     </p:anim>
                                     <p:anim calcmode="lin" valueType="num">
                                       <p:cBhvr>
-                                        <p:cTn id="24" dur="2000" fill="hold"/>
+                                        <p:cTn id="30" dur="2000" fill="hold"/>
                                         <p:tgtEl>
                                           <p:spTgt spid="3">
                                             <p:txEl>
@@ -9089,15 +9107,33 @@
                                   </p:childTnLst>
                                 </p:cTn>
                               </p:par>
+                            </p:childTnLst>
+                          </p:cTn>
+                        </p:par>
+                      </p:childTnLst>
+                    </p:cTn>
+                  </p:par>
+                  <p:par>
+                    <p:cTn id="31" fill="hold">
+                      <p:stCondLst>
+                        <p:cond delay="indefinite"/>
+                      </p:stCondLst>
+                      <p:childTnLst>
+                        <p:par>
+                          <p:cTn id="32" fill="hold">
+                            <p:stCondLst>
+                              <p:cond delay="0"/>
+                            </p:stCondLst>
+                            <p:childTnLst>
                               <p:par>
-                                <p:cTn id="25" presetID="45" presetClass="entr" presetSubtype="0" fill="hold" grpId="0" nodeType="withEffect">
+                                <p:cTn id="33" presetID="45" presetClass="entr" presetSubtype="0" fill="hold" grpId="0" nodeType="clickEffect">
                                   <p:stCondLst>
                                     <p:cond delay="0"/>
                                   </p:stCondLst>
                                   <p:childTnLst>
                                     <p:set>
                                       <p:cBhvr>
-                                        <p:cTn id="26" dur="1" fill="hold">
+                                        <p:cTn id="34" dur="1" fill="hold">
                                           <p:stCondLst>
                                             <p:cond delay="0"/>
                                           </p:stCondLst>
@@ -9119,7 +9155,7 @@
                                     </p:set>
                                     <p:animEffect transition="in" filter="fade">
                                       <p:cBhvr>
-                                        <p:cTn id="27" dur="2000"/>
+                                        <p:cTn id="35" dur="2000"/>
                                         <p:tgtEl>
                                           <p:spTgt spid="3">
                                             <p:txEl>
@@ -9131,7 +9167,7 @@
                                     </p:animEffect>
                                     <p:anim calcmode="lin" valueType="num">
                                       <p:cBhvr>
-                                        <p:cTn id="28" dur="2000" fill="hold"/>
+                                        <p:cTn id="36" dur="2000" fill="hold"/>
                                         <p:tgtEl>
                                           <p:spTgt spid="3">
                                             <p:txEl>
@@ -9158,7 +9194,7 @@
                                     </p:anim>
                                     <p:anim calcmode="lin" valueType="num">
                                       <p:cBhvr>
-                                        <p:cTn id="29" dur="2000" fill="hold"/>
+                                        <p:cTn id="37" dur="2000" fill="hold"/>
                                         <p:tgtEl>
                                           <p:spTgt spid="3">
                                             <p:txEl>
@@ -9186,15 +9222,33 @@
                                   </p:childTnLst>
                                 </p:cTn>
                               </p:par>
+                            </p:childTnLst>
+                          </p:cTn>
+                        </p:par>
+                      </p:childTnLst>
+                    </p:cTn>
+                  </p:par>
+                  <p:par>
+                    <p:cTn id="38" fill="hold">
+                      <p:stCondLst>
+                        <p:cond delay="indefinite"/>
+                      </p:stCondLst>
+                      <p:childTnLst>
+                        <p:par>
+                          <p:cTn id="39" fill="hold">
+                            <p:stCondLst>
+                              <p:cond delay="0"/>
+                            </p:stCondLst>
+                            <p:childTnLst>
                               <p:par>
-                                <p:cTn id="30" presetID="45" presetClass="entr" presetSubtype="0" fill="hold" grpId="0" nodeType="withEffect">
+                                <p:cTn id="40" presetID="45" presetClass="entr" presetSubtype="0" fill="hold" grpId="0" nodeType="clickEffect">
                                   <p:stCondLst>
                                     <p:cond delay="0"/>
                                   </p:stCondLst>
                                   <p:childTnLst>
                                     <p:set>
                                       <p:cBhvr>
-                                        <p:cTn id="31" dur="1" fill="hold">
+                                        <p:cTn id="41" dur="1" fill="hold">
                                           <p:stCondLst>
                                             <p:cond delay="0"/>
                                           </p:stCondLst>
@@ -9216,7 +9270,7 @@
                                     </p:set>
                                     <p:animEffect transition="in" filter="fade">
                                       <p:cBhvr>
-                                        <p:cTn id="32" dur="2000"/>
+                                        <p:cTn id="42" dur="2000"/>
                                         <p:tgtEl>
                                           <p:spTgt spid="3">
                                             <p:txEl>
@@ -9228,7 +9282,7 @@
                                     </p:animEffect>
                                     <p:anim calcmode="lin" valueType="num">
                                       <p:cBhvr>
-                                        <p:cTn id="33" dur="2000" fill="hold"/>
+                                        <p:cTn id="43" dur="2000" fill="hold"/>
                                         <p:tgtEl>
                                           <p:spTgt spid="3">
                                             <p:txEl>
@@ -9255,7 +9309,7 @@
                                     </p:anim>
                                     <p:anim calcmode="lin" valueType="num">
                                       <p:cBhvr>
-                                        <p:cTn id="34" dur="2000" fill="hold"/>
+                                        <p:cTn id="44" dur="2000" fill="hold"/>
                                         <p:tgtEl>
                                           <p:spTgt spid="3">
                                             <p:txEl>
@@ -9283,15 +9337,33 @@
                                   </p:childTnLst>
                                 </p:cTn>
                               </p:par>
+                            </p:childTnLst>
+                          </p:cTn>
+                        </p:par>
+                      </p:childTnLst>
+                    </p:cTn>
+                  </p:par>
+                  <p:par>
+                    <p:cTn id="45" fill="hold">
+                      <p:stCondLst>
+                        <p:cond delay="indefinite"/>
+                      </p:stCondLst>
+                      <p:childTnLst>
+                        <p:par>
+                          <p:cTn id="46" fill="hold">
+                            <p:stCondLst>
+                              <p:cond delay="0"/>
+                            </p:stCondLst>
+                            <p:childTnLst>
                               <p:par>
-                                <p:cTn id="35" presetID="45" presetClass="entr" presetSubtype="0" fill="hold" grpId="0" nodeType="withEffect">
+                                <p:cTn id="47" presetID="45" presetClass="entr" presetSubtype="0" fill="hold" grpId="0" nodeType="clickEffect">
                                   <p:stCondLst>
                                     <p:cond delay="0"/>
                                   </p:stCondLst>
                                   <p:childTnLst>
                                     <p:set>
                                       <p:cBhvr>
-                                        <p:cTn id="36" dur="1" fill="hold">
+                                        <p:cTn id="48" dur="1" fill="hold">
                                           <p:stCondLst>
                                             <p:cond delay="0"/>
                                           </p:stCondLst>
@@ -9313,7 +9385,7 @@
                                     </p:set>
                                     <p:animEffect transition="in" filter="fade">
                                       <p:cBhvr>
-                                        <p:cTn id="37" dur="2000"/>
+                                        <p:cTn id="49" dur="2000"/>
                                         <p:tgtEl>
                                           <p:spTgt spid="3">
                                             <p:txEl>
@@ -9325,7 +9397,7 @@
                                     </p:animEffect>
                                     <p:anim calcmode="lin" valueType="num">
                                       <p:cBhvr>
-                                        <p:cTn id="38" dur="2000" fill="hold"/>
+                                        <p:cTn id="50" dur="2000" fill="hold"/>
                                         <p:tgtEl>
                                           <p:spTgt spid="3">
                                             <p:txEl>
@@ -9352,7 +9424,7 @@
                                     </p:anim>
                                     <p:anim calcmode="lin" valueType="num">
                                       <p:cBhvr>
-                                        <p:cTn id="39" dur="2000" fill="hold"/>
+                                        <p:cTn id="51" dur="2000" fill="hold"/>
                                         <p:tgtEl>
                                           <p:spTgt spid="3">
                                             <p:txEl>
@@ -10159,15 +10231,6 @@
           <a:solidFill>
             <a:srgbClr val="FFFFFF"/>
           </a:solidFill>
-          <a:extLst>
-            <a:ext uri="{909E8E84-426E-40DD-AFC4-6F175D3DCCD1}">
-              <a14:hiddenFill xmlns:a14="http://schemas.microsoft.com/office/drawing/2010/main">
-                <a:solidFill>
-                  <a:srgbClr val="FFFFFF"/>
-                </a:solidFill>
-              </a14:hiddenFill>
-            </a:ext>
-          </a:extLst>
         </p:spPr>
       </p:pic>
     </p:spTree>
